--- a/동아리스터디ppt/개발자들_0920_HTML.pptx
+++ b/동아리스터디ppt/개발자들_0920_HTML.pptx
@@ -9,32 +9,50 @@
     <p:sldId id="257" r:id="rId3"/>
     <p:sldId id="258" r:id="rId4"/>
     <p:sldId id="259" r:id="rId5"/>
-    <p:sldId id="260" r:id="rId6"/>
-    <p:sldId id="261" r:id="rId7"/>
-    <p:sldId id="262" r:id="rId8"/>
-    <p:sldId id="263" r:id="rId9"/>
-    <p:sldId id="264" r:id="rId10"/>
-    <p:sldId id="265" r:id="rId11"/>
-    <p:sldId id="266" r:id="rId12"/>
-    <p:sldId id="267" r:id="rId13"/>
-    <p:sldId id="268" r:id="rId14"/>
-    <p:sldId id="269" r:id="rId15"/>
-    <p:sldId id="270" r:id="rId16"/>
-    <p:sldId id="271" r:id="rId17"/>
-    <p:sldId id="272" r:id="rId18"/>
-    <p:sldId id="273" r:id="rId19"/>
+    <p:sldId id="274" r:id="rId6"/>
+    <p:sldId id="260" r:id="rId7"/>
+    <p:sldId id="275" r:id="rId8"/>
+    <p:sldId id="276" r:id="rId9"/>
+    <p:sldId id="277" r:id="rId10"/>
+    <p:sldId id="278" r:id="rId11"/>
+    <p:sldId id="261" r:id="rId12"/>
+    <p:sldId id="279" r:id="rId13"/>
+    <p:sldId id="280" r:id="rId14"/>
+    <p:sldId id="281" r:id="rId15"/>
+    <p:sldId id="282" r:id="rId16"/>
+    <p:sldId id="283" r:id="rId17"/>
+    <p:sldId id="284" r:id="rId18"/>
+    <p:sldId id="285" r:id="rId19"/>
+    <p:sldId id="286" r:id="rId20"/>
+    <p:sldId id="262" r:id="rId21"/>
+    <p:sldId id="264" r:id="rId22"/>
+    <p:sldId id="265" r:id="rId23"/>
+    <p:sldId id="266" r:id="rId24"/>
+    <p:sldId id="267" r:id="rId25"/>
+    <p:sldId id="268" r:id="rId26"/>
+    <p:sldId id="269" r:id="rId27"/>
+    <p:sldId id="270" r:id="rId28"/>
+    <p:sldId id="271" r:id="rId29"/>
+    <p:sldId id="272" r:id="rId30"/>
+    <p:sldId id="273" r:id="rId31"/>
+    <p:sldId id="263" r:id="rId32"/>
+    <p:sldId id="287" r:id="rId33"/>
+    <p:sldId id="288" r:id="rId34"/>
+    <p:sldId id="289" r:id="rId35"/>
+    <p:sldId id="290" r:id="rId36"/>
+    <p:sldId id="291" r:id="rId37"/>
   </p:sldIdLst>
   <p:sldSz cx="12192000" cy="6858000"/>
   <p:notesSz cx="6858000" cy="9144000"/>
   <p:embeddedFontLst>
     <p:embeddedFont>
       <p:font typeface="08서울남산체 B" panose="02020603020101020101" pitchFamily="18" charset="-127"/>
-      <p:regular r:id="rId20"/>
+      <p:regular r:id="rId38"/>
     </p:embeddedFont>
     <p:embeddedFont>
       <p:font typeface="맑은 고딕" panose="020B0503020000020004" pitchFamily="50" charset="-127"/>
-      <p:regular r:id="rId21"/>
-      <p:bold r:id="rId22"/>
+      <p:regular r:id="rId39"/>
+      <p:bold r:id="rId40"/>
     </p:embeddedFont>
   </p:embeddedFontLst>
   <p:defaultTextStyle>
@@ -132,6 +150,11 @@
       </a:defRPr>
     </a:lvl9pPr>
   </p:defaultTextStyle>
+  <p:extLst>
+    <p:ext uri="{EFAFB233-063F-42B5-8137-9DF3F51BA10A}">
+      <p15:sldGuideLst xmlns:p15="http://schemas.microsoft.com/office/powerpoint/2012/main"/>
+    </p:ext>
+  </p:extLst>
 </p:presentation>
 </file>
 
@@ -282,7 +305,7 @@
           <a:p>
             <a:fld id="{B59436BA-9858-496E-B954-CF3C1B3ADD00}" type="datetimeFigureOut">
               <a:rPr lang="ko-KR" altLang="en-US" smtClean="0"/>
-              <a:t>2018-09-16</a:t>
+              <a:t>2018-09-17</a:t>
             </a:fld>
             <a:endParaRPr lang="ko-KR" altLang="en-US"/>
           </a:p>
@@ -480,7 +503,7 @@
           <a:p>
             <a:fld id="{B59436BA-9858-496E-B954-CF3C1B3ADD00}" type="datetimeFigureOut">
               <a:rPr lang="ko-KR" altLang="en-US" smtClean="0"/>
-              <a:t>2018-09-16</a:t>
+              <a:t>2018-09-17</a:t>
             </a:fld>
             <a:endParaRPr lang="ko-KR" altLang="en-US"/>
           </a:p>
@@ -688,7 +711,7 @@
           <a:p>
             <a:fld id="{B59436BA-9858-496E-B954-CF3C1B3ADD00}" type="datetimeFigureOut">
               <a:rPr lang="ko-KR" altLang="en-US" smtClean="0"/>
-              <a:t>2018-09-16</a:t>
+              <a:t>2018-09-17</a:t>
             </a:fld>
             <a:endParaRPr lang="ko-KR" altLang="en-US"/>
           </a:p>
@@ -886,7 +909,7 @@
           <a:p>
             <a:fld id="{B59436BA-9858-496E-B954-CF3C1B3ADD00}" type="datetimeFigureOut">
               <a:rPr lang="ko-KR" altLang="en-US" smtClean="0"/>
-              <a:t>2018-09-16</a:t>
+              <a:t>2018-09-17</a:t>
             </a:fld>
             <a:endParaRPr lang="ko-KR" altLang="en-US"/>
           </a:p>
@@ -1161,7 +1184,7 @@
           <a:p>
             <a:fld id="{B59436BA-9858-496E-B954-CF3C1B3ADD00}" type="datetimeFigureOut">
               <a:rPr lang="ko-KR" altLang="en-US" smtClean="0"/>
-              <a:t>2018-09-16</a:t>
+              <a:t>2018-09-17</a:t>
             </a:fld>
             <a:endParaRPr lang="ko-KR" altLang="en-US"/>
           </a:p>
@@ -1426,7 +1449,7 @@
           <a:p>
             <a:fld id="{B59436BA-9858-496E-B954-CF3C1B3ADD00}" type="datetimeFigureOut">
               <a:rPr lang="ko-KR" altLang="en-US" smtClean="0"/>
-              <a:t>2018-09-16</a:t>
+              <a:t>2018-09-17</a:t>
             </a:fld>
             <a:endParaRPr lang="ko-KR" altLang="en-US"/>
           </a:p>
@@ -1838,7 +1861,7 @@
           <a:p>
             <a:fld id="{B59436BA-9858-496E-B954-CF3C1B3ADD00}" type="datetimeFigureOut">
               <a:rPr lang="ko-KR" altLang="en-US" smtClean="0"/>
-              <a:t>2018-09-16</a:t>
+              <a:t>2018-09-17</a:t>
             </a:fld>
             <a:endParaRPr lang="ko-KR" altLang="en-US"/>
           </a:p>
@@ -1979,7 +2002,7 @@
           <a:p>
             <a:fld id="{B59436BA-9858-496E-B954-CF3C1B3ADD00}" type="datetimeFigureOut">
               <a:rPr lang="ko-KR" altLang="en-US" smtClean="0"/>
-              <a:t>2018-09-16</a:t>
+              <a:t>2018-09-17</a:t>
             </a:fld>
             <a:endParaRPr lang="ko-KR" altLang="en-US"/>
           </a:p>
@@ -2092,7 +2115,7 @@
           <a:p>
             <a:fld id="{B59436BA-9858-496E-B954-CF3C1B3ADD00}" type="datetimeFigureOut">
               <a:rPr lang="ko-KR" altLang="en-US" smtClean="0"/>
-              <a:t>2018-09-16</a:t>
+              <a:t>2018-09-17</a:t>
             </a:fld>
             <a:endParaRPr lang="ko-KR" altLang="en-US"/>
           </a:p>
@@ -2403,7 +2426,7 @@
           <a:p>
             <a:fld id="{B59436BA-9858-496E-B954-CF3C1B3ADD00}" type="datetimeFigureOut">
               <a:rPr lang="ko-KR" altLang="en-US" smtClean="0"/>
-              <a:t>2018-09-16</a:t>
+              <a:t>2018-09-17</a:t>
             </a:fld>
             <a:endParaRPr lang="ko-KR" altLang="en-US"/>
           </a:p>
@@ -2691,7 +2714,7 @@
           <a:p>
             <a:fld id="{B59436BA-9858-496E-B954-CF3C1B3ADD00}" type="datetimeFigureOut">
               <a:rPr lang="ko-KR" altLang="en-US" smtClean="0"/>
-              <a:t>2018-09-16</a:t>
+              <a:t>2018-09-17</a:t>
             </a:fld>
             <a:endParaRPr lang="ko-KR" altLang="en-US"/>
           </a:p>
@@ -2938,7 +2961,7 @@
           <a:p>
             <a:fld id="{B59436BA-9858-496E-B954-CF3C1B3ADD00}" type="datetimeFigureOut">
               <a:rPr lang="ko-KR" altLang="en-US" smtClean="0"/>
-              <a:t>2018-09-16</a:t>
+              <a:t>2018-09-17</a:t>
             </a:fld>
             <a:endParaRPr lang="ko-KR" altLang="en-US"/>
           </a:p>
@@ -3369,8 +3392,8 @@
         </p:nvSpPr>
         <p:spPr>
           <a:xfrm>
-            <a:off x="2254405" y="2497975"/>
-            <a:ext cx="7683190" cy="1862048"/>
+            <a:off x="2254405" y="2595817"/>
+            <a:ext cx="7683190" cy="1200329"/>
           </a:xfrm>
           <a:prstGeom prst="rect">
             <a:avLst/>
@@ -3385,16 +3408,16 @@
           <a:p>
             <a:pPr algn="ctr"/>
             <a:r>
-              <a:rPr lang="en-US" altLang="ko-KR" sz="11500" dirty="0">
-                <a:solidFill>
-                  <a:schemeClr val="bg1"/>
-                </a:solidFill>
-                <a:latin typeface="08서울남산체 B" panose="02020603020101020101" pitchFamily="18" charset="-127"/>
-                <a:ea typeface="08서울남산체 B" panose="02020603020101020101" pitchFamily="18" charset="-127"/>
-              </a:rPr>
-              <a:t>HTML</a:t>
-            </a:r>
-            <a:endParaRPr lang="ko-KR" altLang="en-US" sz="11500" dirty="0">
+              <a:rPr lang="en-US" altLang="ko-KR" sz="7200" dirty="0">
+                <a:solidFill>
+                  <a:schemeClr val="bg1"/>
+                </a:solidFill>
+                <a:latin typeface="08서울남산체 B" panose="02020603020101020101" pitchFamily="18" charset="-127"/>
+                <a:ea typeface="08서울남산체 B" panose="02020603020101020101" pitchFamily="18" charset="-127"/>
+              </a:rPr>
+              <a:t>HTML &amp; CSS</a:t>
+            </a:r>
+            <a:endParaRPr lang="ko-KR" altLang="en-US" sz="13800" dirty="0">
               <a:solidFill>
                 <a:schemeClr val="bg1"/>
               </a:solidFill>
@@ -3432,7 +3455,7 @@
         </p:blipFill>
         <p:spPr>
           <a:xfrm>
-            <a:off x="2576954" y="1710521"/>
+            <a:off x="2254405" y="1333016"/>
             <a:ext cx="1671661" cy="1574909"/>
           </a:xfrm>
           <a:prstGeom prst="rect">
@@ -3454,7 +3477,7 @@
         </p:nvSpPr>
         <p:spPr>
           <a:xfrm>
-            <a:off x="4086922" y="4360024"/>
+            <a:off x="4086922" y="4080839"/>
             <a:ext cx="4018156" cy="369332"/>
           </a:xfrm>
           <a:prstGeom prst="rect">
@@ -3542,52 +3565,414 @@
           <a:chExt cx="0" cy="0"/>
         </a:xfrm>
       </p:grpSpPr>
-      <p:sp>
-        <p:nvSpPr>
-          <p:cNvPr id="2" name="제목 1">
-            <a:extLst>
-              <a:ext uri="{FF2B5EF4-FFF2-40B4-BE49-F238E27FC236}">
-                <a16:creationId xmlns:a16="http://schemas.microsoft.com/office/drawing/2014/main" id="{EEDDC7E0-BCDF-4649-AF14-7F18A995F852}"/>
-              </a:ext>
-            </a:extLst>
-          </p:cNvPr>
-          <p:cNvSpPr>
-            <a:spLocks noGrp="1"/>
-          </p:cNvSpPr>
-          <p:nvPr>
-            <p:ph type="title"/>
-          </p:nvPr>
-        </p:nvSpPr>
-        <p:spPr/>
-        <p:txBody>
-          <a:bodyPr/>
-          <a:lstStyle/>
-          <a:p>
-            <a:endParaRPr lang="ko-KR" altLang="en-US"/>
-          </a:p>
-        </p:txBody>
-      </p:sp>
-      <p:sp>
-        <p:nvSpPr>
-          <p:cNvPr id="3" name="내용 개체 틀 2">
-            <a:extLst>
-              <a:ext uri="{FF2B5EF4-FFF2-40B4-BE49-F238E27FC236}">
-                <a16:creationId xmlns:a16="http://schemas.microsoft.com/office/drawing/2014/main" id="{3956D16C-A326-4AED-A70C-731FDFB82E92}"/>
-              </a:ext>
-            </a:extLst>
-          </p:cNvPr>
-          <p:cNvSpPr>
-            <a:spLocks noGrp="1"/>
-          </p:cNvSpPr>
-          <p:nvPr>
-            <p:ph idx="1"/>
-          </p:nvPr>
-        </p:nvSpPr>
-        <p:spPr/>
-        <p:txBody>
-          <a:bodyPr/>
-          <a:lstStyle/>
-          <a:p>
+      <p:pic>
+        <p:nvPicPr>
+          <p:cNvPr id="8" name="그림 7">
+            <a:extLst>
+              <a:ext uri="{FF2B5EF4-FFF2-40B4-BE49-F238E27FC236}">
+                <a16:creationId xmlns:a16="http://schemas.microsoft.com/office/drawing/2014/main" id="{468DF72A-E756-41B5-A354-02BA32CD04C3}"/>
+              </a:ext>
+            </a:extLst>
+          </p:cNvPr>
+          <p:cNvPicPr>
+            <a:picLocks noChangeAspect="1"/>
+          </p:cNvPicPr>
+          <p:nvPr/>
+        </p:nvPicPr>
+        <p:blipFill>
+          <a:blip r:embed="rId2">
+            <a:extLst>
+              <a:ext uri="{28A0092B-C50C-407E-A947-70E740481C1C}">
+                <a14:useLocalDpi xmlns:a14="http://schemas.microsoft.com/office/drawing/2010/main" val="0"/>
+              </a:ext>
+            </a:extLst>
+          </a:blip>
+          <a:stretch>
+            <a:fillRect/>
+          </a:stretch>
+        </p:blipFill>
+        <p:spPr>
+          <a:xfrm>
+            <a:off x="82111" y="6061976"/>
+            <a:ext cx="775846" cy="730942"/>
+          </a:xfrm>
+          <a:prstGeom prst="rect">
+            <a:avLst/>
+          </a:prstGeom>
+        </p:spPr>
+      </p:pic>
+      <p:sp>
+        <p:nvSpPr>
+          <p:cNvPr id="10" name="TextBox 9">
+            <a:extLst>
+              <a:ext uri="{FF2B5EF4-FFF2-40B4-BE49-F238E27FC236}">
+                <a16:creationId xmlns:a16="http://schemas.microsoft.com/office/drawing/2014/main" id="{90BEACA8-A51F-4C5B-9DDE-02396A2DC008}"/>
+              </a:ext>
+            </a:extLst>
+          </p:cNvPr>
+          <p:cNvSpPr txBox="1"/>
+          <p:nvPr/>
+        </p:nvSpPr>
+        <p:spPr>
+          <a:xfrm>
+            <a:off x="3365383" y="2038526"/>
+            <a:ext cx="5461233" cy="523220"/>
+          </a:xfrm>
+          <a:prstGeom prst="rect">
+            <a:avLst/>
+          </a:prstGeom>
+          <a:noFill/>
+        </p:spPr>
+        <p:txBody>
+          <a:bodyPr wrap="square" rtlCol="0">
+            <a:spAutoFit/>
+          </a:bodyPr>
+          <a:lstStyle/>
+          <a:p>
+            <a:r>
+              <a:rPr lang="en-US" altLang="ko-KR" sz="2800" dirty="0">
+                <a:solidFill>
+                  <a:schemeClr val="bg1"/>
+                </a:solidFill>
+                <a:latin typeface="08서울남산체 B" panose="02020603020101020101" pitchFamily="18" charset="-127"/>
+                <a:ea typeface="08서울남산체 B" panose="02020603020101020101" pitchFamily="18" charset="-127"/>
+              </a:rPr>
+              <a:t>1. </a:t>
+            </a:r>
+            <a:r>
+              <a:rPr lang="en-US" altLang="ko-KR" sz="2800" dirty="0">
+                <a:solidFill>
+                  <a:srgbClr val="FFC000"/>
+                </a:solidFill>
+                <a:latin typeface="08서울남산체 B" panose="02020603020101020101" pitchFamily="18" charset="-127"/>
+                <a:ea typeface="08서울남산체 B" panose="02020603020101020101" pitchFamily="18" charset="-127"/>
+              </a:rPr>
+              <a:t>Html</a:t>
+            </a:r>
+            <a:r>
+              <a:rPr lang="en-US" altLang="ko-KR" sz="2800" dirty="0">
+                <a:solidFill>
+                  <a:schemeClr val="bg1"/>
+                </a:solidFill>
+                <a:latin typeface="08서울남산체 B" panose="02020603020101020101" pitchFamily="18" charset="-127"/>
+                <a:ea typeface="08서울남산체 B" panose="02020603020101020101" pitchFamily="18" charset="-127"/>
+              </a:rPr>
+              <a:t> </a:t>
+            </a:r>
+            <a:r>
+              <a:rPr lang="ko-KR" altLang="en-US" sz="2800" dirty="0">
+                <a:solidFill>
+                  <a:schemeClr val="bg1"/>
+                </a:solidFill>
+                <a:latin typeface="08서울남산체 B" panose="02020603020101020101" pitchFamily="18" charset="-127"/>
+                <a:ea typeface="08서울남산체 B" panose="02020603020101020101" pitchFamily="18" charset="-127"/>
+              </a:rPr>
+              <a:t>태그안에 </a:t>
+            </a:r>
+            <a:r>
+              <a:rPr lang="en-US" altLang="ko-KR" sz="2800" dirty="0">
+                <a:solidFill>
+                  <a:srgbClr val="FFC000"/>
+                </a:solidFill>
+                <a:latin typeface="08서울남산체 B" panose="02020603020101020101" pitchFamily="18" charset="-127"/>
+                <a:ea typeface="08서울남산체 B" panose="02020603020101020101" pitchFamily="18" charset="-127"/>
+              </a:rPr>
+              <a:t>Style</a:t>
+            </a:r>
+            <a:r>
+              <a:rPr lang="en-US" altLang="ko-KR" sz="2800" dirty="0">
+                <a:solidFill>
+                  <a:schemeClr val="bg1"/>
+                </a:solidFill>
+                <a:latin typeface="08서울남산체 B" panose="02020603020101020101" pitchFamily="18" charset="-127"/>
+                <a:ea typeface="08서울남산체 B" panose="02020603020101020101" pitchFamily="18" charset="-127"/>
+              </a:rPr>
+              <a:t> </a:t>
+            </a:r>
+            <a:r>
+              <a:rPr lang="ko-KR" altLang="en-US" sz="2800" dirty="0">
+                <a:solidFill>
+                  <a:schemeClr val="bg1"/>
+                </a:solidFill>
+                <a:latin typeface="08서울남산체 B" panose="02020603020101020101" pitchFamily="18" charset="-127"/>
+                <a:ea typeface="08서울남산체 B" panose="02020603020101020101" pitchFamily="18" charset="-127"/>
+              </a:rPr>
+              <a:t>속성을 부여</a:t>
+            </a:r>
+            <a:endParaRPr lang="en-US" altLang="ko-KR" sz="2800" dirty="0">
+              <a:solidFill>
+                <a:schemeClr val="bg1"/>
+              </a:solidFill>
+              <a:latin typeface="08서울남산체 B" panose="02020603020101020101" pitchFamily="18" charset="-127"/>
+              <a:ea typeface="08서울남산체 B" panose="02020603020101020101" pitchFamily="18" charset="-127"/>
+            </a:endParaRPr>
+          </a:p>
+        </p:txBody>
+      </p:sp>
+      <p:sp>
+        <p:nvSpPr>
+          <p:cNvPr id="11" name="TextBox 10">
+            <a:extLst>
+              <a:ext uri="{FF2B5EF4-FFF2-40B4-BE49-F238E27FC236}">
+                <a16:creationId xmlns:a16="http://schemas.microsoft.com/office/drawing/2014/main" id="{4F1C76E6-C8AB-4C24-8BEB-EE7BDAE61EC7}"/>
+              </a:ext>
+            </a:extLst>
+          </p:cNvPr>
+          <p:cNvSpPr txBox="1"/>
+          <p:nvPr/>
+        </p:nvSpPr>
+        <p:spPr>
+          <a:xfrm>
+            <a:off x="3365383" y="3053593"/>
+            <a:ext cx="5461233" cy="523220"/>
+          </a:xfrm>
+          <a:prstGeom prst="rect">
+            <a:avLst/>
+          </a:prstGeom>
+          <a:noFill/>
+        </p:spPr>
+        <p:txBody>
+          <a:bodyPr wrap="square" rtlCol="0">
+            <a:spAutoFit/>
+          </a:bodyPr>
+          <a:lstStyle/>
+          <a:p>
+            <a:r>
+              <a:rPr lang="en-US" altLang="ko-KR" sz="2800" dirty="0">
+                <a:solidFill>
+                  <a:schemeClr val="bg1"/>
+                </a:solidFill>
+                <a:latin typeface="08서울남산체 B" panose="02020603020101020101" pitchFamily="18" charset="-127"/>
+                <a:ea typeface="08서울남산체 B" panose="02020603020101020101" pitchFamily="18" charset="-127"/>
+              </a:rPr>
+              <a:t>2. </a:t>
+            </a:r>
+            <a:r>
+              <a:rPr lang="en-US" altLang="ko-KR" sz="2800" dirty="0" err="1">
+                <a:solidFill>
+                  <a:srgbClr val="FFC000"/>
+                </a:solidFill>
+                <a:latin typeface="08서울남산체 B" panose="02020603020101020101" pitchFamily="18" charset="-127"/>
+                <a:ea typeface="08서울남산체 B" panose="02020603020101020101" pitchFamily="18" charset="-127"/>
+              </a:rPr>
+              <a:t>Css</a:t>
+            </a:r>
+            <a:r>
+              <a:rPr lang="en-US" altLang="ko-KR" sz="2800" dirty="0">
+                <a:solidFill>
+                  <a:srgbClr val="FFC000"/>
+                </a:solidFill>
+                <a:latin typeface="08서울남산체 B" panose="02020603020101020101" pitchFamily="18" charset="-127"/>
+                <a:ea typeface="08서울남산체 B" panose="02020603020101020101" pitchFamily="18" charset="-127"/>
+              </a:rPr>
+              <a:t> </a:t>
+            </a:r>
+            <a:r>
+              <a:rPr lang="ko-KR" altLang="en-US" sz="2800" dirty="0">
+                <a:solidFill>
+                  <a:schemeClr val="bg1"/>
+                </a:solidFill>
+                <a:latin typeface="08서울남산체 B" panose="02020603020101020101" pitchFamily="18" charset="-127"/>
+                <a:ea typeface="08서울남산체 B" panose="02020603020101020101" pitchFamily="18" charset="-127"/>
+              </a:rPr>
+              <a:t>파일을 만들어 </a:t>
+            </a:r>
+            <a:r>
+              <a:rPr lang="en-US" altLang="ko-KR" sz="2800" dirty="0">
+                <a:solidFill>
+                  <a:srgbClr val="FFC000"/>
+                </a:solidFill>
+                <a:latin typeface="08서울남산체 B" panose="02020603020101020101" pitchFamily="18" charset="-127"/>
+                <a:ea typeface="08서울남산체 B" panose="02020603020101020101" pitchFamily="18" charset="-127"/>
+              </a:rPr>
+              <a:t>Html</a:t>
+            </a:r>
+            <a:r>
+              <a:rPr lang="ko-KR" altLang="en-US" sz="2800" dirty="0">
+                <a:solidFill>
+                  <a:schemeClr val="bg1"/>
+                </a:solidFill>
+                <a:latin typeface="08서울남산체 B" panose="02020603020101020101" pitchFamily="18" charset="-127"/>
+                <a:ea typeface="08서울남산체 B" panose="02020603020101020101" pitchFamily="18" charset="-127"/>
+              </a:rPr>
+              <a:t>에 적용</a:t>
+            </a:r>
+            <a:endParaRPr lang="en-US" altLang="ko-KR" sz="2800" dirty="0">
+              <a:solidFill>
+                <a:schemeClr val="bg1"/>
+              </a:solidFill>
+              <a:latin typeface="08서울남산체 B" panose="02020603020101020101" pitchFamily="18" charset="-127"/>
+              <a:ea typeface="08서울남산체 B" panose="02020603020101020101" pitchFamily="18" charset="-127"/>
+            </a:endParaRPr>
+          </a:p>
+        </p:txBody>
+      </p:sp>
+      <p:sp>
+        <p:nvSpPr>
+          <p:cNvPr id="12" name="TextBox 11">
+            <a:extLst>
+              <a:ext uri="{FF2B5EF4-FFF2-40B4-BE49-F238E27FC236}">
+                <a16:creationId xmlns:a16="http://schemas.microsoft.com/office/drawing/2014/main" id="{641DAED3-B073-4923-8990-E8FD7A046B1D}"/>
+              </a:ext>
+            </a:extLst>
+          </p:cNvPr>
+          <p:cNvSpPr txBox="1"/>
+          <p:nvPr/>
+        </p:nvSpPr>
+        <p:spPr>
+          <a:xfrm>
+            <a:off x="3365383" y="4068660"/>
+            <a:ext cx="5461233" cy="523220"/>
+          </a:xfrm>
+          <a:prstGeom prst="rect">
+            <a:avLst/>
+          </a:prstGeom>
+          <a:noFill/>
+        </p:spPr>
+        <p:txBody>
+          <a:bodyPr wrap="square" rtlCol="0">
+            <a:spAutoFit/>
+          </a:bodyPr>
+          <a:lstStyle/>
+          <a:p>
+            <a:r>
+              <a:rPr lang="en-US" altLang="ko-KR" sz="2800" dirty="0">
+                <a:solidFill>
+                  <a:schemeClr val="bg1"/>
+                </a:solidFill>
+                <a:latin typeface="08서울남산체 B" panose="02020603020101020101" pitchFamily="18" charset="-127"/>
+                <a:ea typeface="08서울남산체 B" panose="02020603020101020101" pitchFamily="18" charset="-127"/>
+              </a:rPr>
+              <a:t>3. </a:t>
+            </a:r>
+            <a:r>
+              <a:rPr lang="en-US" altLang="ko-KR" sz="2800" dirty="0">
+                <a:solidFill>
+                  <a:srgbClr val="FFC000"/>
+                </a:solidFill>
+                <a:latin typeface="08서울남산체 B" panose="02020603020101020101" pitchFamily="18" charset="-127"/>
+                <a:ea typeface="08서울남산체 B" panose="02020603020101020101" pitchFamily="18" charset="-127"/>
+              </a:rPr>
+              <a:t>Html</a:t>
+            </a:r>
+            <a:r>
+              <a:rPr lang="en-US" altLang="ko-KR" sz="2800" dirty="0">
+                <a:solidFill>
+                  <a:schemeClr val="bg1"/>
+                </a:solidFill>
+                <a:latin typeface="08서울남산체 B" panose="02020603020101020101" pitchFamily="18" charset="-127"/>
+                <a:ea typeface="08서울남산체 B" panose="02020603020101020101" pitchFamily="18" charset="-127"/>
+              </a:rPr>
+              <a:t> </a:t>
+            </a:r>
+            <a:r>
+              <a:rPr lang="ko-KR" altLang="en-US" sz="2800" dirty="0">
+                <a:solidFill>
+                  <a:schemeClr val="bg1"/>
+                </a:solidFill>
+                <a:latin typeface="08서울남산체 B" panose="02020603020101020101" pitchFamily="18" charset="-127"/>
+                <a:ea typeface="08서울남산체 B" panose="02020603020101020101" pitchFamily="18" charset="-127"/>
+              </a:rPr>
+              <a:t>에 있는</a:t>
+            </a:r>
+            <a:r>
+              <a:rPr lang="en-US" altLang="ko-KR" sz="2800" dirty="0">
+                <a:solidFill>
+                  <a:schemeClr val="bg1"/>
+                </a:solidFill>
+                <a:latin typeface="08서울남산체 B" panose="02020603020101020101" pitchFamily="18" charset="-127"/>
+                <a:ea typeface="08서울남산체 B" panose="02020603020101020101" pitchFamily="18" charset="-127"/>
+              </a:rPr>
+              <a:t> </a:t>
+            </a:r>
+            <a:r>
+              <a:rPr lang="en-US" altLang="ko-KR" sz="2800" dirty="0">
+                <a:solidFill>
+                  <a:srgbClr val="FFC000"/>
+                </a:solidFill>
+                <a:latin typeface="08서울남산체 B" panose="02020603020101020101" pitchFamily="18" charset="-127"/>
+                <a:ea typeface="08서울남산체 B" panose="02020603020101020101" pitchFamily="18" charset="-127"/>
+              </a:rPr>
+              <a:t>Style</a:t>
+            </a:r>
+            <a:r>
+              <a:rPr lang="en-US" altLang="ko-KR" sz="2800" dirty="0">
+                <a:solidFill>
+                  <a:schemeClr val="bg1"/>
+                </a:solidFill>
+                <a:latin typeface="08서울남산체 B" panose="02020603020101020101" pitchFamily="18" charset="-127"/>
+                <a:ea typeface="08서울남산체 B" panose="02020603020101020101" pitchFamily="18" charset="-127"/>
+              </a:rPr>
+              <a:t> </a:t>
+            </a:r>
+            <a:r>
+              <a:rPr lang="ko-KR" altLang="en-US" sz="2800" dirty="0">
+                <a:solidFill>
+                  <a:schemeClr val="bg1"/>
+                </a:solidFill>
+                <a:latin typeface="08서울남산체 B" panose="02020603020101020101" pitchFamily="18" charset="-127"/>
+                <a:ea typeface="08서울남산체 B" panose="02020603020101020101" pitchFamily="18" charset="-127"/>
+              </a:rPr>
+              <a:t>태그를 사용</a:t>
+            </a:r>
+            <a:endParaRPr lang="en-US" altLang="ko-KR" sz="2800" dirty="0">
+              <a:solidFill>
+                <a:schemeClr val="bg1"/>
+              </a:solidFill>
+              <a:latin typeface="08서울남산체 B" panose="02020603020101020101" pitchFamily="18" charset="-127"/>
+              <a:ea typeface="08서울남산체 B" panose="02020603020101020101" pitchFamily="18" charset="-127"/>
+            </a:endParaRPr>
+          </a:p>
+        </p:txBody>
+      </p:sp>
+      <p:sp>
+        <p:nvSpPr>
+          <p:cNvPr id="2" name="직사각형 1">
+            <a:extLst>
+              <a:ext uri="{FF2B5EF4-FFF2-40B4-BE49-F238E27FC236}">
+                <a16:creationId xmlns:a16="http://schemas.microsoft.com/office/drawing/2014/main" id="{699D960D-2518-4E0D-97E7-93AFF7C333A6}"/>
+              </a:ext>
+            </a:extLst>
+          </p:cNvPr>
+          <p:cNvSpPr/>
+          <p:nvPr/>
+        </p:nvSpPr>
+        <p:spPr>
+          <a:xfrm>
+            <a:off x="3291280" y="2956029"/>
+            <a:ext cx="5265491" cy="718348"/>
+          </a:xfrm>
+          <a:prstGeom prst="rect">
+            <a:avLst/>
+          </a:prstGeom>
+          <a:noFill/>
+          <a:ln w="38100">
+            <a:solidFill>
+              <a:srgbClr val="C00000"/>
+            </a:solidFill>
+          </a:ln>
+        </p:spPr>
+        <p:style>
+          <a:lnRef idx="2">
+            <a:schemeClr val="accent1">
+              <a:shade val="50000"/>
+            </a:schemeClr>
+          </a:lnRef>
+          <a:fillRef idx="1">
+            <a:schemeClr val="accent1"/>
+          </a:fillRef>
+          <a:effectRef idx="0">
+            <a:schemeClr val="accent1"/>
+          </a:effectRef>
+          <a:fontRef idx="minor">
+            <a:schemeClr val="lt1"/>
+          </a:fontRef>
+        </p:style>
+        <p:txBody>
+          <a:bodyPr rtlCol="0" anchor="ctr"/>
+          <a:lstStyle/>
+          <a:p>
+            <a:pPr algn="ctr"/>
             <a:endParaRPr lang="ko-KR" altLang="en-US"/>
           </a:p>
         </p:txBody>
@@ -3595,7 +3980,7 @@
     </p:spTree>
     <p:extLst>
       <p:ext uri="{BB962C8B-B14F-4D97-AF65-F5344CB8AC3E}">
-        <p14:creationId xmlns:p14="http://schemas.microsoft.com/office/powerpoint/2010/main" val="3419652237"/>
+        <p14:creationId xmlns:p14="http://schemas.microsoft.com/office/powerpoint/2010/main" val="2308797597"/>
       </p:ext>
     </p:extLst>
   </p:cSld>
@@ -3622,60 +4007,76 @@
           <a:chExt cx="0" cy="0"/>
         </a:xfrm>
       </p:grpSpPr>
-      <p:sp>
-        <p:nvSpPr>
-          <p:cNvPr id="2" name="제목 1">
-            <a:extLst>
-              <a:ext uri="{FF2B5EF4-FFF2-40B4-BE49-F238E27FC236}">
-                <a16:creationId xmlns:a16="http://schemas.microsoft.com/office/drawing/2014/main" id="{05F17C34-DC43-4FD6-919D-D92812D3CE08}"/>
-              </a:ext>
-            </a:extLst>
-          </p:cNvPr>
-          <p:cNvSpPr>
-            <a:spLocks noGrp="1"/>
-          </p:cNvSpPr>
-          <p:nvPr>
-            <p:ph type="title"/>
-          </p:nvPr>
-        </p:nvSpPr>
-        <p:spPr/>
-        <p:txBody>
-          <a:bodyPr/>
-          <a:lstStyle/>
-          <a:p>
-            <a:endParaRPr lang="ko-KR" altLang="en-US"/>
-          </a:p>
-        </p:txBody>
-      </p:sp>
-      <p:sp>
-        <p:nvSpPr>
-          <p:cNvPr id="3" name="내용 개체 틀 2">
-            <a:extLst>
-              <a:ext uri="{FF2B5EF4-FFF2-40B4-BE49-F238E27FC236}">
-                <a16:creationId xmlns:a16="http://schemas.microsoft.com/office/drawing/2014/main" id="{AA3D0317-898B-44AA-B44C-C66E08A038C9}"/>
-              </a:ext>
-            </a:extLst>
-          </p:cNvPr>
-          <p:cNvSpPr>
-            <a:spLocks noGrp="1"/>
-          </p:cNvSpPr>
-          <p:nvPr>
-            <p:ph idx="1"/>
-          </p:nvPr>
-        </p:nvSpPr>
-        <p:spPr/>
-        <p:txBody>
-          <a:bodyPr/>
-          <a:lstStyle/>
-          <a:p>
-            <a:endParaRPr lang="ko-KR" altLang="en-US"/>
-          </a:p>
-        </p:txBody>
-      </p:sp>
+      <p:pic>
+        <p:nvPicPr>
+          <p:cNvPr id="4" name="그림 3">
+            <a:extLst>
+              <a:ext uri="{FF2B5EF4-FFF2-40B4-BE49-F238E27FC236}">
+                <a16:creationId xmlns:a16="http://schemas.microsoft.com/office/drawing/2014/main" id="{CAC04DA0-2836-410B-8DE6-6398FBD34A51}"/>
+              </a:ext>
+            </a:extLst>
+          </p:cNvPr>
+          <p:cNvPicPr>
+            <a:picLocks noChangeAspect="1"/>
+          </p:cNvPicPr>
+          <p:nvPr/>
+        </p:nvPicPr>
+        <p:blipFill>
+          <a:blip r:embed="rId2"/>
+          <a:stretch>
+            <a:fillRect/>
+          </a:stretch>
+        </p:blipFill>
+        <p:spPr>
+          <a:xfrm>
+            <a:off x="0" y="0"/>
+            <a:ext cx="12192000" cy="6858000"/>
+          </a:xfrm>
+          <a:prstGeom prst="rect">
+            <a:avLst/>
+          </a:prstGeom>
+        </p:spPr>
+      </p:pic>
+      <p:pic>
+        <p:nvPicPr>
+          <p:cNvPr id="3" name="그림 2">
+            <a:extLst>
+              <a:ext uri="{FF2B5EF4-FFF2-40B4-BE49-F238E27FC236}">
+                <a16:creationId xmlns:a16="http://schemas.microsoft.com/office/drawing/2014/main" id="{403021F3-A9F9-4CB2-9B24-8C989221D210}"/>
+              </a:ext>
+            </a:extLst>
+          </p:cNvPr>
+          <p:cNvPicPr>
+            <a:picLocks noChangeAspect="1"/>
+          </p:cNvPicPr>
+          <p:nvPr/>
+        </p:nvPicPr>
+        <p:blipFill>
+          <a:blip r:embed="rId3">
+            <a:extLst>
+              <a:ext uri="{28A0092B-C50C-407E-A947-70E740481C1C}">
+                <a14:useLocalDpi xmlns:a14="http://schemas.microsoft.com/office/drawing/2010/main" val="0"/>
+              </a:ext>
+            </a:extLst>
+          </a:blip>
+          <a:stretch>
+            <a:fillRect/>
+          </a:stretch>
+        </p:blipFill>
+        <p:spPr>
+          <a:xfrm>
+            <a:off x="82111" y="6061976"/>
+            <a:ext cx="775846" cy="730942"/>
+          </a:xfrm>
+          <a:prstGeom prst="rect">
+            <a:avLst/>
+          </a:prstGeom>
+        </p:spPr>
+      </p:pic>
     </p:spTree>
     <p:extLst>
       <p:ext uri="{BB962C8B-B14F-4D97-AF65-F5344CB8AC3E}">
-        <p14:creationId xmlns:p14="http://schemas.microsoft.com/office/powerpoint/2010/main" val="2108460422"/>
+        <p14:creationId xmlns:p14="http://schemas.microsoft.com/office/powerpoint/2010/main" val="3645820976"/>
       </p:ext>
     </p:extLst>
   </p:cSld>
@@ -3702,60 +4103,155 @@
           <a:chExt cx="0" cy="0"/>
         </a:xfrm>
       </p:grpSpPr>
-      <p:sp>
-        <p:nvSpPr>
-          <p:cNvPr id="2" name="제목 1">
-            <a:extLst>
-              <a:ext uri="{FF2B5EF4-FFF2-40B4-BE49-F238E27FC236}">
-                <a16:creationId xmlns:a16="http://schemas.microsoft.com/office/drawing/2014/main" id="{B568D178-A6EF-4F96-85AF-E11058C4D048}"/>
-              </a:ext>
-            </a:extLst>
-          </p:cNvPr>
-          <p:cNvSpPr>
-            <a:spLocks noGrp="1"/>
-          </p:cNvSpPr>
-          <p:nvPr>
-            <p:ph type="title"/>
-          </p:nvPr>
-        </p:nvSpPr>
-        <p:spPr/>
-        <p:txBody>
-          <a:bodyPr/>
-          <a:lstStyle/>
-          <a:p>
-            <a:endParaRPr lang="ko-KR" altLang="en-US"/>
-          </a:p>
-        </p:txBody>
-      </p:sp>
-      <p:sp>
-        <p:nvSpPr>
-          <p:cNvPr id="3" name="내용 개체 틀 2">
-            <a:extLst>
-              <a:ext uri="{FF2B5EF4-FFF2-40B4-BE49-F238E27FC236}">
-                <a16:creationId xmlns:a16="http://schemas.microsoft.com/office/drawing/2014/main" id="{DEE29A57-E8E7-4557-9226-3A0A60535D3E}"/>
-              </a:ext>
-            </a:extLst>
-          </p:cNvPr>
-          <p:cNvSpPr>
-            <a:spLocks noGrp="1"/>
-          </p:cNvSpPr>
-          <p:nvPr>
-            <p:ph idx="1"/>
-          </p:nvPr>
-        </p:nvSpPr>
-        <p:spPr/>
-        <p:txBody>
-          <a:bodyPr/>
-          <a:lstStyle/>
-          <a:p>
-            <a:endParaRPr lang="ko-KR" altLang="en-US"/>
-          </a:p>
-        </p:txBody>
-      </p:sp>
+      <p:pic>
+        <p:nvPicPr>
+          <p:cNvPr id="4" name="그림 3">
+            <a:extLst>
+              <a:ext uri="{FF2B5EF4-FFF2-40B4-BE49-F238E27FC236}">
+                <a16:creationId xmlns:a16="http://schemas.microsoft.com/office/drawing/2014/main" id="{35836F5F-4976-427F-AA19-F8790B9EA994}"/>
+              </a:ext>
+            </a:extLst>
+          </p:cNvPr>
+          <p:cNvPicPr>
+            <a:picLocks noChangeAspect="1"/>
+          </p:cNvPicPr>
+          <p:nvPr/>
+        </p:nvPicPr>
+        <p:blipFill>
+          <a:blip r:embed="rId2"/>
+          <a:stretch>
+            <a:fillRect/>
+          </a:stretch>
+        </p:blipFill>
+        <p:spPr>
+          <a:xfrm>
+            <a:off x="0" y="0"/>
+            <a:ext cx="12192000" cy="6858000"/>
+          </a:xfrm>
+          <a:prstGeom prst="rect">
+            <a:avLst/>
+          </a:prstGeom>
+        </p:spPr>
+      </p:pic>
+      <p:sp>
+        <p:nvSpPr>
+          <p:cNvPr id="5" name="TextBox 4">
+            <a:extLst>
+              <a:ext uri="{FF2B5EF4-FFF2-40B4-BE49-F238E27FC236}">
+                <a16:creationId xmlns:a16="http://schemas.microsoft.com/office/drawing/2014/main" id="{2AC2AD70-14AA-46B7-850C-1D47D1F30B7D}"/>
+              </a:ext>
+            </a:extLst>
+          </p:cNvPr>
+          <p:cNvSpPr txBox="1"/>
+          <p:nvPr/>
+        </p:nvSpPr>
+        <p:spPr>
+          <a:xfrm>
+            <a:off x="854503" y="4798142"/>
+            <a:ext cx="4328719" cy="1138773"/>
+          </a:xfrm>
+          <a:prstGeom prst="rect">
+            <a:avLst/>
+          </a:prstGeom>
+          <a:noFill/>
+        </p:spPr>
+        <p:txBody>
+          <a:bodyPr wrap="square" rtlCol="0">
+            <a:spAutoFit/>
+          </a:bodyPr>
+          <a:lstStyle/>
+          <a:p>
+            <a:pPr algn="ctr"/>
+            <a:r>
+              <a:rPr lang="ko-KR" altLang="en-US" sz="3200" dirty="0">
+                <a:solidFill>
+                  <a:srgbClr val="FFC000"/>
+                </a:solidFill>
+                <a:latin typeface="08서울남산체 B" panose="02020603020101020101" pitchFamily="18" charset="-127"/>
+                <a:ea typeface="08서울남산체 B" panose="02020603020101020101" pitchFamily="18" charset="-127"/>
+              </a:rPr>
+              <a:t>단축키</a:t>
+            </a:r>
+            <a:endParaRPr lang="en-US" altLang="ko-KR" sz="3200" dirty="0">
+              <a:solidFill>
+                <a:srgbClr val="FFC000"/>
+              </a:solidFill>
+              <a:latin typeface="08서울남산체 B" panose="02020603020101020101" pitchFamily="18" charset="-127"/>
+              <a:ea typeface="08서울남산체 B" panose="02020603020101020101" pitchFamily="18" charset="-127"/>
+            </a:endParaRPr>
+          </a:p>
+          <a:p>
+            <a:pPr algn="ctr"/>
+            <a:r>
+              <a:rPr lang="en-US" altLang="ko-KR" sz="3600" dirty="0">
+                <a:solidFill>
+                  <a:schemeClr val="bg1"/>
+                </a:solidFill>
+                <a:latin typeface="08서울남산체 B" panose="02020603020101020101" pitchFamily="18" charset="-127"/>
+                <a:ea typeface="08서울남산체 B" panose="02020603020101020101" pitchFamily="18" charset="-127"/>
+              </a:rPr>
+              <a:t>Ctrl + Shift + </a:t>
+            </a:r>
+            <a:r>
+              <a:rPr lang="en-US" altLang="ko-KR" sz="3600" dirty="0" err="1">
+                <a:solidFill>
+                  <a:schemeClr val="bg1"/>
+                </a:solidFill>
+                <a:latin typeface="08서울남산체 B" panose="02020603020101020101" pitchFamily="18" charset="-127"/>
+                <a:ea typeface="08서울남산체 B" panose="02020603020101020101" pitchFamily="18" charset="-127"/>
+              </a:rPr>
+              <a:t>i</a:t>
+            </a:r>
+            <a:endParaRPr lang="ko-KR" altLang="en-US" sz="3600" dirty="0">
+              <a:solidFill>
+                <a:schemeClr val="bg1"/>
+              </a:solidFill>
+              <a:latin typeface="08서울남산체 B" panose="02020603020101020101" pitchFamily="18" charset="-127"/>
+              <a:ea typeface="08서울남산체 B" panose="02020603020101020101" pitchFamily="18" charset="-127"/>
+            </a:endParaRPr>
+          </a:p>
+        </p:txBody>
+      </p:sp>
+      <p:pic>
+        <p:nvPicPr>
+          <p:cNvPr id="6" name="그림 5">
+            <a:extLst>
+              <a:ext uri="{FF2B5EF4-FFF2-40B4-BE49-F238E27FC236}">
+                <a16:creationId xmlns:a16="http://schemas.microsoft.com/office/drawing/2014/main" id="{19397DE4-E121-411E-B8A1-FD1ECD10EBD6}"/>
+              </a:ext>
+            </a:extLst>
+          </p:cNvPr>
+          <p:cNvPicPr>
+            <a:picLocks noChangeAspect="1"/>
+          </p:cNvPicPr>
+          <p:nvPr/>
+        </p:nvPicPr>
+        <p:blipFill>
+          <a:blip r:embed="rId3">
+            <a:extLst>
+              <a:ext uri="{28A0092B-C50C-407E-A947-70E740481C1C}">
+                <a14:useLocalDpi xmlns:a14="http://schemas.microsoft.com/office/drawing/2010/main" val="0"/>
+              </a:ext>
+            </a:extLst>
+          </a:blip>
+          <a:stretch>
+            <a:fillRect/>
+          </a:stretch>
+        </p:blipFill>
+        <p:spPr>
+          <a:xfrm>
+            <a:off x="82111" y="6061976"/>
+            <a:ext cx="775846" cy="730942"/>
+          </a:xfrm>
+          <a:prstGeom prst="rect">
+            <a:avLst/>
+          </a:prstGeom>
+        </p:spPr>
+      </p:pic>
     </p:spTree>
     <p:extLst>
       <p:ext uri="{BB962C8B-B14F-4D97-AF65-F5344CB8AC3E}">
-        <p14:creationId xmlns:p14="http://schemas.microsoft.com/office/powerpoint/2010/main" val="2795343076"/>
+        <p14:creationId xmlns:p14="http://schemas.microsoft.com/office/powerpoint/2010/main" val="1071171247"/>
       </p:ext>
     </p:extLst>
   </p:cSld>
@@ -3784,58 +4280,139 @@
       </p:grpSpPr>
       <p:sp>
         <p:nvSpPr>
-          <p:cNvPr id="2" name="제목 1">
-            <a:extLst>
-              <a:ext uri="{FF2B5EF4-FFF2-40B4-BE49-F238E27FC236}">
-                <a16:creationId xmlns:a16="http://schemas.microsoft.com/office/drawing/2014/main" id="{B24DB7FC-ED4B-464A-B707-183C4992AD3A}"/>
-              </a:ext>
-            </a:extLst>
-          </p:cNvPr>
-          <p:cNvSpPr>
-            <a:spLocks noGrp="1"/>
-          </p:cNvSpPr>
-          <p:nvPr>
-            <p:ph type="title"/>
-          </p:nvPr>
-        </p:nvSpPr>
-        <p:spPr/>
-        <p:txBody>
-          <a:bodyPr/>
-          <a:lstStyle/>
-          <a:p>
-            <a:endParaRPr lang="ko-KR" altLang="en-US"/>
-          </a:p>
-        </p:txBody>
-      </p:sp>
-      <p:sp>
-        <p:nvSpPr>
-          <p:cNvPr id="3" name="내용 개체 틀 2">
-            <a:extLst>
-              <a:ext uri="{FF2B5EF4-FFF2-40B4-BE49-F238E27FC236}">
-                <a16:creationId xmlns:a16="http://schemas.microsoft.com/office/drawing/2014/main" id="{36881B3A-1B54-40E6-9BAE-291801C490D4}"/>
-              </a:ext>
-            </a:extLst>
-          </p:cNvPr>
-          <p:cNvSpPr>
-            <a:spLocks noGrp="1"/>
-          </p:cNvSpPr>
-          <p:nvPr>
-            <p:ph idx="1"/>
-          </p:nvPr>
-        </p:nvSpPr>
-        <p:spPr/>
-        <p:txBody>
-          <a:bodyPr/>
-          <a:lstStyle/>
-          <a:p>
-            <a:endParaRPr lang="ko-KR" altLang="en-US"/>
-          </a:p>
-        </p:txBody>
-      </p:sp>
+          <p:cNvPr id="4" name="TextBox 3">
+            <a:extLst>
+              <a:ext uri="{FF2B5EF4-FFF2-40B4-BE49-F238E27FC236}">
+                <a16:creationId xmlns:a16="http://schemas.microsoft.com/office/drawing/2014/main" id="{3E94417C-6118-4434-B929-33F4C2F41916}"/>
+              </a:ext>
+            </a:extLst>
+          </p:cNvPr>
+          <p:cNvSpPr txBox="1"/>
+          <p:nvPr/>
+        </p:nvSpPr>
+        <p:spPr>
+          <a:xfrm>
+            <a:off x="3411793" y="1305341"/>
+            <a:ext cx="5368413" cy="4247317"/>
+          </a:xfrm>
+          <a:prstGeom prst="rect">
+            <a:avLst/>
+          </a:prstGeom>
+          <a:noFill/>
+        </p:spPr>
+        <p:txBody>
+          <a:bodyPr wrap="square" rtlCol="0">
+            <a:spAutoFit/>
+          </a:bodyPr>
+          <a:lstStyle/>
+          <a:p>
+            <a:pPr algn="ctr"/>
+            <a:r>
+              <a:rPr lang="en-US" altLang="ko-KR" sz="5400" dirty="0">
+                <a:solidFill>
+                  <a:schemeClr val="bg1"/>
+                </a:solidFill>
+                <a:latin typeface="08서울남산체 B" panose="02020603020101020101" pitchFamily="18" charset="-127"/>
+                <a:ea typeface="08서울남산체 B" panose="02020603020101020101" pitchFamily="18" charset="-127"/>
+              </a:rPr>
+              <a:t>Margin</a:t>
+            </a:r>
+          </a:p>
+          <a:p>
+            <a:pPr algn="ctr"/>
+            <a:endParaRPr lang="en-US" altLang="ko-KR" sz="5400" dirty="0">
+              <a:solidFill>
+                <a:schemeClr val="bg1"/>
+              </a:solidFill>
+              <a:latin typeface="08서울남산체 B" panose="02020603020101020101" pitchFamily="18" charset="-127"/>
+              <a:ea typeface="08서울남산체 B" panose="02020603020101020101" pitchFamily="18" charset="-127"/>
+            </a:endParaRPr>
+          </a:p>
+          <a:p>
+            <a:pPr algn="ctr"/>
+            <a:r>
+              <a:rPr lang="en-US" altLang="ko-KR" sz="5400" dirty="0">
+                <a:solidFill>
+                  <a:schemeClr val="bg1"/>
+                </a:solidFill>
+                <a:latin typeface="08서울남산체 B" panose="02020603020101020101" pitchFamily="18" charset="-127"/>
+                <a:ea typeface="08서울남산체 B" panose="02020603020101020101" pitchFamily="18" charset="-127"/>
+              </a:rPr>
+              <a:t>Padding</a:t>
+            </a:r>
+          </a:p>
+          <a:p>
+            <a:pPr algn="ctr"/>
+            <a:endParaRPr lang="en-US" altLang="ko-KR" sz="5400" dirty="0">
+              <a:solidFill>
+                <a:schemeClr val="bg1"/>
+              </a:solidFill>
+              <a:latin typeface="08서울남산체 B" panose="02020603020101020101" pitchFamily="18" charset="-127"/>
+              <a:ea typeface="08서울남산체 B" panose="02020603020101020101" pitchFamily="18" charset="-127"/>
+            </a:endParaRPr>
+          </a:p>
+          <a:p>
+            <a:pPr algn="ctr"/>
+            <a:r>
+              <a:rPr lang="en-US" altLang="ko-KR" sz="5400" dirty="0">
+                <a:solidFill>
+                  <a:schemeClr val="bg1"/>
+                </a:solidFill>
+                <a:latin typeface="08서울남산체 B" panose="02020603020101020101" pitchFamily="18" charset="-127"/>
+                <a:ea typeface="08서울남산체 B" panose="02020603020101020101" pitchFamily="18" charset="-127"/>
+              </a:rPr>
+              <a:t>Border</a:t>
+            </a:r>
+            <a:endParaRPr lang="ko-KR" altLang="en-US" sz="5400" dirty="0">
+              <a:solidFill>
+                <a:schemeClr val="bg1"/>
+              </a:solidFill>
+              <a:latin typeface="08서울남산체 B" panose="02020603020101020101" pitchFamily="18" charset="-127"/>
+              <a:ea typeface="08서울남산체 B" panose="02020603020101020101" pitchFamily="18" charset="-127"/>
+            </a:endParaRPr>
+          </a:p>
+        </p:txBody>
+      </p:sp>
+      <p:pic>
+        <p:nvPicPr>
+          <p:cNvPr id="5" name="그림 4">
+            <a:extLst>
+              <a:ext uri="{FF2B5EF4-FFF2-40B4-BE49-F238E27FC236}">
+                <a16:creationId xmlns:a16="http://schemas.microsoft.com/office/drawing/2014/main" id="{3FB879C5-4B17-4527-A348-67942BDD5AC2}"/>
+              </a:ext>
+            </a:extLst>
+          </p:cNvPr>
+          <p:cNvPicPr>
+            <a:picLocks noChangeAspect="1"/>
+          </p:cNvPicPr>
+          <p:nvPr/>
+        </p:nvPicPr>
+        <p:blipFill>
+          <a:blip r:embed="rId2">
+            <a:extLst>
+              <a:ext uri="{28A0092B-C50C-407E-A947-70E740481C1C}">
+                <a14:useLocalDpi xmlns:a14="http://schemas.microsoft.com/office/drawing/2010/main" val="0"/>
+              </a:ext>
+            </a:extLst>
+          </a:blip>
+          <a:stretch>
+            <a:fillRect/>
+          </a:stretch>
+        </p:blipFill>
+        <p:spPr>
+          <a:xfrm>
+            <a:off x="82111" y="6061976"/>
+            <a:ext cx="775846" cy="730942"/>
+          </a:xfrm>
+          <a:prstGeom prst="rect">
+            <a:avLst/>
+          </a:prstGeom>
+        </p:spPr>
+      </p:pic>
     </p:spTree>
     <p:extLst>
       <p:ext uri="{BB962C8B-B14F-4D97-AF65-F5344CB8AC3E}">
-        <p14:creationId xmlns:p14="http://schemas.microsoft.com/office/powerpoint/2010/main" val="3608205885"/>
+        <p14:creationId xmlns:p14="http://schemas.microsoft.com/office/powerpoint/2010/main" val="224834465"/>
       </p:ext>
     </p:extLst>
   </p:cSld>
@@ -3864,58 +4441,223 @@
       </p:grpSpPr>
       <p:sp>
         <p:nvSpPr>
-          <p:cNvPr id="2" name="제목 1">
-            <a:extLst>
-              <a:ext uri="{FF2B5EF4-FFF2-40B4-BE49-F238E27FC236}">
-                <a16:creationId xmlns:a16="http://schemas.microsoft.com/office/drawing/2014/main" id="{AC9F4D77-33CB-44CC-BEF1-E26884954F68}"/>
-              </a:ext>
-            </a:extLst>
-          </p:cNvPr>
-          <p:cNvSpPr>
-            <a:spLocks noGrp="1"/>
-          </p:cNvSpPr>
-          <p:nvPr>
-            <p:ph type="title"/>
-          </p:nvPr>
-        </p:nvSpPr>
-        <p:spPr/>
-        <p:txBody>
-          <a:bodyPr/>
-          <a:lstStyle/>
-          <a:p>
-            <a:endParaRPr lang="ko-KR" altLang="en-US"/>
-          </a:p>
-        </p:txBody>
-      </p:sp>
-      <p:sp>
-        <p:nvSpPr>
-          <p:cNvPr id="3" name="내용 개체 틀 2">
-            <a:extLst>
-              <a:ext uri="{FF2B5EF4-FFF2-40B4-BE49-F238E27FC236}">
-                <a16:creationId xmlns:a16="http://schemas.microsoft.com/office/drawing/2014/main" id="{CD883010-0C0A-4F70-960F-96F960A345B6}"/>
-              </a:ext>
-            </a:extLst>
-          </p:cNvPr>
-          <p:cNvSpPr>
-            <a:spLocks noGrp="1"/>
-          </p:cNvSpPr>
-          <p:nvPr>
-            <p:ph idx="1"/>
-          </p:nvPr>
-        </p:nvSpPr>
-        <p:spPr/>
-        <p:txBody>
-          <a:bodyPr/>
-          <a:lstStyle/>
-          <a:p>
-            <a:endParaRPr lang="ko-KR" altLang="en-US"/>
+          <p:cNvPr id="5" name="TextBox 4">
+            <a:extLst>
+              <a:ext uri="{FF2B5EF4-FFF2-40B4-BE49-F238E27FC236}">
+                <a16:creationId xmlns:a16="http://schemas.microsoft.com/office/drawing/2014/main" id="{3F038114-9102-4736-B265-BC1954385889}"/>
+              </a:ext>
+            </a:extLst>
+          </p:cNvPr>
+          <p:cNvSpPr txBox="1"/>
+          <p:nvPr/>
+        </p:nvSpPr>
+        <p:spPr>
+          <a:xfrm>
+            <a:off x="3436374" y="2905780"/>
+            <a:ext cx="5319251" cy="523220"/>
+          </a:xfrm>
+          <a:prstGeom prst="rect">
+            <a:avLst/>
+          </a:prstGeom>
+          <a:noFill/>
+        </p:spPr>
+        <p:txBody>
+          <a:bodyPr wrap="square" rtlCol="0">
+            <a:spAutoFit/>
+          </a:bodyPr>
+          <a:lstStyle/>
+          <a:p>
+            <a:pPr algn="ctr"/>
+            <a:r>
+              <a:rPr lang="ko-KR" altLang="en-US" sz="2800" dirty="0">
+                <a:solidFill>
+                  <a:schemeClr val="bg1"/>
+                </a:solidFill>
+                <a:latin typeface="08서울남산체 B" panose="02020603020101020101" pitchFamily="18" charset="-127"/>
+                <a:ea typeface="08서울남산체 B" panose="02020603020101020101" pitchFamily="18" charset="-127"/>
+              </a:rPr>
+              <a:t>개발자들 강의자료</a:t>
+            </a:r>
+          </a:p>
+        </p:txBody>
+      </p:sp>
+      <p:sp>
+        <p:nvSpPr>
+          <p:cNvPr id="6" name="TextBox 5">
+            <a:extLst>
+              <a:ext uri="{FF2B5EF4-FFF2-40B4-BE49-F238E27FC236}">
+                <a16:creationId xmlns:a16="http://schemas.microsoft.com/office/drawing/2014/main" id="{64247769-628C-46E6-AFA4-147A5A598180}"/>
+              </a:ext>
+            </a:extLst>
+          </p:cNvPr>
+          <p:cNvSpPr txBox="1"/>
+          <p:nvPr/>
+        </p:nvSpPr>
+        <p:spPr>
+          <a:xfrm>
+            <a:off x="3436373" y="3429000"/>
+            <a:ext cx="5319251" cy="523220"/>
+          </a:xfrm>
+          <a:prstGeom prst="rect">
+            <a:avLst/>
+          </a:prstGeom>
+          <a:noFill/>
+        </p:spPr>
+        <p:txBody>
+          <a:bodyPr wrap="square" rtlCol="0">
+            <a:spAutoFit/>
+          </a:bodyPr>
+          <a:lstStyle/>
+          <a:p>
+            <a:pPr algn="ctr"/>
+            <a:r>
+              <a:rPr lang="en-US" altLang="ko-KR" sz="2800" dirty="0">
+                <a:solidFill>
+                  <a:schemeClr val="bg1"/>
+                </a:solidFill>
+                <a:latin typeface="08서울남산체 B" panose="02020603020101020101" pitchFamily="18" charset="-127"/>
+                <a:ea typeface="08서울남산체 B" panose="02020603020101020101" pitchFamily="18" charset="-127"/>
+              </a:rPr>
+              <a:t>Html</a:t>
+            </a:r>
+            <a:r>
+              <a:rPr lang="ko-KR" altLang="en-US" sz="2800" dirty="0">
+                <a:solidFill>
+                  <a:schemeClr val="bg1"/>
+                </a:solidFill>
+                <a:latin typeface="08서울남산체 B" panose="02020603020101020101" pitchFamily="18" charset="-127"/>
+                <a:ea typeface="08서울남산체 B" panose="02020603020101020101" pitchFamily="18" charset="-127"/>
+              </a:rPr>
+              <a:t> </a:t>
+            </a:r>
+            <a:r>
+              <a:rPr lang="en-US" altLang="ko-KR" sz="2800" dirty="0">
+                <a:solidFill>
+                  <a:schemeClr val="bg1"/>
+                </a:solidFill>
+                <a:latin typeface="08서울남산체 B" panose="02020603020101020101" pitchFamily="18" charset="-127"/>
+                <a:ea typeface="08서울남산체 B" panose="02020603020101020101" pitchFamily="18" charset="-127"/>
+              </a:rPr>
+              <a:t>&amp;</a:t>
+            </a:r>
+            <a:r>
+              <a:rPr lang="ko-KR" altLang="en-US" sz="2800" dirty="0">
+                <a:solidFill>
+                  <a:schemeClr val="bg1"/>
+                </a:solidFill>
+                <a:latin typeface="08서울남산체 B" panose="02020603020101020101" pitchFamily="18" charset="-127"/>
+                <a:ea typeface="08서울남산체 B" panose="02020603020101020101" pitchFamily="18" charset="-127"/>
+              </a:rPr>
+              <a:t> </a:t>
+            </a:r>
+            <a:r>
+              <a:rPr lang="en-US" altLang="ko-KR" sz="2800" dirty="0" err="1">
+                <a:solidFill>
+                  <a:schemeClr val="bg1"/>
+                </a:solidFill>
+                <a:latin typeface="08서울남산체 B" panose="02020603020101020101" pitchFamily="18" charset="-127"/>
+                <a:ea typeface="08서울남산체 B" panose="02020603020101020101" pitchFamily="18" charset="-127"/>
+              </a:rPr>
+              <a:t>css</a:t>
+            </a:r>
+            <a:endParaRPr lang="ko-KR" altLang="en-US" sz="2800" dirty="0">
+              <a:solidFill>
+                <a:schemeClr val="bg1"/>
+              </a:solidFill>
+              <a:latin typeface="08서울남산체 B" panose="02020603020101020101" pitchFamily="18" charset="-127"/>
+              <a:ea typeface="08서울남산체 B" panose="02020603020101020101" pitchFamily="18" charset="-127"/>
+            </a:endParaRPr>
+          </a:p>
+        </p:txBody>
+      </p:sp>
+      <p:pic>
+        <p:nvPicPr>
+          <p:cNvPr id="7" name="그림 6">
+            <a:extLst>
+              <a:ext uri="{FF2B5EF4-FFF2-40B4-BE49-F238E27FC236}">
+                <a16:creationId xmlns:a16="http://schemas.microsoft.com/office/drawing/2014/main" id="{1692220D-70CB-49D0-AAD8-42F656B684D7}"/>
+              </a:ext>
+            </a:extLst>
+          </p:cNvPr>
+          <p:cNvPicPr>
+            <a:picLocks noChangeAspect="1"/>
+          </p:cNvPicPr>
+          <p:nvPr/>
+        </p:nvPicPr>
+        <p:blipFill>
+          <a:blip r:embed="rId2">
+            <a:extLst>
+              <a:ext uri="{28A0092B-C50C-407E-A947-70E740481C1C}">
+                <a14:useLocalDpi xmlns:a14="http://schemas.microsoft.com/office/drawing/2010/main" val="0"/>
+              </a:ext>
+            </a:extLst>
+          </a:blip>
+          <a:stretch>
+            <a:fillRect/>
+          </a:stretch>
+        </p:blipFill>
+        <p:spPr>
+          <a:xfrm>
+            <a:off x="82111" y="6061976"/>
+            <a:ext cx="775846" cy="730942"/>
+          </a:xfrm>
+          <a:prstGeom prst="rect">
+            <a:avLst/>
+          </a:prstGeom>
+        </p:spPr>
+      </p:pic>
+      <p:sp>
+        <p:nvSpPr>
+          <p:cNvPr id="8" name="TextBox 7">
+            <a:extLst>
+              <a:ext uri="{FF2B5EF4-FFF2-40B4-BE49-F238E27FC236}">
+                <a16:creationId xmlns:a16="http://schemas.microsoft.com/office/drawing/2014/main" id="{D3CDAD77-9A55-4CB7-B965-4B28CA404387}"/>
+              </a:ext>
+            </a:extLst>
+          </p:cNvPr>
+          <p:cNvSpPr txBox="1"/>
+          <p:nvPr/>
+        </p:nvSpPr>
+        <p:spPr>
+          <a:xfrm>
+            <a:off x="0" y="0"/>
+            <a:ext cx="1248697" cy="400110"/>
+          </a:xfrm>
+          <a:prstGeom prst="rect">
+            <a:avLst/>
+          </a:prstGeom>
+          <a:noFill/>
+        </p:spPr>
+        <p:txBody>
+          <a:bodyPr wrap="square" rtlCol="0">
+            <a:spAutoFit/>
+          </a:bodyPr>
+          <a:lstStyle/>
+          <a:p>
+            <a:r>
+              <a:rPr lang="en-US" altLang="ko-KR" sz="2000" dirty="0">
+                <a:solidFill>
+                  <a:schemeClr val="bg1"/>
+                </a:solidFill>
+                <a:latin typeface="08서울남산체 B" panose="02020603020101020101" pitchFamily="18" charset="-127"/>
+                <a:ea typeface="08서울남산체 B" panose="02020603020101020101" pitchFamily="18" charset="-127"/>
+              </a:rPr>
+              <a:t>border</a:t>
+            </a:r>
+            <a:endParaRPr lang="ko-KR" altLang="en-US" sz="2000" dirty="0">
+              <a:solidFill>
+                <a:schemeClr val="bg1"/>
+              </a:solidFill>
+              <a:latin typeface="08서울남산체 B" panose="02020603020101020101" pitchFamily="18" charset="-127"/>
+              <a:ea typeface="08서울남산체 B" panose="02020603020101020101" pitchFamily="18" charset="-127"/>
+            </a:endParaRPr>
           </a:p>
         </p:txBody>
       </p:sp>
     </p:spTree>
     <p:extLst>
       <p:ext uri="{BB962C8B-B14F-4D97-AF65-F5344CB8AC3E}">
-        <p14:creationId xmlns:p14="http://schemas.microsoft.com/office/powerpoint/2010/main" val="2952222028"/>
+        <p14:creationId xmlns:p14="http://schemas.microsoft.com/office/powerpoint/2010/main" val="1120145990"/>
       </p:ext>
     </p:extLst>
   </p:cSld>
@@ -3944,58 +4686,327 @@
       </p:grpSpPr>
       <p:sp>
         <p:nvSpPr>
-          <p:cNvPr id="2" name="제목 1">
-            <a:extLst>
-              <a:ext uri="{FF2B5EF4-FFF2-40B4-BE49-F238E27FC236}">
-                <a16:creationId xmlns:a16="http://schemas.microsoft.com/office/drawing/2014/main" id="{5AE69968-3CD0-4DE7-B6D4-2D3030C97647}"/>
-              </a:ext>
-            </a:extLst>
-          </p:cNvPr>
-          <p:cNvSpPr>
-            <a:spLocks noGrp="1"/>
-          </p:cNvSpPr>
-          <p:nvPr>
-            <p:ph type="title"/>
-          </p:nvPr>
-        </p:nvSpPr>
-        <p:spPr/>
-        <p:txBody>
-          <a:bodyPr/>
-          <a:lstStyle/>
-          <a:p>
+          <p:cNvPr id="5" name="TextBox 4">
+            <a:extLst>
+              <a:ext uri="{FF2B5EF4-FFF2-40B4-BE49-F238E27FC236}">
+                <a16:creationId xmlns:a16="http://schemas.microsoft.com/office/drawing/2014/main" id="{3F038114-9102-4736-B265-BC1954385889}"/>
+              </a:ext>
+            </a:extLst>
+          </p:cNvPr>
+          <p:cNvSpPr txBox="1"/>
+          <p:nvPr/>
+        </p:nvSpPr>
+        <p:spPr>
+          <a:xfrm>
+            <a:off x="3436374" y="2905780"/>
+            <a:ext cx="5319251" cy="523220"/>
+          </a:xfrm>
+          <a:prstGeom prst="rect">
+            <a:avLst/>
+          </a:prstGeom>
+          <a:noFill/>
+        </p:spPr>
+        <p:txBody>
+          <a:bodyPr wrap="square" rtlCol="0">
+            <a:spAutoFit/>
+          </a:bodyPr>
+          <a:lstStyle/>
+          <a:p>
+            <a:pPr algn="ctr"/>
+            <a:r>
+              <a:rPr lang="ko-KR" altLang="en-US" sz="2800" dirty="0">
+                <a:solidFill>
+                  <a:schemeClr val="bg1"/>
+                </a:solidFill>
+                <a:latin typeface="08서울남산체 B" panose="02020603020101020101" pitchFamily="18" charset="-127"/>
+                <a:ea typeface="08서울남산체 B" panose="02020603020101020101" pitchFamily="18" charset="-127"/>
+              </a:rPr>
+              <a:t>개발자들 강의자료</a:t>
+            </a:r>
+          </a:p>
+        </p:txBody>
+      </p:sp>
+      <p:sp>
+        <p:nvSpPr>
+          <p:cNvPr id="6" name="TextBox 5">
+            <a:extLst>
+              <a:ext uri="{FF2B5EF4-FFF2-40B4-BE49-F238E27FC236}">
+                <a16:creationId xmlns:a16="http://schemas.microsoft.com/office/drawing/2014/main" id="{64247769-628C-46E6-AFA4-147A5A598180}"/>
+              </a:ext>
+            </a:extLst>
+          </p:cNvPr>
+          <p:cNvSpPr txBox="1"/>
+          <p:nvPr/>
+        </p:nvSpPr>
+        <p:spPr>
+          <a:xfrm>
+            <a:off x="3436373" y="3429000"/>
+            <a:ext cx="5319251" cy="523220"/>
+          </a:xfrm>
+          <a:prstGeom prst="rect">
+            <a:avLst/>
+          </a:prstGeom>
+          <a:noFill/>
+        </p:spPr>
+        <p:txBody>
+          <a:bodyPr wrap="square" rtlCol="0">
+            <a:spAutoFit/>
+          </a:bodyPr>
+          <a:lstStyle/>
+          <a:p>
+            <a:pPr algn="ctr"/>
+            <a:r>
+              <a:rPr lang="en-US" altLang="ko-KR" sz="2800" dirty="0">
+                <a:solidFill>
+                  <a:schemeClr val="bg1"/>
+                </a:solidFill>
+                <a:latin typeface="08서울남산체 B" panose="02020603020101020101" pitchFamily="18" charset="-127"/>
+                <a:ea typeface="08서울남산체 B" panose="02020603020101020101" pitchFamily="18" charset="-127"/>
+              </a:rPr>
+              <a:t>Html</a:t>
+            </a:r>
+            <a:r>
+              <a:rPr lang="ko-KR" altLang="en-US" sz="2800" dirty="0">
+                <a:solidFill>
+                  <a:schemeClr val="bg1"/>
+                </a:solidFill>
+                <a:latin typeface="08서울남산체 B" panose="02020603020101020101" pitchFamily="18" charset="-127"/>
+                <a:ea typeface="08서울남산체 B" panose="02020603020101020101" pitchFamily="18" charset="-127"/>
+              </a:rPr>
+              <a:t> </a:t>
+            </a:r>
+            <a:r>
+              <a:rPr lang="en-US" altLang="ko-KR" sz="2800" dirty="0">
+                <a:solidFill>
+                  <a:schemeClr val="bg1"/>
+                </a:solidFill>
+                <a:latin typeface="08서울남산체 B" panose="02020603020101020101" pitchFamily="18" charset="-127"/>
+                <a:ea typeface="08서울남산체 B" panose="02020603020101020101" pitchFamily="18" charset="-127"/>
+              </a:rPr>
+              <a:t>&amp;</a:t>
+            </a:r>
+            <a:r>
+              <a:rPr lang="ko-KR" altLang="en-US" sz="2800" dirty="0">
+                <a:solidFill>
+                  <a:schemeClr val="bg1"/>
+                </a:solidFill>
+                <a:latin typeface="08서울남산체 B" panose="02020603020101020101" pitchFamily="18" charset="-127"/>
+                <a:ea typeface="08서울남산체 B" panose="02020603020101020101" pitchFamily="18" charset="-127"/>
+              </a:rPr>
+              <a:t> </a:t>
+            </a:r>
+            <a:r>
+              <a:rPr lang="en-US" altLang="ko-KR" sz="2800" dirty="0" err="1">
+                <a:solidFill>
+                  <a:schemeClr val="bg1"/>
+                </a:solidFill>
+                <a:latin typeface="08서울남산체 B" panose="02020603020101020101" pitchFamily="18" charset="-127"/>
+                <a:ea typeface="08서울남산체 B" panose="02020603020101020101" pitchFamily="18" charset="-127"/>
+              </a:rPr>
+              <a:t>css</a:t>
+            </a:r>
+            <a:endParaRPr lang="ko-KR" altLang="en-US" sz="2800" dirty="0">
+              <a:solidFill>
+                <a:schemeClr val="bg1"/>
+              </a:solidFill>
+              <a:latin typeface="08서울남산체 B" panose="02020603020101020101" pitchFamily="18" charset="-127"/>
+              <a:ea typeface="08서울남산체 B" panose="02020603020101020101" pitchFamily="18" charset="-127"/>
+            </a:endParaRPr>
+          </a:p>
+        </p:txBody>
+      </p:sp>
+      <p:sp>
+        <p:nvSpPr>
+          <p:cNvPr id="4" name="직사각형 3">
+            <a:extLst>
+              <a:ext uri="{FF2B5EF4-FFF2-40B4-BE49-F238E27FC236}">
+                <a16:creationId xmlns:a16="http://schemas.microsoft.com/office/drawing/2014/main" id="{F1A001BB-D19A-4B43-9579-115B2AA518D0}"/>
+              </a:ext>
+            </a:extLst>
+          </p:cNvPr>
+          <p:cNvSpPr/>
+          <p:nvPr/>
+        </p:nvSpPr>
+        <p:spPr>
+          <a:xfrm>
+            <a:off x="4677630" y="2905780"/>
+            <a:ext cx="2834216" cy="523220"/>
+          </a:xfrm>
+          <a:prstGeom prst="rect">
+            <a:avLst/>
+          </a:prstGeom>
+          <a:noFill/>
+          <a:ln w="38100">
+            <a:solidFill>
+              <a:srgbClr val="C00000"/>
+            </a:solidFill>
+          </a:ln>
+        </p:spPr>
+        <p:style>
+          <a:lnRef idx="2">
+            <a:schemeClr val="accent1">
+              <a:shade val="50000"/>
+            </a:schemeClr>
+          </a:lnRef>
+          <a:fillRef idx="1">
+            <a:schemeClr val="accent1"/>
+          </a:fillRef>
+          <a:effectRef idx="0">
+            <a:schemeClr val="accent1"/>
+          </a:effectRef>
+          <a:fontRef idx="minor">
+            <a:schemeClr val="lt1"/>
+          </a:fontRef>
+        </p:style>
+        <p:txBody>
+          <a:bodyPr rtlCol="0" anchor="ctr"/>
+          <a:lstStyle/>
+          <a:p>
+            <a:pPr algn="ctr"/>
             <a:endParaRPr lang="ko-KR" altLang="en-US"/>
           </a:p>
         </p:txBody>
       </p:sp>
       <p:sp>
         <p:nvSpPr>
-          <p:cNvPr id="3" name="내용 개체 틀 2">
-            <a:extLst>
-              <a:ext uri="{FF2B5EF4-FFF2-40B4-BE49-F238E27FC236}">
-                <a16:creationId xmlns:a16="http://schemas.microsoft.com/office/drawing/2014/main" id="{AC8B62A7-394F-42A2-88D9-370046813D4F}"/>
-              </a:ext>
-            </a:extLst>
-          </p:cNvPr>
-          <p:cNvSpPr>
-            <a:spLocks noGrp="1"/>
-          </p:cNvSpPr>
-          <p:nvPr>
-            <p:ph idx="1"/>
-          </p:nvPr>
-        </p:nvSpPr>
-        <p:spPr/>
-        <p:txBody>
-          <a:bodyPr/>
-          <a:lstStyle/>
-          <a:p>
+          <p:cNvPr id="9" name="직사각형 8">
+            <a:extLst>
+              <a:ext uri="{FF2B5EF4-FFF2-40B4-BE49-F238E27FC236}">
+                <a16:creationId xmlns:a16="http://schemas.microsoft.com/office/drawing/2014/main" id="{85D8A9E7-1943-44B8-AA9E-E884C80C9FEF}"/>
+              </a:ext>
+            </a:extLst>
+          </p:cNvPr>
+          <p:cNvSpPr/>
+          <p:nvPr/>
+        </p:nvSpPr>
+        <p:spPr>
+          <a:xfrm>
+            <a:off x="4677630" y="3429000"/>
+            <a:ext cx="2834216" cy="523220"/>
+          </a:xfrm>
+          <a:prstGeom prst="rect">
+            <a:avLst/>
+          </a:prstGeom>
+          <a:noFill/>
+          <a:ln w="38100">
+            <a:solidFill>
+              <a:srgbClr val="C00000"/>
+            </a:solidFill>
+          </a:ln>
+        </p:spPr>
+        <p:style>
+          <a:lnRef idx="2">
+            <a:schemeClr val="accent1">
+              <a:shade val="50000"/>
+            </a:schemeClr>
+          </a:lnRef>
+          <a:fillRef idx="1">
+            <a:schemeClr val="accent1"/>
+          </a:fillRef>
+          <a:effectRef idx="0">
+            <a:schemeClr val="accent1"/>
+          </a:effectRef>
+          <a:fontRef idx="minor">
+            <a:schemeClr val="lt1"/>
+          </a:fontRef>
+        </p:style>
+        <p:txBody>
+          <a:bodyPr rtlCol="0" anchor="ctr"/>
+          <a:lstStyle/>
+          <a:p>
+            <a:pPr algn="ctr"/>
             <a:endParaRPr lang="ko-KR" altLang="en-US"/>
+          </a:p>
+        </p:txBody>
+      </p:sp>
+      <p:pic>
+        <p:nvPicPr>
+          <p:cNvPr id="10" name="그림 9">
+            <a:extLst>
+              <a:ext uri="{FF2B5EF4-FFF2-40B4-BE49-F238E27FC236}">
+                <a16:creationId xmlns:a16="http://schemas.microsoft.com/office/drawing/2014/main" id="{203789E3-69C6-490D-B79A-593CB86AF748}"/>
+              </a:ext>
+            </a:extLst>
+          </p:cNvPr>
+          <p:cNvPicPr>
+            <a:picLocks noChangeAspect="1"/>
+          </p:cNvPicPr>
+          <p:nvPr/>
+        </p:nvPicPr>
+        <p:blipFill>
+          <a:blip r:embed="rId2">
+            <a:extLst>
+              <a:ext uri="{28A0092B-C50C-407E-A947-70E740481C1C}">
+                <a14:useLocalDpi xmlns:a14="http://schemas.microsoft.com/office/drawing/2010/main" val="0"/>
+              </a:ext>
+            </a:extLst>
+          </a:blip>
+          <a:stretch>
+            <a:fillRect/>
+          </a:stretch>
+        </p:blipFill>
+        <p:spPr>
+          <a:xfrm>
+            <a:off x="82111" y="6061976"/>
+            <a:ext cx="775846" cy="730942"/>
+          </a:xfrm>
+          <a:prstGeom prst="rect">
+            <a:avLst/>
+          </a:prstGeom>
+        </p:spPr>
+      </p:pic>
+      <p:sp>
+        <p:nvSpPr>
+          <p:cNvPr id="11" name="TextBox 10">
+            <a:extLst>
+              <a:ext uri="{FF2B5EF4-FFF2-40B4-BE49-F238E27FC236}">
+                <a16:creationId xmlns:a16="http://schemas.microsoft.com/office/drawing/2014/main" id="{A251C87D-1332-495D-A271-F8F71CA3335F}"/>
+              </a:ext>
+            </a:extLst>
+          </p:cNvPr>
+          <p:cNvSpPr txBox="1"/>
+          <p:nvPr/>
+        </p:nvSpPr>
+        <p:spPr>
+          <a:xfrm>
+            <a:off x="0" y="0"/>
+            <a:ext cx="1248697" cy="400110"/>
+          </a:xfrm>
+          <a:prstGeom prst="rect">
+            <a:avLst/>
+          </a:prstGeom>
+          <a:noFill/>
+        </p:spPr>
+        <p:txBody>
+          <a:bodyPr wrap="square" rtlCol="0">
+            <a:spAutoFit/>
+          </a:bodyPr>
+          <a:lstStyle/>
+          <a:p>
+            <a:r>
+              <a:rPr lang="en-US" altLang="ko-KR" sz="2000" dirty="0">
+                <a:solidFill>
+                  <a:schemeClr val="bg1"/>
+                </a:solidFill>
+                <a:latin typeface="08서울남산체 B" panose="02020603020101020101" pitchFamily="18" charset="-127"/>
+                <a:ea typeface="08서울남산체 B" panose="02020603020101020101" pitchFamily="18" charset="-127"/>
+              </a:rPr>
+              <a:t>border</a:t>
+            </a:r>
+            <a:endParaRPr lang="ko-KR" altLang="en-US" sz="2000" dirty="0">
+              <a:solidFill>
+                <a:schemeClr val="bg1"/>
+              </a:solidFill>
+              <a:latin typeface="08서울남산체 B" panose="02020603020101020101" pitchFamily="18" charset="-127"/>
+              <a:ea typeface="08서울남산체 B" panose="02020603020101020101" pitchFamily="18" charset="-127"/>
+            </a:endParaRPr>
           </a:p>
         </p:txBody>
       </p:sp>
     </p:spTree>
     <p:extLst>
       <p:ext uri="{BB962C8B-B14F-4D97-AF65-F5344CB8AC3E}">
-        <p14:creationId xmlns:p14="http://schemas.microsoft.com/office/powerpoint/2010/main" val="2766827572"/>
+        <p14:creationId xmlns:p14="http://schemas.microsoft.com/office/powerpoint/2010/main" val="4043576781"/>
       </p:ext>
     </p:extLst>
   </p:cSld>
@@ -4024,50 +5035,423 @@
       </p:grpSpPr>
       <p:sp>
         <p:nvSpPr>
-          <p:cNvPr id="2" name="제목 1">
-            <a:extLst>
-              <a:ext uri="{FF2B5EF4-FFF2-40B4-BE49-F238E27FC236}">
-                <a16:creationId xmlns:a16="http://schemas.microsoft.com/office/drawing/2014/main" id="{9303C281-495D-4E86-83BF-4058CA786226}"/>
-              </a:ext>
-            </a:extLst>
-          </p:cNvPr>
-          <p:cNvSpPr>
-            <a:spLocks noGrp="1"/>
-          </p:cNvSpPr>
-          <p:nvPr>
-            <p:ph type="title"/>
-          </p:nvPr>
-        </p:nvSpPr>
-        <p:spPr/>
-        <p:txBody>
-          <a:bodyPr/>
-          <a:lstStyle/>
-          <a:p>
+          <p:cNvPr id="5" name="TextBox 4">
+            <a:extLst>
+              <a:ext uri="{FF2B5EF4-FFF2-40B4-BE49-F238E27FC236}">
+                <a16:creationId xmlns:a16="http://schemas.microsoft.com/office/drawing/2014/main" id="{3F038114-9102-4736-B265-BC1954385889}"/>
+              </a:ext>
+            </a:extLst>
+          </p:cNvPr>
+          <p:cNvSpPr txBox="1"/>
+          <p:nvPr/>
+        </p:nvSpPr>
+        <p:spPr>
+          <a:xfrm>
+            <a:off x="3436374" y="2637852"/>
+            <a:ext cx="5319251" cy="523220"/>
+          </a:xfrm>
+          <a:prstGeom prst="rect">
+            <a:avLst/>
+          </a:prstGeom>
+          <a:noFill/>
+        </p:spPr>
+        <p:txBody>
+          <a:bodyPr wrap="square" rtlCol="0">
+            <a:spAutoFit/>
+          </a:bodyPr>
+          <a:lstStyle/>
+          <a:p>
+            <a:pPr algn="ctr"/>
+            <a:r>
+              <a:rPr lang="ko-KR" altLang="en-US" sz="2800" dirty="0">
+                <a:solidFill>
+                  <a:schemeClr val="bg1"/>
+                </a:solidFill>
+                <a:latin typeface="08서울남산체 B" panose="02020603020101020101" pitchFamily="18" charset="-127"/>
+                <a:ea typeface="08서울남산체 B" panose="02020603020101020101" pitchFamily="18" charset="-127"/>
+              </a:rPr>
+              <a:t>개발자들 강의자료</a:t>
+            </a:r>
+          </a:p>
+        </p:txBody>
+      </p:sp>
+      <p:sp>
+        <p:nvSpPr>
+          <p:cNvPr id="6" name="TextBox 5">
+            <a:extLst>
+              <a:ext uri="{FF2B5EF4-FFF2-40B4-BE49-F238E27FC236}">
+                <a16:creationId xmlns:a16="http://schemas.microsoft.com/office/drawing/2014/main" id="{64247769-628C-46E6-AFA4-147A5A598180}"/>
+              </a:ext>
+            </a:extLst>
+          </p:cNvPr>
+          <p:cNvSpPr txBox="1"/>
+          <p:nvPr/>
+        </p:nvSpPr>
+        <p:spPr>
+          <a:xfrm>
+            <a:off x="3436373" y="3692014"/>
+            <a:ext cx="5319251" cy="523220"/>
+          </a:xfrm>
+          <a:prstGeom prst="rect">
+            <a:avLst/>
+          </a:prstGeom>
+          <a:noFill/>
+        </p:spPr>
+        <p:txBody>
+          <a:bodyPr wrap="square" rtlCol="0">
+            <a:spAutoFit/>
+          </a:bodyPr>
+          <a:lstStyle/>
+          <a:p>
+            <a:pPr algn="ctr"/>
+            <a:r>
+              <a:rPr lang="en-US" altLang="ko-KR" sz="2800" dirty="0">
+                <a:solidFill>
+                  <a:schemeClr val="bg1"/>
+                </a:solidFill>
+                <a:latin typeface="08서울남산체 B" panose="02020603020101020101" pitchFamily="18" charset="-127"/>
+                <a:ea typeface="08서울남산체 B" panose="02020603020101020101" pitchFamily="18" charset="-127"/>
+              </a:rPr>
+              <a:t>Html</a:t>
+            </a:r>
+            <a:r>
+              <a:rPr lang="ko-KR" altLang="en-US" sz="2800" dirty="0">
+                <a:solidFill>
+                  <a:schemeClr val="bg1"/>
+                </a:solidFill>
+                <a:latin typeface="08서울남산체 B" panose="02020603020101020101" pitchFamily="18" charset="-127"/>
+                <a:ea typeface="08서울남산체 B" panose="02020603020101020101" pitchFamily="18" charset="-127"/>
+              </a:rPr>
+              <a:t> </a:t>
+            </a:r>
+            <a:r>
+              <a:rPr lang="en-US" altLang="ko-KR" sz="2800" dirty="0">
+                <a:solidFill>
+                  <a:schemeClr val="bg1"/>
+                </a:solidFill>
+                <a:latin typeface="08서울남산체 B" panose="02020603020101020101" pitchFamily="18" charset="-127"/>
+                <a:ea typeface="08서울남산체 B" panose="02020603020101020101" pitchFamily="18" charset="-127"/>
+              </a:rPr>
+              <a:t>&amp;</a:t>
+            </a:r>
+            <a:r>
+              <a:rPr lang="ko-KR" altLang="en-US" sz="2800" dirty="0">
+                <a:solidFill>
+                  <a:schemeClr val="bg1"/>
+                </a:solidFill>
+                <a:latin typeface="08서울남산체 B" panose="02020603020101020101" pitchFamily="18" charset="-127"/>
+                <a:ea typeface="08서울남산체 B" panose="02020603020101020101" pitchFamily="18" charset="-127"/>
+              </a:rPr>
+              <a:t> </a:t>
+            </a:r>
+            <a:r>
+              <a:rPr lang="en-US" altLang="ko-KR" sz="2800" dirty="0" err="1">
+                <a:solidFill>
+                  <a:schemeClr val="bg1"/>
+                </a:solidFill>
+                <a:latin typeface="08서울남산체 B" panose="02020603020101020101" pitchFamily="18" charset="-127"/>
+                <a:ea typeface="08서울남산체 B" panose="02020603020101020101" pitchFamily="18" charset="-127"/>
+              </a:rPr>
+              <a:t>css</a:t>
+            </a:r>
+            <a:endParaRPr lang="ko-KR" altLang="en-US" sz="2800" dirty="0">
+              <a:solidFill>
+                <a:schemeClr val="bg1"/>
+              </a:solidFill>
+              <a:latin typeface="08서울남산체 B" panose="02020603020101020101" pitchFamily="18" charset="-127"/>
+              <a:ea typeface="08서울남산체 B" panose="02020603020101020101" pitchFamily="18" charset="-127"/>
+            </a:endParaRPr>
+          </a:p>
+        </p:txBody>
+      </p:sp>
+      <p:sp>
+        <p:nvSpPr>
+          <p:cNvPr id="4" name="직사각형 3">
+            <a:extLst>
+              <a:ext uri="{FF2B5EF4-FFF2-40B4-BE49-F238E27FC236}">
+                <a16:creationId xmlns:a16="http://schemas.microsoft.com/office/drawing/2014/main" id="{F1A001BB-D19A-4B43-9579-115B2AA518D0}"/>
+              </a:ext>
+            </a:extLst>
+          </p:cNvPr>
+          <p:cNvSpPr/>
+          <p:nvPr/>
+        </p:nvSpPr>
+        <p:spPr>
+          <a:xfrm>
+            <a:off x="4677630" y="2637852"/>
+            <a:ext cx="2834216" cy="523220"/>
+          </a:xfrm>
+          <a:prstGeom prst="rect">
+            <a:avLst/>
+          </a:prstGeom>
+          <a:noFill/>
+          <a:ln w="38100">
+            <a:solidFill>
+              <a:srgbClr val="C00000"/>
+            </a:solidFill>
+          </a:ln>
+        </p:spPr>
+        <p:style>
+          <a:lnRef idx="2">
+            <a:schemeClr val="accent1">
+              <a:shade val="50000"/>
+            </a:schemeClr>
+          </a:lnRef>
+          <a:fillRef idx="1">
+            <a:schemeClr val="accent1"/>
+          </a:fillRef>
+          <a:effectRef idx="0">
+            <a:schemeClr val="accent1"/>
+          </a:effectRef>
+          <a:fontRef idx="minor">
+            <a:schemeClr val="lt1"/>
+          </a:fontRef>
+        </p:style>
+        <p:txBody>
+          <a:bodyPr rtlCol="0" anchor="ctr"/>
+          <a:lstStyle/>
+          <a:p>
+            <a:pPr algn="ctr"/>
             <a:endParaRPr lang="ko-KR" altLang="en-US"/>
           </a:p>
         </p:txBody>
       </p:sp>
       <p:sp>
         <p:nvSpPr>
-          <p:cNvPr id="3" name="내용 개체 틀 2">
-            <a:extLst>
-              <a:ext uri="{FF2B5EF4-FFF2-40B4-BE49-F238E27FC236}">
-                <a16:creationId xmlns:a16="http://schemas.microsoft.com/office/drawing/2014/main" id="{ABAAC3DE-7FBC-47E3-8F8D-98C15EA006EB}"/>
-              </a:ext>
-            </a:extLst>
-          </p:cNvPr>
-          <p:cNvSpPr>
-            <a:spLocks noGrp="1"/>
-          </p:cNvSpPr>
-          <p:nvPr>
-            <p:ph idx="1"/>
-          </p:nvPr>
-        </p:nvSpPr>
-        <p:spPr/>
-        <p:txBody>
-          <a:bodyPr/>
-          <a:lstStyle/>
-          <a:p>
+          <p:cNvPr id="9" name="직사각형 8">
+            <a:extLst>
+              <a:ext uri="{FF2B5EF4-FFF2-40B4-BE49-F238E27FC236}">
+                <a16:creationId xmlns:a16="http://schemas.microsoft.com/office/drawing/2014/main" id="{85D8A9E7-1943-44B8-AA9E-E884C80C9FEF}"/>
+              </a:ext>
+            </a:extLst>
+          </p:cNvPr>
+          <p:cNvSpPr/>
+          <p:nvPr/>
+        </p:nvSpPr>
+        <p:spPr>
+          <a:xfrm>
+            <a:off x="4677630" y="3692014"/>
+            <a:ext cx="2834216" cy="523220"/>
+          </a:xfrm>
+          <a:prstGeom prst="rect">
+            <a:avLst/>
+          </a:prstGeom>
+          <a:noFill/>
+          <a:ln w="38100">
+            <a:solidFill>
+              <a:srgbClr val="C00000"/>
+            </a:solidFill>
+          </a:ln>
+        </p:spPr>
+        <p:style>
+          <a:lnRef idx="2">
+            <a:schemeClr val="accent1">
+              <a:shade val="50000"/>
+            </a:schemeClr>
+          </a:lnRef>
+          <a:fillRef idx="1">
+            <a:schemeClr val="accent1"/>
+          </a:fillRef>
+          <a:effectRef idx="0">
+            <a:schemeClr val="accent1"/>
+          </a:effectRef>
+          <a:fontRef idx="minor">
+            <a:schemeClr val="lt1"/>
+          </a:fontRef>
+        </p:style>
+        <p:txBody>
+          <a:bodyPr rtlCol="0" anchor="ctr"/>
+          <a:lstStyle/>
+          <a:p>
+            <a:pPr algn="ctr"/>
+            <a:endParaRPr lang="ko-KR" altLang="en-US"/>
+          </a:p>
+        </p:txBody>
+      </p:sp>
+      <p:pic>
+        <p:nvPicPr>
+          <p:cNvPr id="10" name="그림 9">
+            <a:extLst>
+              <a:ext uri="{FF2B5EF4-FFF2-40B4-BE49-F238E27FC236}">
+                <a16:creationId xmlns:a16="http://schemas.microsoft.com/office/drawing/2014/main" id="{203789E3-69C6-490D-B79A-593CB86AF748}"/>
+              </a:ext>
+            </a:extLst>
+          </p:cNvPr>
+          <p:cNvPicPr>
+            <a:picLocks noChangeAspect="1"/>
+          </p:cNvPicPr>
+          <p:nvPr/>
+        </p:nvPicPr>
+        <p:blipFill>
+          <a:blip r:embed="rId2">
+            <a:extLst>
+              <a:ext uri="{28A0092B-C50C-407E-A947-70E740481C1C}">
+                <a14:useLocalDpi xmlns:a14="http://schemas.microsoft.com/office/drawing/2010/main" val="0"/>
+              </a:ext>
+            </a:extLst>
+          </a:blip>
+          <a:stretch>
+            <a:fillRect/>
+          </a:stretch>
+        </p:blipFill>
+        <p:spPr>
+          <a:xfrm>
+            <a:off x="82111" y="6061976"/>
+            <a:ext cx="775846" cy="730942"/>
+          </a:xfrm>
+          <a:prstGeom prst="rect">
+            <a:avLst/>
+          </a:prstGeom>
+        </p:spPr>
+      </p:pic>
+      <p:sp>
+        <p:nvSpPr>
+          <p:cNvPr id="11" name="TextBox 10">
+            <a:extLst>
+              <a:ext uri="{FF2B5EF4-FFF2-40B4-BE49-F238E27FC236}">
+                <a16:creationId xmlns:a16="http://schemas.microsoft.com/office/drawing/2014/main" id="{A251C87D-1332-495D-A271-F8F71CA3335F}"/>
+              </a:ext>
+            </a:extLst>
+          </p:cNvPr>
+          <p:cNvSpPr txBox="1"/>
+          <p:nvPr/>
+        </p:nvSpPr>
+        <p:spPr>
+          <a:xfrm>
+            <a:off x="0" y="0"/>
+            <a:ext cx="1248697" cy="400110"/>
+          </a:xfrm>
+          <a:prstGeom prst="rect">
+            <a:avLst/>
+          </a:prstGeom>
+          <a:noFill/>
+        </p:spPr>
+        <p:txBody>
+          <a:bodyPr wrap="square" rtlCol="0">
+            <a:spAutoFit/>
+          </a:bodyPr>
+          <a:lstStyle/>
+          <a:p>
+            <a:r>
+              <a:rPr lang="en-US" altLang="ko-KR" sz="2000" dirty="0">
+                <a:solidFill>
+                  <a:schemeClr val="bg1"/>
+                </a:solidFill>
+                <a:latin typeface="08서울남산체 B" panose="02020603020101020101" pitchFamily="18" charset="-127"/>
+                <a:ea typeface="08서울남산체 B" panose="02020603020101020101" pitchFamily="18" charset="-127"/>
+              </a:rPr>
+              <a:t>margin</a:t>
+            </a:r>
+            <a:endParaRPr lang="ko-KR" altLang="en-US" sz="2000" dirty="0">
+              <a:solidFill>
+                <a:schemeClr val="bg1"/>
+              </a:solidFill>
+              <a:latin typeface="08서울남산체 B" panose="02020603020101020101" pitchFamily="18" charset="-127"/>
+              <a:ea typeface="08서울남산체 B" panose="02020603020101020101" pitchFamily="18" charset="-127"/>
+            </a:endParaRPr>
+          </a:p>
+        </p:txBody>
+      </p:sp>
+      <p:sp>
+        <p:nvSpPr>
+          <p:cNvPr id="12" name="직사각형 11">
+            <a:extLst>
+              <a:ext uri="{FF2B5EF4-FFF2-40B4-BE49-F238E27FC236}">
+                <a16:creationId xmlns:a16="http://schemas.microsoft.com/office/drawing/2014/main" id="{8BCB494A-5AF0-4908-B772-4E127AE08B22}"/>
+              </a:ext>
+            </a:extLst>
+          </p:cNvPr>
+          <p:cNvSpPr/>
+          <p:nvPr/>
+        </p:nvSpPr>
+        <p:spPr>
+          <a:xfrm>
+            <a:off x="4382661" y="2381505"/>
+            <a:ext cx="3424151" cy="1047495"/>
+          </a:xfrm>
+          <a:prstGeom prst="rect">
+            <a:avLst/>
+          </a:prstGeom>
+          <a:noFill/>
+          <a:ln w="38100">
+            <a:solidFill>
+              <a:srgbClr val="FFC000"/>
+            </a:solidFill>
+          </a:ln>
+        </p:spPr>
+        <p:style>
+          <a:lnRef idx="2">
+            <a:schemeClr val="accent1">
+              <a:shade val="50000"/>
+            </a:schemeClr>
+          </a:lnRef>
+          <a:fillRef idx="1">
+            <a:schemeClr val="accent1"/>
+          </a:fillRef>
+          <a:effectRef idx="0">
+            <a:schemeClr val="accent1"/>
+          </a:effectRef>
+          <a:fontRef idx="minor">
+            <a:schemeClr val="lt1"/>
+          </a:fontRef>
+        </p:style>
+        <p:txBody>
+          <a:bodyPr rtlCol="0" anchor="ctr"/>
+          <a:lstStyle/>
+          <a:p>
+            <a:pPr algn="ctr"/>
+            <a:endParaRPr lang="ko-KR" altLang="en-US"/>
+          </a:p>
+        </p:txBody>
+      </p:sp>
+      <p:sp>
+        <p:nvSpPr>
+          <p:cNvPr id="13" name="직사각형 12">
+            <a:extLst>
+              <a:ext uri="{FF2B5EF4-FFF2-40B4-BE49-F238E27FC236}">
+                <a16:creationId xmlns:a16="http://schemas.microsoft.com/office/drawing/2014/main" id="{DE1B7F97-F921-4E83-BEC4-2152FC1FAAC4}"/>
+              </a:ext>
+            </a:extLst>
+          </p:cNvPr>
+          <p:cNvSpPr/>
+          <p:nvPr/>
+        </p:nvSpPr>
+        <p:spPr>
+          <a:xfrm>
+            <a:off x="4382661" y="3429000"/>
+            <a:ext cx="3424151" cy="1047495"/>
+          </a:xfrm>
+          <a:prstGeom prst="rect">
+            <a:avLst/>
+          </a:prstGeom>
+          <a:noFill/>
+          <a:ln w="38100">
+            <a:solidFill>
+              <a:srgbClr val="FFC000"/>
+            </a:solidFill>
+          </a:ln>
+        </p:spPr>
+        <p:style>
+          <a:lnRef idx="2">
+            <a:schemeClr val="accent1">
+              <a:shade val="50000"/>
+            </a:schemeClr>
+          </a:lnRef>
+          <a:fillRef idx="1">
+            <a:schemeClr val="accent1"/>
+          </a:fillRef>
+          <a:effectRef idx="0">
+            <a:schemeClr val="accent1"/>
+          </a:effectRef>
+          <a:fontRef idx="minor">
+            <a:schemeClr val="lt1"/>
+          </a:fontRef>
+        </p:style>
+        <p:txBody>
+          <a:bodyPr rtlCol="0" anchor="ctr"/>
+          <a:lstStyle/>
+          <a:p>
+            <a:pPr algn="ctr"/>
             <a:endParaRPr lang="ko-KR" altLang="en-US"/>
           </a:p>
         </p:txBody>
@@ -4075,7 +5459,7 @@
     </p:spTree>
     <p:extLst>
       <p:ext uri="{BB962C8B-B14F-4D97-AF65-F5344CB8AC3E}">
-        <p14:creationId xmlns:p14="http://schemas.microsoft.com/office/powerpoint/2010/main" val="2234015931"/>
+        <p14:creationId xmlns:p14="http://schemas.microsoft.com/office/powerpoint/2010/main" val="2987117291"/>
       </p:ext>
     </p:extLst>
   </p:cSld>
@@ -4104,58 +5488,223 @@
       </p:grpSpPr>
       <p:sp>
         <p:nvSpPr>
-          <p:cNvPr id="2" name="제목 1">
-            <a:extLst>
-              <a:ext uri="{FF2B5EF4-FFF2-40B4-BE49-F238E27FC236}">
-                <a16:creationId xmlns:a16="http://schemas.microsoft.com/office/drawing/2014/main" id="{7790B058-BDE2-428F-9CD5-182E80407602}"/>
-              </a:ext>
-            </a:extLst>
-          </p:cNvPr>
-          <p:cNvSpPr>
-            <a:spLocks noGrp="1"/>
-          </p:cNvSpPr>
-          <p:nvPr>
-            <p:ph type="title"/>
-          </p:nvPr>
-        </p:nvSpPr>
-        <p:spPr/>
-        <p:txBody>
-          <a:bodyPr/>
-          <a:lstStyle/>
-          <a:p>
-            <a:endParaRPr lang="ko-KR" altLang="en-US"/>
-          </a:p>
-        </p:txBody>
-      </p:sp>
-      <p:sp>
-        <p:nvSpPr>
-          <p:cNvPr id="3" name="내용 개체 틀 2">
-            <a:extLst>
-              <a:ext uri="{FF2B5EF4-FFF2-40B4-BE49-F238E27FC236}">
-                <a16:creationId xmlns:a16="http://schemas.microsoft.com/office/drawing/2014/main" id="{BA54C5FC-3F21-4C33-8EBE-5BF77088C51C}"/>
-              </a:ext>
-            </a:extLst>
-          </p:cNvPr>
-          <p:cNvSpPr>
-            <a:spLocks noGrp="1"/>
-          </p:cNvSpPr>
-          <p:nvPr>
-            <p:ph idx="1"/>
-          </p:nvPr>
-        </p:nvSpPr>
-        <p:spPr/>
-        <p:txBody>
-          <a:bodyPr/>
-          <a:lstStyle/>
-          <a:p>
-            <a:endParaRPr lang="ko-KR" altLang="en-US"/>
+          <p:cNvPr id="5" name="TextBox 4">
+            <a:extLst>
+              <a:ext uri="{FF2B5EF4-FFF2-40B4-BE49-F238E27FC236}">
+                <a16:creationId xmlns:a16="http://schemas.microsoft.com/office/drawing/2014/main" id="{3F038114-9102-4736-B265-BC1954385889}"/>
+              </a:ext>
+            </a:extLst>
+          </p:cNvPr>
+          <p:cNvSpPr txBox="1"/>
+          <p:nvPr/>
+        </p:nvSpPr>
+        <p:spPr>
+          <a:xfrm>
+            <a:off x="3436374" y="2637852"/>
+            <a:ext cx="5319251" cy="523220"/>
+          </a:xfrm>
+          <a:prstGeom prst="rect">
+            <a:avLst/>
+          </a:prstGeom>
+          <a:noFill/>
+        </p:spPr>
+        <p:txBody>
+          <a:bodyPr wrap="square" rtlCol="0">
+            <a:spAutoFit/>
+          </a:bodyPr>
+          <a:lstStyle/>
+          <a:p>
+            <a:pPr algn="ctr"/>
+            <a:r>
+              <a:rPr lang="ko-KR" altLang="en-US" sz="2800" dirty="0">
+                <a:solidFill>
+                  <a:schemeClr val="bg1"/>
+                </a:solidFill>
+                <a:latin typeface="08서울남산체 B" panose="02020603020101020101" pitchFamily="18" charset="-127"/>
+                <a:ea typeface="08서울남산체 B" panose="02020603020101020101" pitchFamily="18" charset="-127"/>
+              </a:rPr>
+              <a:t>개발자들 강의자료</a:t>
+            </a:r>
+          </a:p>
+        </p:txBody>
+      </p:sp>
+      <p:sp>
+        <p:nvSpPr>
+          <p:cNvPr id="6" name="TextBox 5">
+            <a:extLst>
+              <a:ext uri="{FF2B5EF4-FFF2-40B4-BE49-F238E27FC236}">
+                <a16:creationId xmlns:a16="http://schemas.microsoft.com/office/drawing/2014/main" id="{64247769-628C-46E6-AFA4-147A5A598180}"/>
+              </a:ext>
+            </a:extLst>
+          </p:cNvPr>
+          <p:cNvSpPr txBox="1"/>
+          <p:nvPr/>
+        </p:nvSpPr>
+        <p:spPr>
+          <a:xfrm>
+            <a:off x="3436373" y="3692014"/>
+            <a:ext cx="5319251" cy="523220"/>
+          </a:xfrm>
+          <a:prstGeom prst="rect">
+            <a:avLst/>
+          </a:prstGeom>
+          <a:noFill/>
+        </p:spPr>
+        <p:txBody>
+          <a:bodyPr wrap="square" rtlCol="0">
+            <a:spAutoFit/>
+          </a:bodyPr>
+          <a:lstStyle/>
+          <a:p>
+            <a:pPr algn="ctr"/>
+            <a:r>
+              <a:rPr lang="en-US" altLang="ko-KR" sz="2800" dirty="0">
+                <a:solidFill>
+                  <a:schemeClr val="bg1"/>
+                </a:solidFill>
+                <a:latin typeface="08서울남산체 B" panose="02020603020101020101" pitchFamily="18" charset="-127"/>
+                <a:ea typeface="08서울남산체 B" panose="02020603020101020101" pitchFamily="18" charset="-127"/>
+              </a:rPr>
+              <a:t>Html</a:t>
+            </a:r>
+            <a:r>
+              <a:rPr lang="ko-KR" altLang="en-US" sz="2800" dirty="0">
+                <a:solidFill>
+                  <a:schemeClr val="bg1"/>
+                </a:solidFill>
+                <a:latin typeface="08서울남산체 B" panose="02020603020101020101" pitchFamily="18" charset="-127"/>
+                <a:ea typeface="08서울남산체 B" panose="02020603020101020101" pitchFamily="18" charset="-127"/>
+              </a:rPr>
+              <a:t> </a:t>
+            </a:r>
+            <a:r>
+              <a:rPr lang="en-US" altLang="ko-KR" sz="2800" dirty="0">
+                <a:solidFill>
+                  <a:schemeClr val="bg1"/>
+                </a:solidFill>
+                <a:latin typeface="08서울남산체 B" panose="02020603020101020101" pitchFamily="18" charset="-127"/>
+                <a:ea typeface="08서울남산체 B" panose="02020603020101020101" pitchFamily="18" charset="-127"/>
+              </a:rPr>
+              <a:t>&amp;</a:t>
+            </a:r>
+            <a:r>
+              <a:rPr lang="ko-KR" altLang="en-US" sz="2800" dirty="0">
+                <a:solidFill>
+                  <a:schemeClr val="bg1"/>
+                </a:solidFill>
+                <a:latin typeface="08서울남산체 B" panose="02020603020101020101" pitchFamily="18" charset="-127"/>
+                <a:ea typeface="08서울남산체 B" panose="02020603020101020101" pitchFamily="18" charset="-127"/>
+              </a:rPr>
+              <a:t> </a:t>
+            </a:r>
+            <a:r>
+              <a:rPr lang="en-US" altLang="ko-KR" sz="2800" dirty="0" err="1">
+                <a:solidFill>
+                  <a:schemeClr val="bg1"/>
+                </a:solidFill>
+                <a:latin typeface="08서울남산체 B" panose="02020603020101020101" pitchFamily="18" charset="-127"/>
+                <a:ea typeface="08서울남산체 B" panose="02020603020101020101" pitchFamily="18" charset="-127"/>
+              </a:rPr>
+              <a:t>css</a:t>
+            </a:r>
+            <a:endParaRPr lang="ko-KR" altLang="en-US" sz="2800" dirty="0">
+              <a:solidFill>
+                <a:schemeClr val="bg1"/>
+              </a:solidFill>
+              <a:latin typeface="08서울남산체 B" panose="02020603020101020101" pitchFamily="18" charset="-127"/>
+              <a:ea typeface="08서울남산체 B" panose="02020603020101020101" pitchFamily="18" charset="-127"/>
+            </a:endParaRPr>
+          </a:p>
+        </p:txBody>
+      </p:sp>
+      <p:pic>
+        <p:nvPicPr>
+          <p:cNvPr id="10" name="그림 9">
+            <a:extLst>
+              <a:ext uri="{FF2B5EF4-FFF2-40B4-BE49-F238E27FC236}">
+                <a16:creationId xmlns:a16="http://schemas.microsoft.com/office/drawing/2014/main" id="{203789E3-69C6-490D-B79A-593CB86AF748}"/>
+              </a:ext>
+            </a:extLst>
+          </p:cNvPr>
+          <p:cNvPicPr>
+            <a:picLocks noChangeAspect="1"/>
+          </p:cNvPicPr>
+          <p:nvPr/>
+        </p:nvPicPr>
+        <p:blipFill>
+          <a:blip r:embed="rId2">
+            <a:extLst>
+              <a:ext uri="{28A0092B-C50C-407E-A947-70E740481C1C}">
+                <a14:useLocalDpi xmlns:a14="http://schemas.microsoft.com/office/drawing/2010/main" val="0"/>
+              </a:ext>
+            </a:extLst>
+          </a:blip>
+          <a:stretch>
+            <a:fillRect/>
+          </a:stretch>
+        </p:blipFill>
+        <p:spPr>
+          <a:xfrm>
+            <a:off x="82111" y="6061976"/>
+            <a:ext cx="775846" cy="730942"/>
+          </a:xfrm>
+          <a:prstGeom prst="rect">
+            <a:avLst/>
+          </a:prstGeom>
+        </p:spPr>
+      </p:pic>
+      <p:sp>
+        <p:nvSpPr>
+          <p:cNvPr id="11" name="TextBox 10">
+            <a:extLst>
+              <a:ext uri="{FF2B5EF4-FFF2-40B4-BE49-F238E27FC236}">
+                <a16:creationId xmlns:a16="http://schemas.microsoft.com/office/drawing/2014/main" id="{A251C87D-1332-495D-A271-F8F71CA3335F}"/>
+              </a:ext>
+            </a:extLst>
+          </p:cNvPr>
+          <p:cNvSpPr txBox="1"/>
+          <p:nvPr/>
+        </p:nvSpPr>
+        <p:spPr>
+          <a:xfrm>
+            <a:off x="0" y="0"/>
+            <a:ext cx="1248697" cy="400110"/>
+          </a:xfrm>
+          <a:prstGeom prst="rect">
+            <a:avLst/>
+          </a:prstGeom>
+          <a:noFill/>
+        </p:spPr>
+        <p:txBody>
+          <a:bodyPr wrap="square" rtlCol="0">
+            <a:spAutoFit/>
+          </a:bodyPr>
+          <a:lstStyle/>
+          <a:p>
+            <a:r>
+              <a:rPr lang="en-US" altLang="ko-KR" sz="2000" dirty="0">
+                <a:solidFill>
+                  <a:schemeClr val="bg1"/>
+                </a:solidFill>
+                <a:latin typeface="08서울남산체 B" panose="02020603020101020101" pitchFamily="18" charset="-127"/>
+                <a:ea typeface="08서울남산체 B" panose="02020603020101020101" pitchFamily="18" charset="-127"/>
+              </a:rPr>
+              <a:t>margin</a:t>
+            </a:r>
+            <a:endParaRPr lang="ko-KR" altLang="en-US" sz="2000" dirty="0">
+              <a:solidFill>
+                <a:schemeClr val="bg1"/>
+              </a:solidFill>
+              <a:latin typeface="08서울남산체 B" panose="02020603020101020101" pitchFamily="18" charset="-127"/>
+              <a:ea typeface="08서울남산체 B" panose="02020603020101020101" pitchFamily="18" charset="-127"/>
+            </a:endParaRPr>
           </a:p>
         </p:txBody>
       </p:sp>
     </p:spTree>
     <p:extLst>
       <p:ext uri="{BB962C8B-B14F-4D97-AF65-F5344CB8AC3E}">
-        <p14:creationId xmlns:p14="http://schemas.microsoft.com/office/powerpoint/2010/main" val="2349523684"/>
+        <p14:creationId xmlns:p14="http://schemas.microsoft.com/office/powerpoint/2010/main" val="3855051815"/>
       </p:ext>
     </p:extLst>
   </p:cSld>
@@ -4184,50 +5733,423 @@
       </p:grpSpPr>
       <p:sp>
         <p:nvSpPr>
-          <p:cNvPr id="2" name="제목 1">
-            <a:extLst>
-              <a:ext uri="{FF2B5EF4-FFF2-40B4-BE49-F238E27FC236}">
-                <a16:creationId xmlns:a16="http://schemas.microsoft.com/office/drawing/2014/main" id="{88078916-F77F-437B-A914-60CC7D845593}"/>
-              </a:ext>
-            </a:extLst>
-          </p:cNvPr>
-          <p:cNvSpPr>
-            <a:spLocks noGrp="1"/>
-          </p:cNvSpPr>
-          <p:nvPr>
-            <p:ph type="title"/>
-          </p:nvPr>
-        </p:nvSpPr>
-        <p:spPr/>
-        <p:txBody>
-          <a:bodyPr/>
-          <a:lstStyle/>
-          <a:p>
+          <p:cNvPr id="5" name="TextBox 4">
+            <a:extLst>
+              <a:ext uri="{FF2B5EF4-FFF2-40B4-BE49-F238E27FC236}">
+                <a16:creationId xmlns:a16="http://schemas.microsoft.com/office/drawing/2014/main" id="{3F038114-9102-4736-B265-BC1954385889}"/>
+              </a:ext>
+            </a:extLst>
+          </p:cNvPr>
+          <p:cNvSpPr txBox="1"/>
+          <p:nvPr/>
+        </p:nvSpPr>
+        <p:spPr>
+          <a:xfrm>
+            <a:off x="3436374" y="2637852"/>
+            <a:ext cx="5319251" cy="523220"/>
+          </a:xfrm>
+          <a:prstGeom prst="rect">
+            <a:avLst/>
+          </a:prstGeom>
+          <a:noFill/>
+        </p:spPr>
+        <p:txBody>
+          <a:bodyPr wrap="square" rtlCol="0">
+            <a:spAutoFit/>
+          </a:bodyPr>
+          <a:lstStyle/>
+          <a:p>
+            <a:pPr algn="ctr"/>
+            <a:r>
+              <a:rPr lang="ko-KR" altLang="en-US" sz="2800" dirty="0">
+                <a:solidFill>
+                  <a:schemeClr val="bg1"/>
+                </a:solidFill>
+                <a:latin typeface="08서울남산체 B" panose="02020603020101020101" pitchFamily="18" charset="-127"/>
+                <a:ea typeface="08서울남산체 B" panose="02020603020101020101" pitchFamily="18" charset="-127"/>
+              </a:rPr>
+              <a:t>개발자들 강의자료</a:t>
+            </a:r>
+          </a:p>
+        </p:txBody>
+      </p:sp>
+      <p:sp>
+        <p:nvSpPr>
+          <p:cNvPr id="6" name="TextBox 5">
+            <a:extLst>
+              <a:ext uri="{FF2B5EF4-FFF2-40B4-BE49-F238E27FC236}">
+                <a16:creationId xmlns:a16="http://schemas.microsoft.com/office/drawing/2014/main" id="{64247769-628C-46E6-AFA4-147A5A598180}"/>
+              </a:ext>
+            </a:extLst>
+          </p:cNvPr>
+          <p:cNvSpPr txBox="1"/>
+          <p:nvPr/>
+        </p:nvSpPr>
+        <p:spPr>
+          <a:xfrm>
+            <a:off x="3436373" y="3692014"/>
+            <a:ext cx="5319251" cy="523220"/>
+          </a:xfrm>
+          <a:prstGeom prst="rect">
+            <a:avLst/>
+          </a:prstGeom>
+          <a:noFill/>
+        </p:spPr>
+        <p:txBody>
+          <a:bodyPr wrap="square" rtlCol="0">
+            <a:spAutoFit/>
+          </a:bodyPr>
+          <a:lstStyle/>
+          <a:p>
+            <a:pPr algn="ctr"/>
+            <a:r>
+              <a:rPr lang="en-US" altLang="ko-KR" sz="2800" dirty="0">
+                <a:solidFill>
+                  <a:schemeClr val="bg1"/>
+                </a:solidFill>
+                <a:latin typeface="08서울남산체 B" panose="02020603020101020101" pitchFamily="18" charset="-127"/>
+                <a:ea typeface="08서울남산체 B" panose="02020603020101020101" pitchFamily="18" charset="-127"/>
+              </a:rPr>
+              <a:t>Html</a:t>
+            </a:r>
+            <a:r>
+              <a:rPr lang="ko-KR" altLang="en-US" sz="2800" dirty="0">
+                <a:solidFill>
+                  <a:schemeClr val="bg1"/>
+                </a:solidFill>
+                <a:latin typeface="08서울남산체 B" panose="02020603020101020101" pitchFamily="18" charset="-127"/>
+                <a:ea typeface="08서울남산체 B" panose="02020603020101020101" pitchFamily="18" charset="-127"/>
+              </a:rPr>
+              <a:t> </a:t>
+            </a:r>
+            <a:r>
+              <a:rPr lang="en-US" altLang="ko-KR" sz="2800" dirty="0">
+                <a:solidFill>
+                  <a:schemeClr val="bg1"/>
+                </a:solidFill>
+                <a:latin typeface="08서울남산체 B" panose="02020603020101020101" pitchFamily="18" charset="-127"/>
+                <a:ea typeface="08서울남산체 B" panose="02020603020101020101" pitchFamily="18" charset="-127"/>
+              </a:rPr>
+              <a:t>&amp;</a:t>
+            </a:r>
+            <a:r>
+              <a:rPr lang="ko-KR" altLang="en-US" sz="2800" dirty="0">
+                <a:solidFill>
+                  <a:schemeClr val="bg1"/>
+                </a:solidFill>
+                <a:latin typeface="08서울남산체 B" panose="02020603020101020101" pitchFamily="18" charset="-127"/>
+                <a:ea typeface="08서울남산체 B" panose="02020603020101020101" pitchFamily="18" charset="-127"/>
+              </a:rPr>
+              <a:t> </a:t>
+            </a:r>
+            <a:r>
+              <a:rPr lang="en-US" altLang="ko-KR" sz="2800" dirty="0" err="1">
+                <a:solidFill>
+                  <a:schemeClr val="bg1"/>
+                </a:solidFill>
+                <a:latin typeface="08서울남산체 B" panose="02020603020101020101" pitchFamily="18" charset="-127"/>
+                <a:ea typeface="08서울남산체 B" panose="02020603020101020101" pitchFamily="18" charset="-127"/>
+              </a:rPr>
+              <a:t>css</a:t>
+            </a:r>
+            <a:endParaRPr lang="ko-KR" altLang="en-US" sz="2800" dirty="0">
+              <a:solidFill>
+                <a:schemeClr val="bg1"/>
+              </a:solidFill>
+              <a:latin typeface="08서울남산체 B" panose="02020603020101020101" pitchFamily="18" charset="-127"/>
+              <a:ea typeface="08서울남산체 B" panose="02020603020101020101" pitchFamily="18" charset="-127"/>
+            </a:endParaRPr>
+          </a:p>
+        </p:txBody>
+      </p:sp>
+      <p:sp>
+        <p:nvSpPr>
+          <p:cNvPr id="4" name="직사각형 3">
+            <a:extLst>
+              <a:ext uri="{FF2B5EF4-FFF2-40B4-BE49-F238E27FC236}">
+                <a16:creationId xmlns:a16="http://schemas.microsoft.com/office/drawing/2014/main" id="{F1A001BB-D19A-4B43-9579-115B2AA518D0}"/>
+              </a:ext>
+            </a:extLst>
+          </p:cNvPr>
+          <p:cNvSpPr/>
+          <p:nvPr/>
+        </p:nvSpPr>
+        <p:spPr>
+          <a:xfrm>
+            <a:off x="4677630" y="2637852"/>
+            <a:ext cx="2834216" cy="523220"/>
+          </a:xfrm>
+          <a:prstGeom prst="rect">
+            <a:avLst/>
+          </a:prstGeom>
+          <a:noFill/>
+          <a:ln w="38100">
+            <a:solidFill>
+              <a:srgbClr val="C00000"/>
+            </a:solidFill>
+          </a:ln>
+        </p:spPr>
+        <p:style>
+          <a:lnRef idx="2">
+            <a:schemeClr val="accent1">
+              <a:shade val="50000"/>
+            </a:schemeClr>
+          </a:lnRef>
+          <a:fillRef idx="1">
+            <a:schemeClr val="accent1"/>
+          </a:fillRef>
+          <a:effectRef idx="0">
+            <a:schemeClr val="accent1"/>
+          </a:effectRef>
+          <a:fontRef idx="minor">
+            <a:schemeClr val="lt1"/>
+          </a:fontRef>
+        </p:style>
+        <p:txBody>
+          <a:bodyPr rtlCol="0" anchor="ctr"/>
+          <a:lstStyle/>
+          <a:p>
+            <a:pPr algn="ctr"/>
             <a:endParaRPr lang="ko-KR" altLang="en-US"/>
           </a:p>
         </p:txBody>
       </p:sp>
       <p:sp>
         <p:nvSpPr>
-          <p:cNvPr id="3" name="내용 개체 틀 2">
-            <a:extLst>
-              <a:ext uri="{FF2B5EF4-FFF2-40B4-BE49-F238E27FC236}">
-                <a16:creationId xmlns:a16="http://schemas.microsoft.com/office/drawing/2014/main" id="{7F607059-4F0E-4D20-B9DC-39EDBADD6756}"/>
-              </a:ext>
-            </a:extLst>
-          </p:cNvPr>
-          <p:cNvSpPr>
-            <a:spLocks noGrp="1"/>
-          </p:cNvSpPr>
-          <p:nvPr>
-            <p:ph idx="1"/>
-          </p:nvPr>
-        </p:nvSpPr>
-        <p:spPr/>
-        <p:txBody>
-          <a:bodyPr/>
-          <a:lstStyle/>
-          <a:p>
+          <p:cNvPr id="9" name="직사각형 8">
+            <a:extLst>
+              <a:ext uri="{FF2B5EF4-FFF2-40B4-BE49-F238E27FC236}">
+                <a16:creationId xmlns:a16="http://schemas.microsoft.com/office/drawing/2014/main" id="{85D8A9E7-1943-44B8-AA9E-E884C80C9FEF}"/>
+              </a:ext>
+            </a:extLst>
+          </p:cNvPr>
+          <p:cNvSpPr/>
+          <p:nvPr/>
+        </p:nvSpPr>
+        <p:spPr>
+          <a:xfrm>
+            <a:off x="4677630" y="3692014"/>
+            <a:ext cx="2834216" cy="523220"/>
+          </a:xfrm>
+          <a:prstGeom prst="rect">
+            <a:avLst/>
+          </a:prstGeom>
+          <a:noFill/>
+          <a:ln w="38100">
+            <a:solidFill>
+              <a:srgbClr val="C00000"/>
+            </a:solidFill>
+          </a:ln>
+        </p:spPr>
+        <p:style>
+          <a:lnRef idx="2">
+            <a:schemeClr val="accent1">
+              <a:shade val="50000"/>
+            </a:schemeClr>
+          </a:lnRef>
+          <a:fillRef idx="1">
+            <a:schemeClr val="accent1"/>
+          </a:fillRef>
+          <a:effectRef idx="0">
+            <a:schemeClr val="accent1"/>
+          </a:effectRef>
+          <a:fontRef idx="minor">
+            <a:schemeClr val="lt1"/>
+          </a:fontRef>
+        </p:style>
+        <p:txBody>
+          <a:bodyPr rtlCol="0" anchor="ctr"/>
+          <a:lstStyle/>
+          <a:p>
+            <a:pPr algn="ctr"/>
+            <a:endParaRPr lang="ko-KR" altLang="en-US"/>
+          </a:p>
+        </p:txBody>
+      </p:sp>
+      <p:pic>
+        <p:nvPicPr>
+          <p:cNvPr id="10" name="그림 9">
+            <a:extLst>
+              <a:ext uri="{FF2B5EF4-FFF2-40B4-BE49-F238E27FC236}">
+                <a16:creationId xmlns:a16="http://schemas.microsoft.com/office/drawing/2014/main" id="{203789E3-69C6-490D-B79A-593CB86AF748}"/>
+              </a:ext>
+            </a:extLst>
+          </p:cNvPr>
+          <p:cNvPicPr>
+            <a:picLocks noChangeAspect="1"/>
+          </p:cNvPicPr>
+          <p:nvPr/>
+        </p:nvPicPr>
+        <p:blipFill>
+          <a:blip r:embed="rId2">
+            <a:extLst>
+              <a:ext uri="{28A0092B-C50C-407E-A947-70E740481C1C}">
+                <a14:useLocalDpi xmlns:a14="http://schemas.microsoft.com/office/drawing/2010/main" val="0"/>
+              </a:ext>
+            </a:extLst>
+          </a:blip>
+          <a:stretch>
+            <a:fillRect/>
+          </a:stretch>
+        </p:blipFill>
+        <p:spPr>
+          <a:xfrm>
+            <a:off x="82111" y="6061976"/>
+            <a:ext cx="775846" cy="730942"/>
+          </a:xfrm>
+          <a:prstGeom prst="rect">
+            <a:avLst/>
+          </a:prstGeom>
+        </p:spPr>
+      </p:pic>
+      <p:sp>
+        <p:nvSpPr>
+          <p:cNvPr id="11" name="TextBox 10">
+            <a:extLst>
+              <a:ext uri="{FF2B5EF4-FFF2-40B4-BE49-F238E27FC236}">
+                <a16:creationId xmlns:a16="http://schemas.microsoft.com/office/drawing/2014/main" id="{A251C87D-1332-495D-A271-F8F71CA3335F}"/>
+              </a:ext>
+            </a:extLst>
+          </p:cNvPr>
+          <p:cNvSpPr txBox="1"/>
+          <p:nvPr/>
+        </p:nvSpPr>
+        <p:spPr>
+          <a:xfrm>
+            <a:off x="0" y="0"/>
+            <a:ext cx="1248697" cy="400110"/>
+          </a:xfrm>
+          <a:prstGeom prst="rect">
+            <a:avLst/>
+          </a:prstGeom>
+          <a:noFill/>
+        </p:spPr>
+        <p:txBody>
+          <a:bodyPr wrap="square" rtlCol="0">
+            <a:spAutoFit/>
+          </a:bodyPr>
+          <a:lstStyle/>
+          <a:p>
+            <a:r>
+              <a:rPr lang="en-US" altLang="ko-KR" sz="2000" dirty="0">
+                <a:solidFill>
+                  <a:schemeClr val="bg1"/>
+                </a:solidFill>
+                <a:latin typeface="08서울남산체 B" panose="02020603020101020101" pitchFamily="18" charset="-127"/>
+                <a:ea typeface="08서울남산체 B" panose="02020603020101020101" pitchFamily="18" charset="-127"/>
+              </a:rPr>
+              <a:t>padding</a:t>
+            </a:r>
+            <a:endParaRPr lang="ko-KR" altLang="en-US" sz="2000" dirty="0">
+              <a:solidFill>
+                <a:schemeClr val="bg1"/>
+              </a:solidFill>
+              <a:latin typeface="08서울남산체 B" panose="02020603020101020101" pitchFamily="18" charset="-127"/>
+              <a:ea typeface="08서울남산체 B" panose="02020603020101020101" pitchFamily="18" charset="-127"/>
+            </a:endParaRPr>
+          </a:p>
+        </p:txBody>
+      </p:sp>
+      <p:sp>
+        <p:nvSpPr>
+          <p:cNvPr id="12" name="직사각형 11">
+            <a:extLst>
+              <a:ext uri="{FF2B5EF4-FFF2-40B4-BE49-F238E27FC236}">
+                <a16:creationId xmlns:a16="http://schemas.microsoft.com/office/drawing/2014/main" id="{8BCB494A-5AF0-4908-B772-4E127AE08B22}"/>
+              </a:ext>
+            </a:extLst>
+          </p:cNvPr>
+          <p:cNvSpPr/>
+          <p:nvPr/>
+        </p:nvSpPr>
+        <p:spPr>
+          <a:xfrm>
+            <a:off x="4382661" y="2381505"/>
+            <a:ext cx="3424151" cy="1047495"/>
+          </a:xfrm>
+          <a:prstGeom prst="rect">
+            <a:avLst/>
+          </a:prstGeom>
+          <a:noFill/>
+          <a:ln w="38100">
+            <a:solidFill>
+              <a:srgbClr val="FFC000"/>
+            </a:solidFill>
+          </a:ln>
+        </p:spPr>
+        <p:style>
+          <a:lnRef idx="2">
+            <a:schemeClr val="accent1">
+              <a:shade val="50000"/>
+            </a:schemeClr>
+          </a:lnRef>
+          <a:fillRef idx="1">
+            <a:schemeClr val="accent1"/>
+          </a:fillRef>
+          <a:effectRef idx="0">
+            <a:schemeClr val="accent1"/>
+          </a:effectRef>
+          <a:fontRef idx="minor">
+            <a:schemeClr val="lt1"/>
+          </a:fontRef>
+        </p:style>
+        <p:txBody>
+          <a:bodyPr rtlCol="0" anchor="ctr"/>
+          <a:lstStyle/>
+          <a:p>
+            <a:pPr algn="ctr"/>
+            <a:endParaRPr lang="ko-KR" altLang="en-US"/>
+          </a:p>
+        </p:txBody>
+      </p:sp>
+      <p:sp>
+        <p:nvSpPr>
+          <p:cNvPr id="13" name="직사각형 12">
+            <a:extLst>
+              <a:ext uri="{FF2B5EF4-FFF2-40B4-BE49-F238E27FC236}">
+                <a16:creationId xmlns:a16="http://schemas.microsoft.com/office/drawing/2014/main" id="{DE1B7F97-F921-4E83-BEC4-2152FC1FAAC4}"/>
+              </a:ext>
+            </a:extLst>
+          </p:cNvPr>
+          <p:cNvSpPr/>
+          <p:nvPr/>
+        </p:nvSpPr>
+        <p:spPr>
+          <a:xfrm>
+            <a:off x="4382661" y="3429000"/>
+            <a:ext cx="3424151" cy="1047495"/>
+          </a:xfrm>
+          <a:prstGeom prst="rect">
+            <a:avLst/>
+          </a:prstGeom>
+          <a:noFill/>
+          <a:ln w="38100">
+            <a:solidFill>
+              <a:srgbClr val="FFC000"/>
+            </a:solidFill>
+          </a:ln>
+        </p:spPr>
+        <p:style>
+          <a:lnRef idx="2">
+            <a:schemeClr val="accent1">
+              <a:shade val="50000"/>
+            </a:schemeClr>
+          </a:lnRef>
+          <a:fillRef idx="1">
+            <a:schemeClr val="accent1"/>
+          </a:fillRef>
+          <a:effectRef idx="0">
+            <a:schemeClr val="accent1"/>
+          </a:effectRef>
+          <a:fontRef idx="minor">
+            <a:schemeClr val="lt1"/>
+          </a:fontRef>
+        </p:style>
+        <p:txBody>
+          <a:bodyPr rtlCol="0" anchor="ctr"/>
+          <a:lstStyle/>
+          <a:p>
+            <a:pPr algn="ctr"/>
             <a:endParaRPr lang="ko-KR" altLang="en-US"/>
           </a:p>
         </p:txBody>
@@ -4235,7 +6157,532 @@
     </p:spTree>
     <p:extLst>
       <p:ext uri="{BB962C8B-B14F-4D97-AF65-F5344CB8AC3E}">
-        <p14:creationId xmlns:p14="http://schemas.microsoft.com/office/powerpoint/2010/main" val="572115964"/>
+        <p14:creationId xmlns:p14="http://schemas.microsoft.com/office/powerpoint/2010/main" val="1306343512"/>
+      </p:ext>
+    </p:extLst>
+  </p:cSld>
+  <p:clrMapOvr>
+    <a:masterClrMapping/>
+  </p:clrMapOvr>
+</p:sld>
+</file>
+
+<file path=ppt/slides/slide19.xml><?xml version="1.0" encoding="utf-8"?>
+<p:sld xmlns:a="http://schemas.openxmlformats.org/drawingml/2006/main" xmlns:r="http://schemas.openxmlformats.org/officeDocument/2006/relationships" xmlns:p="http://schemas.openxmlformats.org/presentationml/2006/main">
+  <p:cSld>
+    <p:spTree>
+      <p:nvGrpSpPr>
+        <p:cNvPr id="1" name=""/>
+        <p:cNvGrpSpPr/>
+        <p:nvPr/>
+      </p:nvGrpSpPr>
+      <p:grpSpPr>
+        <a:xfrm>
+          <a:off x="0" y="0"/>
+          <a:ext cx="0" cy="0"/>
+          <a:chOff x="0" y="0"/>
+          <a:chExt cx="0" cy="0"/>
+        </a:xfrm>
+      </p:grpSpPr>
+      <p:sp>
+        <p:nvSpPr>
+          <p:cNvPr id="2" name="직사각형 1">
+            <a:extLst>
+              <a:ext uri="{FF2B5EF4-FFF2-40B4-BE49-F238E27FC236}">
+                <a16:creationId xmlns:a16="http://schemas.microsoft.com/office/drawing/2014/main" id="{1DF0D885-0EDE-44EA-AB47-E728C8913A1A}"/>
+              </a:ext>
+            </a:extLst>
+          </p:cNvPr>
+          <p:cNvSpPr/>
+          <p:nvPr/>
+        </p:nvSpPr>
+        <p:spPr>
+          <a:xfrm>
+            <a:off x="4262576" y="1978059"/>
+            <a:ext cx="3664324" cy="918570"/>
+          </a:xfrm>
+          <a:prstGeom prst="rect">
+            <a:avLst/>
+          </a:prstGeom>
+          <a:solidFill>
+            <a:srgbClr val="00B050">
+              <a:alpha val="25000"/>
+            </a:srgbClr>
+          </a:solidFill>
+        </p:spPr>
+        <p:style>
+          <a:lnRef idx="2">
+            <a:schemeClr val="accent1">
+              <a:shade val="50000"/>
+            </a:schemeClr>
+          </a:lnRef>
+          <a:fillRef idx="1">
+            <a:schemeClr val="accent1"/>
+          </a:fillRef>
+          <a:effectRef idx="0">
+            <a:schemeClr val="accent1"/>
+          </a:effectRef>
+          <a:fontRef idx="minor">
+            <a:schemeClr val="lt1"/>
+          </a:fontRef>
+        </p:style>
+        <p:txBody>
+          <a:bodyPr rtlCol="0" anchor="ctr"/>
+          <a:lstStyle/>
+          <a:p>
+            <a:pPr algn="ctr"/>
+            <a:endParaRPr lang="ko-KR" altLang="en-US"/>
+          </a:p>
+        </p:txBody>
+      </p:sp>
+      <p:sp>
+        <p:nvSpPr>
+          <p:cNvPr id="5" name="TextBox 4">
+            <a:extLst>
+              <a:ext uri="{FF2B5EF4-FFF2-40B4-BE49-F238E27FC236}">
+                <a16:creationId xmlns:a16="http://schemas.microsoft.com/office/drawing/2014/main" id="{3F038114-9102-4736-B265-BC1954385889}"/>
+              </a:ext>
+            </a:extLst>
+          </p:cNvPr>
+          <p:cNvSpPr txBox="1"/>
+          <p:nvPr/>
+        </p:nvSpPr>
+        <p:spPr>
+          <a:xfrm>
+            <a:off x="3436374" y="2175734"/>
+            <a:ext cx="5319251" cy="523220"/>
+          </a:xfrm>
+          <a:prstGeom prst="rect">
+            <a:avLst/>
+          </a:prstGeom>
+          <a:noFill/>
+        </p:spPr>
+        <p:txBody>
+          <a:bodyPr wrap="square" rtlCol="0">
+            <a:spAutoFit/>
+          </a:bodyPr>
+          <a:lstStyle/>
+          <a:p>
+            <a:pPr algn="ctr"/>
+            <a:r>
+              <a:rPr lang="ko-KR" altLang="en-US" sz="2800" dirty="0">
+                <a:solidFill>
+                  <a:schemeClr val="bg1"/>
+                </a:solidFill>
+                <a:latin typeface="08서울남산체 B" panose="02020603020101020101" pitchFamily="18" charset="-127"/>
+                <a:ea typeface="08서울남산체 B" panose="02020603020101020101" pitchFamily="18" charset="-127"/>
+              </a:rPr>
+              <a:t>개발자들 강의자료</a:t>
+            </a:r>
+          </a:p>
+        </p:txBody>
+      </p:sp>
+      <p:sp>
+        <p:nvSpPr>
+          <p:cNvPr id="4" name="직사각형 3">
+            <a:extLst>
+              <a:ext uri="{FF2B5EF4-FFF2-40B4-BE49-F238E27FC236}">
+                <a16:creationId xmlns:a16="http://schemas.microsoft.com/office/drawing/2014/main" id="{F1A001BB-D19A-4B43-9579-115B2AA518D0}"/>
+              </a:ext>
+            </a:extLst>
+          </p:cNvPr>
+          <p:cNvSpPr/>
+          <p:nvPr/>
+        </p:nvSpPr>
+        <p:spPr>
+          <a:xfrm>
+            <a:off x="4262576" y="1978059"/>
+            <a:ext cx="3664324" cy="918570"/>
+          </a:xfrm>
+          <a:prstGeom prst="rect">
+            <a:avLst/>
+          </a:prstGeom>
+          <a:noFill/>
+          <a:ln w="38100">
+            <a:solidFill>
+              <a:srgbClr val="C00000"/>
+            </a:solidFill>
+          </a:ln>
+        </p:spPr>
+        <p:style>
+          <a:lnRef idx="2">
+            <a:schemeClr val="accent1">
+              <a:shade val="50000"/>
+            </a:schemeClr>
+          </a:lnRef>
+          <a:fillRef idx="1">
+            <a:schemeClr val="accent1"/>
+          </a:fillRef>
+          <a:effectRef idx="0">
+            <a:schemeClr val="accent1"/>
+          </a:effectRef>
+          <a:fontRef idx="minor">
+            <a:schemeClr val="lt1"/>
+          </a:fontRef>
+        </p:style>
+        <p:txBody>
+          <a:bodyPr rtlCol="0" anchor="ctr"/>
+          <a:lstStyle/>
+          <a:p>
+            <a:pPr algn="ctr"/>
+            <a:endParaRPr lang="ko-KR" altLang="en-US"/>
+          </a:p>
+        </p:txBody>
+      </p:sp>
+      <p:pic>
+        <p:nvPicPr>
+          <p:cNvPr id="10" name="그림 9">
+            <a:extLst>
+              <a:ext uri="{FF2B5EF4-FFF2-40B4-BE49-F238E27FC236}">
+                <a16:creationId xmlns:a16="http://schemas.microsoft.com/office/drawing/2014/main" id="{203789E3-69C6-490D-B79A-593CB86AF748}"/>
+              </a:ext>
+            </a:extLst>
+          </p:cNvPr>
+          <p:cNvPicPr>
+            <a:picLocks noChangeAspect="1"/>
+          </p:cNvPicPr>
+          <p:nvPr/>
+        </p:nvPicPr>
+        <p:blipFill>
+          <a:blip r:embed="rId2">
+            <a:extLst>
+              <a:ext uri="{28A0092B-C50C-407E-A947-70E740481C1C}">
+                <a14:useLocalDpi xmlns:a14="http://schemas.microsoft.com/office/drawing/2010/main" val="0"/>
+              </a:ext>
+            </a:extLst>
+          </a:blip>
+          <a:stretch>
+            <a:fillRect/>
+          </a:stretch>
+        </p:blipFill>
+        <p:spPr>
+          <a:xfrm>
+            <a:off x="82111" y="6061976"/>
+            <a:ext cx="775846" cy="730942"/>
+          </a:xfrm>
+          <a:prstGeom prst="rect">
+            <a:avLst/>
+          </a:prstGeom>
+        </p:spPr>
+      </p:pic>
+      <p:sp>
+        <p:nvSpPr>
+          <p:cNvPr id="11" name="TextBox 10">
+            <a:extLst>
+              <a:ext uri="{FF2B5EF4-FFF2-40B4-BE49-F238E27FC236}">
+                <a16:creationId xmlns:a16="http://schemas.microsoft.com/office/drawing/2014/main" id="{A251C87D-1332-495D-A271-F8F71CA3335F}"/>
+              </a:ext>
+            </a:extLst>
+          </p:cNvPr>
+          <p:cNvSpPr txBox="1"/>
+          <p:nvPr/>
+        </p:nvSpPr>
+        <p:spPr>
+          <a:xfrm>
+            <a:off x="0" y="0"/>
+            <a:ext cx="1248697" cy="400110"/>
+          </a:xfrm>
+          <a:prstGeom prst="rect">
+            <a:avLst/>
+          </a:prstGeom>
+          <a:noFill/>
+        </p:spPr>
+        <p:txBody>
+          <a:bodyPr wrap="square" rtlCol="0">
+            <a:spAutoFit/>
+          </a:bodyPr>
+          <a:lstStyle/>
+          <a:p>
+            <a:r>
+              <a:rPr lang="en-US" altLang="ko-KR" sz="2000" dirty="0">
+                <a:solidFill>
+                  <a:schemeClr val="bg1"/>
+                </a:solidFill>
+                <a:latin typeface="08서울남산체 B" panose="02020603020101020101" pitchFamily="18" charset="-127"/>
+                <a:ea typeface="08서울남산체 B" panose="02020603020101020101" pitchFamily="18" charset="-127"/>
+              </a:rPr>
+              <a:t>padding</a:t>
+            </a:r>
+            <a:endParaRPr lang="ko-KR" altLang="en-US" sz="2000" dirty="0">
+              <a:solidFill>
+                <a:schemeClr val="bg1"/>
+              </a:solidFill>
+              <a:latin typeface="08서울남산체 B" panose="02020603020101020101" pitchFamily="18" charset="-127"/>
+              <a:ea typeface="08서울남산체 B" panose="02020603020101020101" pitchFamily="18" charset="-127"/>
+            </a:endParaRPr>
+          </a:p>
+        </p:txBody>
+      </p:sp>
+      <p:sp>
+        <p:nvSpPr>
+          <p:cNvPr id="12" name="직사각형 11">
+            <a:extLst>
+              <a:ext uri="{FF2B5EF4-FFF2-40B4-BE49-F238E27FC236}">
+                <a16:creationId xmlns:a16="http://schemas.microsoft.com/office/drawing/2014/main" id="{8BCB494A-5AF0-4908-B772-4E127AE08B22}"/>
+              </a:ext>
+            </a:extLst>
+          </p:cNvPr>
+          <p:cNvSpPr/>
+          <p:nvPr/>
+        </p:nvSpPr>
+        <p:spPr>
+          <a:xfrm>
+            <a:off x="3881215" y="1523639"/>
+            <a:ext cx="4427044" cy="1838992"/>
+          </a:xfrm>
+          <a:prstGeom prst="rect">
+            <a:avLst/>
+          </a:prstGeom>
+          <a:noFill/>
+          <a:ln w="38100">
+            <a:solidFill>
+              <a:srgbClr val="FFC000"/>
+            </a:solidFill>
+          </a:ln>
+        </p:spPr>
+        <p:style>
+          <a:lnRef idx="2">
+            <a:schemeClr val="accent1">
+              <a:shade val="50000"/>
+            </a:schemeClr>
+          </a:lnRef>
+          <a:fillRef idx="1">
+            <a:schemeClr val="accent1"/>
+          </a:fillRef>
+          <a:effectRef idx="0">
+            <a:schemeClr val="accent1"/>
+          </a:effectRef>
+          <a:fontRef idx="minor">
+            <a:schemeClr val="lt1"/>
+          </a:fontRef>
+        </p:style>
+        <p:txBody>
+          <a:bodyPr rtlCol="0" anchor="ctr"/>
+          <a:lstStyle/>
+          <a:p>
+            <a:pPr algn="ctr"/>
+            <a:endParaRPr lang="ko-KR" altLang="en-US"/>
+          </a:p>
+        </p:txBody>
+      </p:sp>
+      <p:sp>
+        <p:nvSpPr>
+          <p:cNvPr id="14" name="직사각형 13">
+            <a:extLst>
+              <a:ext uri="{FF2B5EF4-FFF2-40B4-BE49-F238E27FC236}">
+                <a16:creationId xmlns:a16="http://schemas.microsoft.com/office/drawing/2014/main" id="{0FD2CA47-FA45-467C-BAA2-BB478E479BB9}"/>
+              </a:ext>
+            </a:extLst>
+          </p:cNvPr>
+          <p:cNvSpPr/>
+          <p:nvPr/>
+        </p:nvSpPr>
+        <p:spPr>
+          <a:xfrm>
+            <a:off x="4262576" y="3805469"/>
+            <a:ext cx="3664324" cy="918570"/>
+          </a:xfrm>
+          <a:prstGeom prst="rect">
+            <a:avLst/>
+          </a:prstGeom>
+          <a:solidFill>
+            <a:srgbClr val="00B050">
+              <a:alpha val="25000"/>
+            </a:srgbClr>
+          </a:solidFill>
+        </p:spPr>
+        <p:style>
+          <a:lnRef idx="2">
+            <a:schemeClr val="accent1">
+              <a:shade val="50000"/>
+            </a:schemeClr>
+          </a:lnRef>
+          <a:fillRef idx="1">
+            <a:schemeClr val="accent1"/>
+          </a:fillRef>
+          <a:effectRef idx="0">
+            <a:schemeClr val="accent1"/>
+          </a:effectRef>
+          <a:fontRef idx="minor">
+            <a:schemeClr val="lt1"/>
+          </a:fontRef>
+        </p:style>
+        <p:txBody>
+          <a:bodyPr rtlCol="0" anchor="ctr"/>
+          <a:lstStyle/>
+          <a:p>
+            <a:pPr algn="ctr"/>
+            <a:endParaRPr lang="ko-KR" altLang="en-US"/>
+          </a:p>
+        </p:txBody>
+      </p:sp>
+      <p:sp>
+        <p:nvSpPr>
+          <p:cNvPr id="15" name="TextBox 14">
+            <a:extLst>
+              <a:ext uri="{FF2B5EF4-FFF2-40B4-BE49-F238E27FC236}">
+                <a16:creationId xmlns:a16="http://schemas.microsoft.com/office/drawing/2014/main" id="{262DF367-B2BD-460E-8418-591A83355C54}"/>
+              </a:ext>
+            </a:extLst>
+          </p:cNvPr>
+          <p:cNvSpPr txBox="1"/>
+          <p:nvPr/>
+        </p:nvSpPr>
+        <p:spPr>
+          <a:xfrm>
+            <a:off x="3436374" y="4003144"/>
+            <a:ext cx="5319251" cy="523220"/>
+          </a:xfrm>
+          <a:prstGeom prst="rect">
+            <a:avLst/>
+          </a:prstGeom>
+          <a:noFill/>
+        </p:spPr>
+        <p:txBody>
+          <a:bodyPr wrap="square" rtlCol="0">
+            <a:spAutoFit/>
+          </a:bodyPr>
+          <a:lstStyle/>
+          <a:p>
+            <a:pPr algn="ctr"/>
+            <a:r>
+              <a:rPr lang="en-US" altLang="ko-KR" sz="2800" dirty="0">
+                <a:solidFill>
+                  <a:schemeClr val="bg1"/>
+                </a:solidFill>
+                <a:latin typeface="08서울남산체 B" panose="02020603020101020101" pitchFamily="18" charset="-127"/>
+                <a:ea typeface="08서울남산체 B" panose="02020603020101020101" pitchFamily="18" charset="-127"/>
+              </a:rPr>
+              <a:t>Html &amp; </a:t>
+            </a:r>
+            <a:r>
+              <a:rPr lang="en-US" altLang="ko-KR" sz="2800" dirty="0" err="1">
+                <a:solidFill>
+                  <a:schemeClr val="bg1"/>
+                </a:solidFill>
+                <a:latin typeface="08서울남산체 B" panose="02020603020101020101" pitchFamily="18" charset="-127"/>
+                <a:ea typeface="08서울남산체 B" panose="02020603020101020101" pitchFamily="18" charset="-127"/>
+              </a:rPr>
+              <a:t>css</a:t>
+            </a:r>
+            <a:endParaRPr lang="ko-KR" altLang="en-US" sz="2800" dirty="0">
+              <a:solidFill>
+                <a:schemeClr val="bg1"/>
+              </a:solidFill>
+              <a:latin typeface="08서울남산체 B" panose="02020603020101020101" pitchFamily="18" charset="-127"/>
+              <a:ea typeface="08서울남산체 B" panose="02020603020101020101" pitchFamily="18" charset="-127"/>
+            </a:endParaRPr>
+          </a:p>
+        </p:txBody>
+      </p:sp>
+      <p:sp>
+        <p:nvSpPr>
+          <p:cNvPr id="16" name="직사각형 15">
+            <a:extLst>
+              <a:ext uri="{FF2B5EF4-FFF2-40B4-BE49-F238E27FC236}">
+                <a16:creationId xmlns:a16="http://schemas.microsoft.com/office/drawing/2014/main" id="{8B75CD09-81B0-4169-BA59-7984CF485675}"/>
+              </a:ext>
+            </a:extLst>
+          </p:cNvPr>
+          <p:cNvSpPr/>
+          <p:nvPr/>
+        </p:nvSpPr>
+        <p:spPr>
+          <a:xfrm>
+            <a:off x="4262576" y="3805469"/>
+            <a:ext cx="3664324" cy="918570"/>
+          </a:xfrm>
+          <a:prstGeom prst="rect">
+            <a:avLst/>
+          </a:prstGeom>
+          <a:noFill/>
+          <a:ln w="38100">
+            <a:solidFill>
+              <a:srgbClr val="C00000"/>
+            </a:solidFill>
+          </a:ln>
+        </p:spPr>
+        <p:style>
+          <a:lnRef idx="2">
+            <a:schemeClr val="accent1">
+              <a:shade val="50000"/>
+            </a:schemeClr>
+          </a:lnRef>
+          <a:fillRef idx="1">
+            <a:schemeClr val="accent1"/>
+          </a:fillRef>
+          <a:effectRef idx="0">
+            <a:schemeClr val="accent1"/>
+          </a:effectRef>
+          <a:fontRef idx="minor">
+            <a:schemeClr val="lt1"/>
+          </a:fontRef>
+        </p:style>
+        <p:txBody>
+          <a:bodyPr rtlCol="0" anchor="ctr"/>
+          <a:lstStyle/>
+          <a:p>
+            <a:pPr algn="ctr"/>
+            <a:endParaRPr lang="ko-KR" altLang="en-US"/>
+          </a:p>
+        </p:txBody>
+      </p:sp>
+      <p:sp>
+        <p:nvSpPr>
+          <p:cNvPr id="17" name="직사각형 16">
+            <a:extLst>
+              <a:ext uri="{FF2B5EF4-FFF2-40B4-BE49-F238E27FC236}">
+                <a16:creationId xmlns:a16="http://schemas.microsoft.com/office/drawing/2014/main" id="{8D6B85B3-9079-465C-ABA7-7B5557EC43C8}"/>
+              </a:ext>
+            </a:extLst>
+          </p:cNvPr>
+          <p:cNvSpPr/>
+          <p:nvPr/>
+        </p:nvSpPr>
+        <p:spPr>
+          <a:xfrm>
+            <a:off x="3881215" y="3351049"/>
+            <a:ext cx="4427044" cy="1838992"/>
+          </a:xfrm>
+          <a:prstGeom prst="rect">
+            <a:avLst/>
+          </a:prstGeom>
+          <a:noFill/>
+          <a:ln w="38100">
+            <a:solidFill>
+              <a:srgbClr val="FFC000"/>
+            </a:solidFill>
+          </a:ln>
+        </p:spPr>
+        <p:style>
+          <a:lnRef idx="2">
+            <a:schemeClr val="accent1">
+              <a:shade val="50000"/>
+            </a:schemeClr>
+          </a:lnRef>
+          <a:fillRef idx="1">
+            <a:schemeClr val="accent1"/>
+          </a:fillRef>
+          <a:effectRef idx="0">
+            <a:schemeClr val="accent1"/>
+          </a:effectRef>
+          <a:fontRef idx="minor">
+            <a:schemeClr val="lt1"/>
+          </a:fontRef>
+        </p:style>
+        <p:txBody>
+          <a:bodyPr rtlCol="0" anchor="ctr"/>
+          <a:lstStyle/>
+          <a:p>
+            <a:pPr algn="ctr"/>
+            <a:endParaRPr lang="ko-KR" altLang="en-US"/>
+          </a:p>
+        </p:txBody>
+      </p:sp>
+    </p:spTree>
+    <p:extLst>
+      <p:ext uri="{BB962C8B-B14F-4D97-AF65-F5344CB8AC3E}">
+        <p14:creationId xmlns:p14="http://schemas.microsoft.com/office/powerpoint/2010/main" val="30332089"/>
       </p:ext>
     </p:extLst>
   </p:cSld>
@@ -4486,6 +6933,1884 @@
 </p:sld>
 </file>
 
+<file path=ppt/slides/slide20.xml><?xml version="1.0" encoding="utf-8"?>
+<p:sld xmlns:a="http://schemas.openxmlformats.org/drawingml/2006/main" xmlns:r="http://schemas.openxmlformats.org/officeDocument/2006/relationships" xmlns:p="http://schemas.openxmlformats.org/presentationml/2006/main">
+  <p:cSld>
+    <p:spTree>
+      <p:nvGrpSpPr>
+        <p:cNvPr id="1" name=""/>
+        <p:cNvGrpSpPr/>
+        <p:nvPr/>
+      </p:nvGrpSpPr>
+      <p:grpSpPr>
+        <a:xfrm>
+          <a:off x="0" y="0"/>
+          <a:ext cx="0" cy="0"/>
+          <a:chOff x="0" y="0"/>
+          <a:chExt cx="0" cy="0"/>
+        </a:xfrm>
+      </p:grpSpPr>
+      <p:pic>
+        <p:nvPicPr>
+          <p:cNvPr id="6" name="그림 5">
+            <a:extLst>
+              <a:ext uri="{FF2B5EF4-FFF2-40B4-BE49-F238E27FC236}">
+                <a16:creationId xmlns:a16="http://schemas.microsoft.com/office/drawing/2014/main" id="{DF5CF6BA-D102-4EA2-AFD3-4663C148460B}"/>
+              </a:ext>
+            </a:extLst>
+          </p:cNvPr>
+          <p:cNvPicPr>
+            <a:picLocks noChangeAspect="1"/>
+          </p:cNvPicPr>
+          <p:nvPr/>
+        </p:nvPicPr>
+        <p:blipFill>
+          <a:blip r:embed="rId2"/>
+          <a:stretch>
+            <a:fillRect/>
+          </a:stretch>
+        </p:blipFill>
+        <p:spPr>
+          <a:xfrm>
+            <a:off x="0" y="0"/>
+            <a:ext cx="12192000" cy="6858000"/>
+          </a:xfrm>
+          <a:prstGeom prst="rect">
+            <a:avLst/>
+          </a:prstGeom>
+        </p:spPr>
+      </p:pic>
+      <p:sp>
+        <p:nvSpPr>
+          <p:cNvPr id="7" name="직사각형 6">
+            <a:extLst>
+              <a:ext uri="{FF2B5EF4-FFF2-40B4-BE49-F238E27FC236}">
+                <a16:creationId xmlns:a16="http://schemas.microsoft.com/office/drawing/2014/main" id="{5A636EC7-69DF-43D5-8DF3-F5F31F952BAB}"/>
+              </a:ext>
+            </a:extLst>
+          </p:cNvPr>
+          <p:cNvSpPr/>
+          <p:nvPr/>
+        </p:nvSpPr>
+        <p:spPr>
+          <a:xfrm>
+            <a:off x="2972096" y="2827560"/>
+            <a:ext cx="2356988" cy="219290"/>
+          </a:xfrm>
+          <a:prstGeom prst="rect">
+            <a:avLst/>
+          </a:prstGeom>
+          <a:noFill/>
+          <a:ln w="31750" cap="rnd">
+            <a:solidFill>
+              <a:srgbClr val="C00000"/>
+            </a:solidFill>
+          </a:ln>
+        </p:spPr>
+        <p:style>
+          <a:lnRef idx="2">
+            <a:schemeClr val="accent1">
+              <a:shade val="50000"/>
+            </a:schemeClr>
+          </a:lnRef>
+          <a:fillRef idx="1">
+            <a:schemeClr val="accent1"/>
+          </a:fillRef>
+          <a:effectRef idx="0">
+            <a:schemeClr val="accent1"/>
+          </a:effectRef>
+          <a:fontRef idx="minor">
+            <a:schemeClr val="lt1"/>
+          </a:fontRef>
+        </p:style>
+        <p:txBody>
+          <a:bodyPr rtlCol="0" anchor="ctr"/>
+          <a:lstStyle/>
+          <a:p>
+            <a:pPr algn="ctr"/>
+            <a:endParaRPr lang="ko-KR" altLang="en-US" dirty="0"/>
+          </a:p>
+        </p:txBody>
+      </p:sp>
+      <p:sp>
+        <p:nvSpPr>
+          <p:cNvPr id="8" name="TextBox 7">
+            <a:extLst>
+              <a:ext uri="{FF2B5EF4-FFF2-40B4-BE49-F238E27FC236}">
+                <a16:creationId xmlns:a16="http://schemas.microsoft.com/office/drawing/2014/main" id="{CF393080-79C3-4A67-B88A-D8DC52A5BA44}"/>
+              </a:ext>
+            </a:extLst>
+          </p:cNvPr>
+          <p:cNvSpPr txBox="1"/>
+          <p:nvPr/>
+        </p:nvSpPr>
+        <p:spPr>
+          <a:xfrm>
+            <a:off x="7280083" y="4348998"/>
+            <a:ext cx="5987143" cy="369332"/>
+          </a:xfrm>
+          <a:prstGeom prst="rect">
+            <a:avLst/>
+          </a:prstGeom>
+          <a:noFill/>
+        </p:spPr>
+        <p:txBody>
+          <a:bodyPr wrap="square" rtlCol="0">
+            <a:spAutoFit/>
+          </a:bodyPr>
+          <a:lstStyle/>
+          <a:p>
+            <a:r>
+              <a:rPr lang="en-US" altLang="ko-KR" dirty="0">
+                <a:solidFill>
+                  <a:schemeClr val="bg1"/>
+                </a:solidFill>
+                <a:latin typeface="08서울남산체 B" panose="02020603020101020101" pitchFamily="18" charset="-127"/>
+                <a:ea typeface="08서울남산체 B" panose="02020603020101020101" pitchFamily="18" charset="-127"/>
+              </a:rPr>
+              <a:t>Border </a:t>
+            </a:r>
+            <a:r>
+              <a:rPr lang="ko-KR" altLang="en-US" dirty="0">
+                <a:solidFill>
+                  <a:schemeClr val="bg1"/>
+                </a:solidFill>
+                <a:latin typeface="08서울남산체 B" panose="02020603020101020101" pitchFamily="18" charset="-127"/>
+                <a:ea typeface="08서울남산체 B" panose="02020603020101020101" pitchFamily="18" charset="-127"/>
+              </a:rPr>
+              <a:t>속성 지정</a:t>
+            </a:r>
+            <a:r>
+              <a:rPr lang="en-US" altLang="ko-KR" dirty="0">
+                <a:solidFill>
+                  <a:schemeClr val="bg1"/>
+                </a:solidFill>
+                <a:latin typeface="08서울남산체 B" panose="02020603020101020101" pitchFamily="18" charset="-127"/>
+                <a:ea typeface="08서울남산체 B" panose="02020603020101020101" pitchFamily="18" charset="-127"/>
+              </a:rPr>
+              <a:t>	</a:t>
+            </a:r>
+            <a:r>
+              <a:rPr lang="ko-KR" altLang="en-US" dirty="0">
+                <a:solidFill>
+                  <a:schemeClr val="bg1"/>
+                </a:solidFill>
+                <a:latin typeface="08서울남산체 B" panose="02020603020101020101" pitchFamily="18" charset="-127"/>
+                <a:ea typeface="08서울남산체 B" panose="02020603020101020101" pitchFamily="18" charset="-127"/>
+              </a:rPr>
+              <a:t>크기</a:t>
+            </a:r>
+            <a:r>
+              <a:rPr lang="en-US" altLang="ko-KR" dirty="0">
+                <a:solidFill>
+                  <a:schemeClr val="bg1"/>
+                </a:solidFill>
+                <a:latin typeface="08서울남산체 B" panose="02020603020101020101" pitchFamily="18" charset="-127"/>
+                <a:ea typeface="08서울남산체 B" panose="02020603020101020101" pitchFamily="18" charset="-127"/>
+              </a:rPr>
+              <a:t>, </a:t>
+            </a:r>
+            <a:r>
+              <a:rPr lang="ko-KR" altLang="en-US" dirty="0">
+                <a:solidFill>
+                  <a:schemeClr val="bg1"/>
+                </a:solidFill>
+                <a:latin typeface="08서울남산체 B" panose="02020603020101020101" pitchFamily="18" charset="-127"/>
+                <a:ea typeface="08서울남산체 B" panose="02020603020101020101" pitchFamily="18" charset="-127"/>
+              </a:rPr>
+              <a:t>형태</a:t>
+            </a:r>
+            <a:r>
+              <a:rPr lang="en-US" altLang="ko-KR" dirty="0">
+                <a:solidFill>
+                  <a:schemeClr val="bg1"/>
+                </a:solidFill>
+                <a:latin typeface="08서울남산체 B" panose="02020603020101020101" pitchFamily="18" charset="-127"/>
+                <a:ea typeface="08서울남산체 B" panose="02020603020101020101" pitchFamily="18" charset="-127"/>
+              </a:rPr>
+              <a:t>, </a:t>
+            </a:r>
+            <a:r>
+              <a:rPr lang="ko-KR" altLang="en-US" dirty="0">
+                <a:solidFill>
+                  <a:schemeClr val="bg1"/>
+                </a:solidFill>
+                <a:latin typeface="08서울남산체 B" panose="02020603020101020101" pitchFamily="18" charset="-127"/>
+                <a:ea typeface="08서울남산체 B" panose="02020603020101020101" pitchFamily="18" charset="-127"/>
+              </a:rPr>
+              <a:t>색깔 순서</a:t>
+            </a:r>
+            <a:endParaRPr lang="en-US" altLang="ko-KR" dirty="0">
+              <a:solidFill>
+                <a:schemeClr val="bg1"/>
+              </a:solidFill>
+              <a:latin typeface="08서울남산체 B" panose="02020603020101020101" pitchFamily="18" charset="-127"/>
+              <a:ea typeface="08서울남산체 B" panose="02020603020101020101" pitchFamily="18" charset="-127"/>
+            </a:endParaRPr>
+          </a:p>
+        </p:txBody>
+      </p:sp>
+      <p:sp>
+        <p:nvSpPr>
+          <p:cNvPr id="9" name="직사각형 8">
+            <a:extLst>
+              <a:ext uri="{FF2B5EF4-FFF2-40B4-BE49-F238E27FC236}">
+                <a16:creationId xmlns:a16="http://schemas.microsoft.com/office/drawing/2014/main" id="{705C134D-1F29-4D6C-8AE1-FAB440F42CCB}"/>
+              </a:ext>
+            </a:extLst>
+          </p:cNvPr>
+          <p:cNvSpPr/>
+          <p:nvPr/>
+        </p:nvSpPr>
+        <p:spPr>
+          <a:xfrm>
+            <a:off x="2972096" y="3081866"/>
+            <a:ext cx="1344365" cy="219290"/>
+          </a:xfrm>
+          <a:prstGeom prst="rect">
+            <a:avLst/>
+          </a:prstGeom>
+          <a:noFill/>
+          <a:ln w="31750" cap="rnd">
+            <a:solidFill>
+              <a:schemeClr val="accent4"/>
+            </a:solidFill>
+          </a:ln>
+        </p:spPr>
+        <p:style>
+          <a:lnRef idx="2">
+            <a:schemeClr val="accent1">
+              <a:shade val="50000"/>
+            </a:schemeClr>
+          </a:lnRef>
+          <a:fillRef idx="1">
+            <a:schemeClr val="accent1"/>
+          </a:fillRef>
+          <a:effectRef idx="0">
+            <a:schemeClr val="accent1"/>
+          </a:effectRef>
+          <a:fontRef idx="minor">
+            <a:schemeClr val="lt1"/>
+          </a:fontRef>
+        </p:style>
+        <p:txBody>
+          <a:bodyPr rtlCol="0" anchor="ctr"/>
+          <a:lstStyle/>
+          <a:p>
+            <a:pPr algn="ctr"/>
+            <a:endParaRPr lang="ko-KR" altLang="en-US" dirty="0"/>
+          </a:p>
+        </p:txBody>
+      </p:sp>
+      <p:sp>
+        <p:nvSpPr>
+          <p:cNvPr id="10" name="직사각형 9">
+            <a:extLst>
+              <a:ext uri="{FF2B5EF4-FFF2-40B4-BE49-F238E27FC236}">
+                <a16:creationId xmlns:a16="http://schemas.microsoft.com/office/drawing/2014/main" id="{BF6C3C51-59A5-407F-BA9E-39D0CAA78E36}"/>
+              </a:ext>
+            </a:extLst>
+          </p:cNvPr>
+          <p:cNvSpPr/>
+          <p:nvPr/>
+        </p:nvSpPr>
+        <p:spPr>
+          <a:xfrm>
+            <a:off x="6523278" y="4355763"/>
+            <a:ext cx="606489" cy="355802"/>
+          </a:xfrm>
+          <a:prstGeom prst="rect">
+            <a:avLst/>
+          </a:prstGeom>
+          <a:noFill/>
+          <a:ln w="31750" cap="rnd">
+            <a:solidFill>
+              <a:srgbClr val="C00000"/>
+            </a:solidFill>
+          </a:ln>
+        </p:spPr>
+        <p:style>
+          <a:lnRef idx="2">
+            <a:schemeClr val="accent1">
+              <a:shade val="50000"/>
+            </a:schemeClr>
+          </a:lnRef>
+          <a:fillRef idx="1">
+            <a:schemeClr val="accent1"/>
+          </a:fillRef>
+          <a:effectRef idx="0">
+            <a:schemeClr val="accent1"/>
+          </a:effectRef>
+          <a:fontRef idx="minor">
+            <a:schemeClr val="lt1"/>
+          </a:fontRef>
+        </p:style>
+        <p:txBody>
+          <a:bodyPr rtlCol="0" anchor="ctr"/>
+          <a:lstStyle/>
+          <a:p>
+            <a:pPr algn="ctr"/>
+            <a:endParaRPr lang="ko-KR" altLang="en-US" dirty="0"/>
+          </a:p>
+        </p:txBody>
+      </p:sp>
+      <p:sp>
+        <p:nvSpPr>
+          <p:cNvPr id="11" name="직사각형 10">
+            <a:extLst>
+              <a:ext uri="{FF2B5EF4-FFF2-40B4-BE49-F238E27FC236}">
+                <a16:creationId xmlns:a16="http://schemas.microsoft.com/office/drawing/2014/main" id="{0E42A6ED-18F2-4174-9F51-433047E38022}"/>
+              </a:ext>
+            </a:extLst>
+          </p:cNvPr>
+          <p:cNvSpPr/>
+          <p:nvPr/>
+        </p:nvSpPr>
+        <p:spPr>
+          <a:xfrm>
+            <a:off x="6523278" y="5116168"/>
+            <a:ext cx="606489" cy="355803"/>
+          </a:xfrm>
+          <a:prstGeom prst="rect">
+            <a:avLst/>
+          </a:prstGeom>
+          <a:noFill/>
+          <a:ln w="31750" cap="rnd">
+            <a:solidFill>
+              <a:schemeClr val="accent4"/>
+            </a:solidFill>
+          </a:ln>
+        </p:spPr>
+        <p:style>
+          <a:lnRef idx="2">
+            <a:schemeClr val="accent1">
+              <a:shade val="50000"/>
+            </a:schemeClr>
+          </a:lnRef>
+          <a:fillRef idx="1">
+            <a:schemeClr val="accent1"/>
+          </a:fillRef>
+          <a:effectRef idx="0">
+            <a:schemeClr val="accent1"/>
+          </a:effectRef>
+          <a:fontRef idx="minor">
+            <a:schemeClr val="lt1"/>
+          </a:fontRef>
+        </p:style>
+        <p:txBody>
+          <a:bodyPr rtlCol="0" anchor="ctr"/>
+          <a:lstStyle/>
+          <a:p>
+            <a:pPr algn="ctr"/>
+            <a:endParaRPr lang="ko-KR" altLang="en-US" dirty="0"/>
+          </a:p>
+        </p:txBody>
+      </p:sp>
+      <p:sp>
+        <p:nvSpPr>
+          <p:cNvPr id="12" name="TextBox 11">
+            <a:extLst>
+              <a:ext uri="{FF2B5EF4-FFF2-40B4-BE49-F238E27FC236}">
+                <a16:creationId xmlns:a16="http://schemas.microsoft.com/office/drawing/2014/main" id="{F36F8FC4-B666-44E5-BC9A-226DB7B9F80E}"/>
+              </a:ext>
+            </a:extLst>
+          </p:cNvPr>
+          <p:cNvSpPr txBox="1"/>
+          <p:nvPr/>
+        </p:nvSpPr>
+        <p:spPr>
+          <a:xfrm>
+            <a:off x="7280083" y="5119069"/>
+            <a:ext cx="5987143" cy="369332"/>
+          </a:xfrm>
+          <a:prstGeom prst="rect">
+            <a:avLst/>
+          </a:prstGeom>
+          <a:noFill/>
+        </p:spPr>
+        <p:txBody>
+          <a:bodyPr wrap="square" rtlCol="0">
+            <a:spAutoFit/>
+          </a:bodyPr>
+          <a:lstStyle/>
+          <a:p>
+            <a:r>
+              <a:rPr lang="en-US" altLang="ko-KR" dirty="0">
+                <a:solidFill>
+                  <a:schemeClr val="bg1"/>
+                </a:solidFill>
+                <a:latin typeface="08서울남산체 B" panose="02020603020101020101" pitchFamily="18" charset="-127"/>
+                <a:ea typeface="08서울남산체 B" panose="02020603020101020101" pitchFamily="18" charset="-127"/>
+              </a:rPr>
+              <a:t>Margin</a:t>
+            </a:r>
+            <a:r>
+              <a:rPr lang="ko-KR" altLang="en-US" dirty="0">
+                <a:solidFill>
+                  <a:schemeClr val="bg1"/>
+                </a:solidFill>
+                <a:latin typeface="08서울남산체 B" panose="02020603020101020101" pitchFamily="18" charset="-127"/>
+                <a:ea typeface="08서울남산체 B" panose="02020603020101020101" pitchFamily="18" charset="-127"/>
+              </a:rPr>
+              <a:t> 속성 지정</a:t>
+            </a:r>
+          </a:p>
+        </p:txBody>
+      </p:sp>
+      <p:sp>
+        <p:nvSpPr>
+          <p:cNvPr id="13" name="직사각형 12">
+            <a:extLst>
+              <a:ext uri="{FF2B5EF4-FFF2-40B4-BE49-F238E27FC236}">
+                <a16:creationId xmlns:a16="http://schemas.microsoft.com/office/drawing/2014/main" id="{66C8569E-42FE-49C0-AFE4-A206E0952A18}"/>
+              </a:ext>
+            </a:extLst>
+          </p:cNvPr>
+          <p:cNvSpPr/>
+          <p:nvPr/>
+        </p:nvSpPr>
+        <p:spPr>
+          <a:xfrm>
+            <a:off x="2972096" y="3333093"/>
+            <a:ext cx="1412098" cy="219290"/>
+          </a:xfrm>
+          <a:prstGeom prst="rect">
+            <a:avLst/>
+          </a:prstGeom>
+          <a:noFill/>
+          <a:ln w="31750" cap="rnd">
+            <a:solidFill>
+              <a:srgbClr val="00B050"/>
+            </a:solidFill>
+          </a:ln>
+        </p:spPr>
+        <p:style>
+          <a:lnRef idx="2">
+            <a:schemeClr val="accent1">
+              <a:shade val="50000"/>
+            </a:schemeClr>
+          </a:lnRef>
+          <a:fillRef idx="1">
+            <a:schemeClr val="accent1"/>
+          </a:fillRef>
+          <a:effectRef idx="0">
+            <a:schemeClr val="accent1"/>
+          </a:effectRef>
+          <a:fontRef idx="minor">
+            <a:schemeClr val="lt1"/>
+          </a:fontRef>
+        </p:style>
+        <p:txBody>
+          <a:bodyPr rtlCol="0" anchor="ctr"/>
+          <a:lstStyle/>
+          <a:p>
+            <a:pPr algn="ctr"/>
+            <a:endParaRPr lang="ko-KR" altLang="en-US" dirty="0"/>
+          </a:p>
+        </p:txBody>
+      </p:sp>
+      <p:sp>
+        <p:nvSpPr>
+          <p:cNvPr id="14" name="직사각형 13">
+            <a:extLst>
+              <a:ext uri="{FF2B5EF4-FFF2-40B4-BE49-F238E27FC236}">
+                <a16:creationId xmlns:a16="http://schemas.microsoft.com/office/drawing/2014/main" id="{8F31C167-13A2-4B8A-91BD-02C951A8000B}"/>
+              </a:ext>
+            </a:extLst>
+          </p:cNvPr>
+          <p:cNvSpPr/>
+          <p:nvPr/>
+        </p:nvSpPr>
+        <p:spPr>
+          <a:xfrm>
+            <a:off x="6523278" y="5871471"/>
+            <a:ext cx="606489" cy="355803"/>
+          </a:xfrm>
+          <a:prstGeom prst="rect">
+            <a:avLst/>
+          </a:prstGeom>
+          <a:noFill/>
+          <a:ln w="31750" cap="rnd">
+            <a:solidFill>
+              <a:srgbClr val="00B050"/>
+            </a:solidFill>
+          </a:ln>
+        </p:spPr>
+        <p:style>
+          <a:lnRef idx="2">
+            <a:schemeClr val="accent1">
+              <a:shade val="50000"/>
+            </a:schemeClr>
+          </a:lnRef>
+          <a:fillRef idx="1">
+            <a:schemeClr val="accent1"/>
+          </a:fillRef>
+          <a:effectRef idx="0">
+            <a:schemeClr val="accent1"/>
+          </a:effectRef>
+          <a:fontRef idx="minor">
+            <a:schemeClr val="lt1"/>
+          </a:fontRef>
+        </p:style>
+        <p:txBody>
+          <a:bodyPr rtlCol="0" anchor="ctr"/>
+          <a:lstStyle/>
+          <a:p>
+            <a:pPr algn="ctr"/>
+            <a:endParaRPr lang="ko-KR" altLang="en-US" dirty="0"/>
+          </a:p>
+        </p:txBody>
+      </p:sp>
+      <p:sp>
+        <p:nvSpPr>
+          <p:cNvPr id="15" name="TextBox 14">
+            <a:extLst>
+              <a:ext uri="{FF2B5EF4-FFF2-40B4-BE49-F238E27FC236}">
+                <a16:creationId xmlns:a16="http://schemas.microsoft.com/office/drawing/2014/main" id="{4DFAE12B-E1BC-46A1-9B2E-94ECC79E68F7}"/>
+              </a:ext>
+            </a:extLst>
+          </p:cNvPr>
+          <p:cNvSpPr txBox="1"/>
+          <p:nvPr/>
+        </p:nvSpPr>
+        <p:spPr>
+          <a:xfrm>
+            <a:off x="7280083" y="5864706"/>
+            <a:ext cx="5987143" cy="369332"/>
+          </a:xfrm>
+          <a:prstGeom prst="rect">
+            <a:avLst/>
+          </a:prstGeom>
+          <a:noFill/>
+        </p:spPr>
+        <p:txBody>
+          <a:bodyPr wrap="square" rtlCol="0">
+            <a:spAutoFit/>
+          </a:bodyPr>
+          <a:lstStyle/>
+          <a:p>
+            <a:r>
+              <a:rPr lang="en-US" altLang="ko-KR" dirty="0">
+                <a:solidFill>
+                  <a:schemeClr val="bg1"/>
+                </a:solidFill>
+                <a:latin typeface="08서울남산체 B" panose="02020603020101020101" pitchFamily="18" charset="-127"/>
+                <a:ea typeface="08서울남산체 B" panose="02020603020101020101" pitchFamily="18" charset="-127"/>
+              </a:rPr>
+              <a:t>Padding</a:t>
+            </a:r>
+            <a:r>
+              <a:rPr lang="ko-KR" altLang="en-US" dirty="0">
+                <a:solidFill>
+                  <a:schemeClr val="bg1"/>
+                </a:solidFill>
+                <a:latin typeface="08서울남산체 B" panose="02020603020101020101" pitchFamily="18" charset="-127"/>
+                <a:ea typeface="08서울남산체 B" panose="02020603020101020101" pitchFamily="18" charset="-127"/>
+              </a:rPr>
+              <a:t> 속성 지정</a:t>
+            </a:r>
+          </a:p>
+        </p:txBody>
+      </p:sp>
+      <p:sp>
+        <p:nvSpPr>
+          <p:cNvPr id="16" name="TextBox 15">
+            <a:extLst>
+              <a:ext uri="{FF2B5EF4-FFF2-40B4-BE49-F238E27FC236}">
+                <a16:creationId xmlns:a16="http://schemas.microsoft.com/office/drawing/2014/main" id="{E798CA87-31E1-437A-B407-505F86726A07}"/>
+              </a:ext>
+            </a:extLst>
+          </p:cNvPr>
+          <p:cNvSpPr txBox="1"/>
+          <p:nvPr/>
+        </p:nvSpPr>
+        <p:spPr>
+          <a:xfrm>
+            <a:off x="6660860" y="1525597"/>
+            <a:ext cx="4731390" cy="892552"/>
+          </a:xfrm>
+          <a:prstGeom prst="rect">
+            <a:avLst/>
+          </a:prstGeom>
+          <a:noFill/>
+        </p:spPr>
+        <p:txBody>
+          <a:bodyPr wrap="square" rtlCol="0">
+            <a:spAutoFit/>
+          </a:bodyPr>
+          <a:lstStyle/>
+          <a:p>
+            <a:r>
+              <a:rPr lang="en-US" altLang="ko-KR" sz="2000" dirty="0">
+                <a:solidFill>
+                  <a:schemeClr val="bg1"/>
+                </a:solidFill>
+                <a:latin typeface="08서울남산체 B" panose="02020603020101020101" pitchFamily="18" charset="-127"/>
+                <a:ea typeface="08서울남산체 B" panose="02020603020101020101" pitchFamily="18" charset="-127"/>
+              </a:rPr>
+              <a:t>3</a:t>
+            </a:r>
+            <a:r>
+              <a:rPr lang="ko-KR" altLang="en-US" sz="2000" dirty="0">
+                <a:solidFill>
+                  <a:schemeClr val="bg1"/>
+                </a:solidFill>
+                <a:latin typeface="08서울남산체 B" panose="02020603020101020101" pitchFamily="18" charset="-127"/>
+                <a:ea typeface="08서울남산체 B" panose="02020603020101020101" pitchFamily="18" charset="-127"/>
+              </a:rPr>
+              <a:t>가지 속성 모두</a:t>
+            </a:r>
+            <a:endParaRPr lang="en-US" altLang="ko-KR" sz="2000" dirty="0">
+              <a:solidFill>
+                <a:schemeClr val="bg1"/>
+              </a:solidFill>
+              <a:latin typeface="08서울남산체 B" panose="02020603020101020101" pitchFamily="18" charset="-127"/>
+              <a:ea typeface="08서울남산체 B" panose="02020603020101020101" pitchFamily="18" charset="-127"/>
+            </a:endParaRPr>
+          </a:p>
+          <a:p>
+            <a:r>
+              <a:rPr lang="en-US" altLang="ko-KR" sz="3200" dirty="0">
+                <a:solidFill>
+                  <a:srgbClr val="FFC000"/>
+                </a:solidFill>
+                <a:latin typeface="08서울남산체 B" panose="02020603020101020101" pitchFamily="18" charset="-127"/>
+                <a:ea typeface="08서울남산체 B" panose="02020603020101020101" pitchFamily="18" charset="-127"/>
+              </a:rPr>
+              <a:t>-</a:t>
+            </a:r>
+            <a:r>
+              <a:rPr lang="en-US" altLang="ko-KR" sz="2000" dirty="0">
+                <a:solidFill>
+                  <a:schemeClr val="bg1"/>
+                </a:solidFill>
+                <a:latin typeface="08서울남산체 B" panose="02020603020101020101" pitchFamily="18" charset="-127"/>
+                <a:ea typeface="08서울남산체 B" panose="02020603020101020101" pitchFamily="18" charset="-127"/>
+              </a:rPr>
+              <a:t>  +  </a:t>
+            </a:r>
+            <a:r>
+              <a:rPr lang="ko-KR" altLang="en-US" sz="2800" dirty="0">
+                <a:solidFill>
+                  <a:srgbClr val="FFC000"/>
+                </a:solidFill>
+                <a:latin typeface="08서울남산체 B" panose="02020603020101020101" pitchFamily="18" charset="-127"/>
+                <a:ea typeface="08서울남산체 B" panose="02020603020101020101" pitchFamily="18" charset="-127"/>
+              </a:rPr>
+              <a:t>방향</a:t>
+            </a:r>
+            <a:r>
+              <a:rPr lang="ko-KR" altLang="en-US" sz="2000" dirty="0">
+                <a:solidFill>
+                  <a:schemeClr val="bg1"/>
+                </a:solidFill>
+                <a:latin typeface="08서울남산체 B" panose="02020603020101020101" pitchFamily="18" charset="-127"/>
+                <a:ea typeface="08서울남산체 B" panose="02020603020101020101" pitchFamily="18" charset="-127"/>
+              </a:rPr>
+              <a:t>으로 원하는 방향만 지정 가능</a:t>
+            </a:r>
+          </a:p>
+        </p:txBody>
+      </p:sp>
+      <p:pic>
+        <p:nvPicPr>
+          <p:cNvPr id="17" name="그림 16">
+            <a:extLst>
+              <a:ext uri="{FF2B5EF4-FFF2-40B4-BE49-F238E27FC236}">
+                <a16:creationId xmlns:a16="http://schemas.microsoft.com/office/drawing/2014/main" id="{B5F73EAE-12D4-4A0F-A012-0A8BC1AEBBE6}"/>
+              </a:ext>
+            </a:extLst>
+          </p:cNvPr>
+          <p:cNvPicPr>
+            <a:picLocks noChangeAspect="1"/>
+          </p:cNvPicPr>
+          <p:nvPr/>
+        </p:nvPicPr>
+        <p:blipFill>
+          <a:blip r:embed="rId3">
+            <a:extLst>
+              <a:ext uri="{28A0092B-C50C-407E-A947-70E740481C1C}">
+                <a14:useLocalDpi xmlns:a14="http://schemas.microsoft.com/office/drawing/2010/main" val="0"/>
+              </a:ext>
+            </a:extLst>
+          </a:blip>
+          <a:stretch>
+            <a:fillRect/>
+          </a:stretch>
+        </p:blipFill>
+        <p:spPr>
+          <a:xfrm>
+            <a:off x="82111" y="6061976"/>
+            <a:ext cx="775846" cy="730942"/>
+          </a:xfrm>
+          <a:prstGeom prst="rect">
+            <a:avLst/>
+          </a:prstGeom>
+        </p:spPr>
+      </p:pic>
+    </p:spTree>
+    <p:extLst>
+      <p:ext uri="{BB962C8B-B14F-4D97-AF65-F5344CB8AC3E}">
+        <p14:creationId xmlns:p14="http://schemas.microsoft.com/office/powerpoint/2010/main" val="3567218489"/>
+      </p:ext>
+    </p:extLst>
+  </p:cSld>
+  <p:clrMapOvr>
+    <a:masterClrMapping/>
+  </p:clrMapOvr>
+</p:sld>
+</file>
+
+<file path=ppt/slides/slide21.xml><?xml version="1.0" encoding="utf-8"?>
+<p:sld xmlns:a="http://schemas.openxmlformats.org/drawingml/2006/main" xmlns:r="http://schemas.openxmlformats.org/officeDocument/2006/relationships" xmlns:p="http://schemas.openxmlformats.org/presentationml/2006/main">
+  <p:cSld>
+    <p:spTree>
+      <p:nvGrpSpPr>
+        <p:cNvPr id="1" name=""/>
+        <p:cNvGrpSpPr/>
+        <p:nvPr/>
+      </p:nvGrpSpPr>
+      <p:grpSpPr>
+        <a:xfrm>
+          <a:off x="0" y="0"/>
+          <a:ext cx="0" cy="0"/>
+          <a:chOff x="0" y="0"/>
+          <a:chExt cx="0" cy="0"/>
+        </a:xfrm>
+      </p:grpSpPr>
+      <p:pic>
+        <p:nvPicPr>
+          <p:cNvPr id="4" name="그림 3">
+            <a:extLst>
+              <a:ext uri="{FF2B5EF4-FFF2-40B4-BE49-F238E27FC236}">
+                <a16:creationId xmlns:a16="http://schemas.microsoft.com/office/drawing/2014/main" id="{F651054E-705C-4750-8AE0-321B31B448F7}"/>
+              </a:ext>
+            </a:extLst>
+          </p:cNvPr>
+          <p:cNvPicPr>
+            <a:picLocks noChangeAspect="1"/>
+          </p:cNvPicPr>
+          <p:nvPr/>
+        </p:nvPicPr>
+        <p:blipFill>
+          <a:blip r:embed="rId2"/>
+          <a:stretch>
+            <a:fillRect/>
+          </a:stretch>
+        </p:blipFill>
+        <p:spPr>
+          <a:xfrm>
+            <a:off x="0" y="0"/>
+            <a:ext cx="12192000" cy="6858000"/>
+          </a:xfrm>
+          <a:prstGeom prst="rect">
+            <a:avLst/>
+          </a:prstGeom>
+        </p:spPr>
+      </p:pic>
+      <p:pic>
+        <p:nvPicPr>
+          <p:cNvPr id="5" name="그림 4">
+            <a:extLst>
+              <a:ext uri="{FF2B5EF4-FFF2-40B4-BE49-F238E27FC236}">
+                <a16:creationId xmlns:a16="http://schemas.microsoft.com/office/drawing/2014/main" id="{E3E79460-C5A5-4EF3-A66F-5762D24E4D25}"/>
+              </a:ext>
+            </a:extLst>
+          </p:cNvPr>
+          <p:cNvPicPr>
+            <a:picLocks noChangeAspect="1"/>
+          </p:cNvPicPr>
+          <p:nvPr/>
+        </p:nvPicPr>
+        <p:blipFill>
+          <a:blip r:embed="rId3">
+            <a:extLst>
+              <a:ext uri="{28A0092B-C50C-407E-A947-70E740481C1C}">
+                <a14:useLocalDpi xmlns:a14="http://schemas.microsoft.com/office/drawing/2010/main" val="0"/>
+              </a:ext>
+            </a:extLst>
+          </a:blip>
+          <a:stretch>
+            <a:fillRect/>
+          </a:stretch>
+        </p:blipFill>
+        <p:spPr>
+          <a:xfrm>
+            <a:off x="82111" y="6061976"/>
+            <a:ext cx="775846" cy="730942"/>
+          </a:xfrm>
+          <a:prstGeom prst="rect">
+            <a:avLst/>
+          </a:prstGeom>
+        </p:spPr>
+      </p:pic>
+    </p:spTree>
+    <p:extLst>
+      <p:ext uri="{BB962C8B-B14F-4D97-AF65-F5344CB8AC3E}">
+        <p14:creationId xmlns:p14="http://schemas.microsoft.com/office/powerpoint/2010/main" val="198511383"/>
+      </p:ext>
+    </p:extLst>
+  </p:cSld>
+  <p:clrMapOvr>
+    <a:masterClrMapping/>
+  </p:clrMapOvr>
+</p:sld>
+</file>
+
+<file path=ppt/slides/slide22.xml><?xml version="1.0" encoding="utf-8"?>
+<p:sld xmlns:a="http://schemas.openxmlformats.org/drawingml/2006/main" xmlns:r="http://schemas.openxmlformats.org/officeDocument/2006/relationships" xmlns:p="http://schemas.openxmlformats.org/presentationml/2006/main">
+  <p:cSld>
+    <p:spTree>
+      <p:nvGrpSpPr>
+        <p:cNvPr id="1" name=""/>
+        <p:cNvGrpSpPr/>
+        <p:nvPr/>
+      </p:nvGrpSpPr>
+      <p:grpSpPr>
+        <a:xfrm>
+          <a:off x="0" y="0"/>
+          <a:ext cx="0" cy="0"/>
+          <a:chOff x="0" y="0"/>
+          <a:chExt cx="0" cy="0"/>
+        </a:xfrm>
+      </p:grpSpPr>
+      <p:pic>
+        <p:nvPicPr>
+          <p:cNvPr id="4" name="그림 3">
+            <a:extLst>
+              <a:ext uri="{FF2B5EF4-FFF2-40B4-BE49-F238E27FC236}">
+                <a16:creationId xmlns:a16="http://schemas.microsoft.com/office/drawing/2014/main" id="{C2213ABC-1EA0-49D2-9202-E9D6B9CF4DDD}"/>
+              </a:ext>
+            </a:extLst>
+          </p:cNvPr>
+          <p:cNvPicPr>
+            <a:picLocks noChangeAspect="1"/>
+          </p:cNvPicPr>
+          <p:nvPr/>
+        </p:nvPicPr>
+        <p:blipFill>
+          <a:blip r:embed="rId2"/>
+          <a:stretch>
+            <a:fillRect/>
+          </a:stretch>
+        </p:blipFill>
+        <p:spPr>
+          <a:xfrm>
+            <a:off x="0" y="0"/>
+            <a:ext cx="12192000" cy="6858000"/>
+          </a:xfrm>
+          <a:prstGeom prst="rect">
+            <a:avLst/>
+          </a:prstGeom>
+        </p:spPr>
+      </p:pic>
+      <p:pic>
+        <p:nvPicPr>
+          <p:cNvPr id="5" name="그림 4">
+            <a:extLst>
+              <a:ext uri="{FF2B5EF4-FFF2-40B4-BE49-F238E27FC236}">
+                <a16:creationId xmlns:a16="http://schemas.microsoft.com/office/drawing/2014/main" id="{D81462D6-12C0-4D07-9C6E-7FF3B9D1557E}"/>
+              </a:ext>
+            </a:extLst>
+          </p:cNvPr>
+          <p:cNvPicPr>
+            <a:picLocks noChangeAspect="1"/>
+          </p:cNvPicPr>
+          <p:nvPr/>
+        </p:nvPicPr>
+        <p:blipFill>
+          <a:blip r:embed="rId3">
+            <a:extLst>
+              <a:ext uri="{28A0092B-C50C-407E-A947-70E740481C1C}">
+                <a14:useLocalDpi xmlns:a14="http://schemas.microsoft.com/office/drawing/2010/main" val="0"/>
+              </a:ext>
+            </a:extLst>
+          </a:blip>
+          <a:stretch>
+            <a:fillRect/>
+          </a:stretch>
+        </p:blipFill>
+        <p:spPr>
+          <a:xfrm>
+            <a:off x="82111" y="6061976"/>
+            <a:ext cx="775846" cy="730942"/>
+          </a:xfrm>
+          <a:prstGeom prst="rect">
+            <a:avLst/>
+          </a:prstGeom>
+        </p:spPr>
+      </p:pic>
+    </p:spTree>
+    <p:extLst>
+      <p:ext uri="{BB962C8B-B14F-4D97-AF65-F5344CB8AC3E}">
+        <p14:creationId xmlns:p14="http://schemas.microsoft.com/office/powerpoint/2010/main" val="3419652237"/>
+      </p:ext>
+    </p:extLst>
+  </p:cSld>
+  <p:clrMapOvr>
+    <a:masterClrMapping/>
+  </p:clrMapOvr>
+</p:sld>
+</file>
+
+<file path=ppt/slides/slide23.xml><?xml version="1.0" encoding="utf-8"?>
+<p:sld xmlns:a="http://schemas.openxmlformats.org/drawingml/2006/main" xmlns:r="http://schemas.openxmlformats.org/officeDocument/2006/relationships" xmlns:p="http://schemas.openxmlformats.org/presentationml/2006/main">
+  <p:cSld>
+    <p:spTree>
+      <p:nvGrpSpPr>
+        <p:cNvPr id="1" name=""/>
+        <p:cNvGrpSpPr/>
+        <p:nvPr/>
+      </p:nvGrpSpPr>
+      <p:grpSpPr>
+        <a:xfrm>
+          <a:off x="0" y="0"/>
+          <a:ext cx="0" cy="0"/>
+          <a:chOff x="0" y="0"/>
+          <a:chExt cx="0" cy="0"/>
+        </a:xfrm>
+      </p:grpSpPr>
+      <p:pic>
+        <p:nvPicPr>
+          <p:cNvPr id="1026" name="Picture 2" descr="ë+ì¼êµ­ê¸°ì ëí ì´ë¯¸ì§ ê²ìê²°ê³¼">
+            <a:extLst>
+              <a:ext uri="{FF2B5EF4-FFF2-40B4-BE49-F238E27FC236}">
+                <a16:creationId xmlns:a16="http://schemas.microsoft.com/office/drawing/2014/main" id="{8D2D9AA3-02B5-4793-9D7D-DB969B8395C5}"/>
+              </a:ext>
+            </a:extLst>
+          </p:cNvPr>
+          <p:cNvPicPr>
+            <a:picLocks noChangeAspect="1" noChangeArrowheads="1"/>
+          </p:cNvPicPr>
+          <p:nvPr/>
+        </p:nvPicPr>
+        <p:blipFill>
+          <a:blip r:embed="rId2">
+            <a:extLst>
+              <a:ext uri="{28A0092B-C50C-407E-A947-70E740481C1C}">
+                <a14:useLocalDpi xmlns:a14="http://schemas.microsoft.com/office/drawing/2010/main" val="0"/>
+              </a:ext>
+            </a:extLst>
+          </a:blip>
+          <a:srcRect/>
+          <a:stretch>
+            <a:fillRect/>
+          </a:stretch>
+        </p:blipFill>
+        <p:spPr bwMode="auto">
+          <a:xfrm>
+            <a:off x="3883184" y="2537539"/>
+            <a:ext cx="4425630" cy="2655378"/>
+          </a:xfrm>
+          <a:prstGeom prst="rect">
+            <a:avLst/>
+          </a:prstGeom>
+          <a:noFill/>
+          <a:extLst>
+            <a:ext uri="{909E8E84-426E-40DD-AFC4-6F175D3DCCD1}">
+              <a14:hiddenFill xmlns:a14="http://schemas.microsoft.com/office/drawing/2010/main">
+                <a:solidFill>
+                  <a:srgbClr val="FFFFFF"/>
+                </a:solidFill>
+              </a14:hiddenFill>
+            </a:ext>
+          </a:extLst>
+        </p:spPr>
+      </p:pic>
+      <p:pic>
+        <p:nvPicPr>
+          <p:cNvPr id="5" name="그림 4">
+            <a:extLst>
+              <a:ext uri="{FF2B5EF4-FFF2-40B4-BE49-F238E27FC236}">
+                <a16:creationId xmlns:a16="http://schemas.microsoft.com/office/drawing/2014/main" id="{C34E087D-ACAF-40CC-A08A-6D2DA8F439F5}"/>
+              </a:ext>
+            </a:extLst>
+          </p:cNvPr>
+          <p:cNvPicPr>
+            <a:picLocks noChangeAspect="1"/>
+          </p:cNvPicPr>
+          <p:nvPr/>
+        </p:nvPicPr>
+        <p:blipFill>
+          <a:blip r:embed="rId3">
+            <a:extLst>
+              <a:ext uri="{28A0092B-C50C-407E-A947-70E740481C1C}">
+                <a14:useLocalDpi xmlns:a14="http://schemas.microsoft.com/office/drawing/2010/main" val="0"/>
+              </a:ext>
+            </a:extLst>
+          </a:blip>
+          <a:stretch>
+            <a:fillRect/>
+          </a:stretch>
+        </p:blipFill>
+        <p:spPr>
+          <a:xfrm>
+            <a:off x="82111" y="6061976"/>
+            <a:ext cx="775846" cy="730942"/>
+          </a:xfrm>
+          <a:prstGeom prst="rect">
+            <a:avLst/>
+          </a:prstGeom>
+        </p:spPr>
+      </p:pic>
+      <p:sp>
+        <p:nvSpPr>
+          <p:cNvPr id="7" name="TextBox 6">
+            <a:extLst>
+              <a:ext uri="{FF2B5EF4-FFF2-40B4-BE49-F238E27FC236}">
+                <a16:creationId xmlns:a16="http://schemas.microsoft.com/office/drawing/2014/main" id="{C46103DF-1C24-4C89-B367-4DF70CBE28F2}"/>
+              </a:ext>
+            </a:extLst>
+          </p:cNvPr>
+          <p:cNvSpPr txBox="1"/>
+          <p:nvPr/>
+        </p:nvSpPr>
+        <p:spPr>
+          <a:xfrm>
+            <a:off x="3411793" y="1305341"/>
+            <a:ext cx="5368413" cy="923330"/>
+          </a:xfrm>
+          <a:prstGeom prst="rect">
+            <a:avLst/>
+          </a:prstGeom>
+          <a:noFill/>
+        </p:spPr>
+        <p:txBody>
+          <a:bodyPr wrap="square" rtlCol="0">
+            <a:spAutoFit/>
+          </a:bodyPr>
+          <a:lstStyle/>
+          <a:p>
+            <a:pPr algn="ctr"/>
+            <a:r>
+              <a:rPr lang="ko-KR" altLang="en-US" sz="5400" dirty="0">
+                <a:solidFill>
+                  <a:schemeClr val="bg1"/>
+                </a:solidFill>
+                <a:latin typeface="08서울남산체 B" panose="02020603020101020101" pitchFamily="18" charset="-127"/>
+                <a:ea typeface="08서울남산체 B" panose="02020603020101020101" pitchFamily="18" charset="-127"/>
+              </a:rPr>
+              <a:t>독일 국기</a:t>
+            </a:r>
+          </a:p>
+        </p:txBody>
+      </p:sp>
+    </p:spTree>
+    <p:extLst>
+      <p:ext uri="{BB962C8B-B14F-4D97-AF65-F5344CB8AC3E}">
+        <p14:creationId xmlns:p14="http://schemas.microsoft.com/office/powerpoint/2010/main" val="2108460422"/>
+      </p:ext>
+    </p:extLst>
+  </p:cSld>
+  <p:clrMapOvr>
+    <a:masterClrMapping/>
+  </p:clrMapOvr>
+</p:sld>
+</file>
+
+<file path=ppt/slides/slide24.xml><?xml version="1.0" encoding="utf-8"?>
+<p:sld xmlns:a="http://schemas.openxmlformats.org/drawingml/2006/main" xmlns:r="http://schemas.openxmlformats.org/officeDocument/2006/relationships" xmlns:p="http://schemas.openxmlformats.org/presentationml/2006/main">
+  <p:cSld>
+    <p:spTree>
+      <p:nvGrpSpPr>
+        <p:cNvPr id="1" name=""/>
+        <p:cNvGrpSpPr/>
+        <p:nvPr/>
+      </p:nvGrpSpPr>
+      <p:grpSpPr>
+        <a:xfrm>
+          <a:off x="0" y="0"/>
+          <a:ext cx="0" cy="0"/>
+          <a:chOff x="0" y="0"/>
+          <a:chExt cx="0" cy="0"/>
+        </a:xfrm>
+      </p:grpSpPr>
+      <p:pic>
+        <p:nvPicPr>
+          <p:cNvPr id="5" name="그림 4">
+            <a:extLst>
+              <a:ext uri="{FF2B5EF4-FFF2-40B4-BE49-F238E27FC236}">
+                <a16:creationId xmlns:a16="http://schemas.microsoft.com/office/drawing/2014/main" id="{58234619-90CF-4E02-B506-3B5C2E68E5D1}"/>
+              </a:ext>
+            </a:extLst>
+          </p:cNvPr>
+          <p:cNvPicPr>
+            <a:picLocks noChangeAspect="1"/>
+          </p:cNvPicPr>
+          <p:nvPr/>
+        </p:nvPicPr>
+        <p:blipFill>
+          <a:blip r:embed="rId2"/>
+          <a:stretch>
+            <a:fillRect/>
+          </a:stretch>
+        </p:blipFill>
+        <p:spPr>
+          <a:xfrm>
+            <a:off x="0" y="0"/>
+            <a:ext cx="12192000" cy="6858000"/>
+          </a:xfrm>
+          <a:prstGeom prst="rect">
+            <a:avLst/>
+          </a:prstGeom>
+        </p:spPr>
+      </p:pic>
+      <p:pic>
+        <p:nvPicPr>
+          <p:cNvPr id="4" name="그림 3">
+            <a:extLst>
+              <a:ext uri="{FF2B5EF4-FFF2-40B4-BE49-F238E27FC236}">
+                <a16:creationId xmlns:a16="http://schemas.microsoft.com/office/drawing/2014/main" id="{BC75ACF3-B1DA-477F-B372-1ED1A927A802}"/>
+              </a:ext>
+            </a:extLst>
+          </p:cNvPr>
+          <p:cNvPicPr>
+            <a:picLocks noChangeAspect="1"/>
+          </p:cNvPicPr>
+          <p:nvPr/>
+        </p:nvPicPr>
+        <p:blipFill>
+          <a:blip r:embed="rId3">
+            <a:extLst>
+              <a:ext uri="{28A0092B-C50C-407E-A947-70E740481C1C}">
+                <a14:useLocalDpi xmlns:a14="http://schemas.microsoft.com/office/drawing/2010/main" val="0"/>
+              </a:ext>
+            </a:extLst>
+          </a:blip>
+          <a:stretch>
+            <a:fillRect/>
+          </a:stretch>
+        </p:blipFill>
+        <p:spPr>
+          <a:xfrm>
+            <a:off x="82111" y="6061976"/>
+            <a:ext cx="775846" cy="730942"/>
+          </a:xfrm>
+          <a:prstGeom prst="rect">
+            <a:avLst/>
+          </a:prstGeom>
+        </p:spPr>
+      </p:pic>
+    </p:spTree>
+    <p:extLst>
+      <p:ext uri="{BB962C8B-B14F-4D97-AF65-F5344CB8AC3E}">
+        <p14:creationId xmlns:p14="http://schemas.microsoft.com/office/powerpoint/2010/main" val="2795343076"/>
+      </p:ext>
+    </p:extLst>
+  </p:cSld>
+  <p:clrMapOvr>
+    <a:masterClrMapping/>
+  </p:clrMapOvr>
+</p:sld>
+</file>
+
+<file path=ppt/slides/slide25.xml><?xml version="1.0" encoding="utf-8"?>
+<p:sld xmlns:a="http://schemas.openxmlformats.org/drawingml/2006/main" xmlns:r="http://schemas.openxmlformats.org/officeDocument/2006/relationships" xmlns:p="http://schemas.openxmlformats.org/presentationml/2006/main">
+  <p:cSld>
+    <p:spTree>
+      <p:nvGrpSpPr>
+        <p:cNvPr id="1" name=""/>
+        <p:cNvGrpSpPr/>
+        <p:nvPr/>
+      </p:nvGrpSpPr>
+      <p:grpSpPr>
+        <a:xfrm>
+          <a:off x="0" y="0"/>
+          <a:ext cx="0" cy="0"/>
+          <a:chOff x="0" y="0"/>
+          <a:chExt cx="0" cy="0"/>
+        </a:xfrm>
+      </p:grpSpPr>
+      <p:pic>
+        <p:nvPicPr>
+          <p:cNvPr id="4" name="그림 3">
+            <a:extLst>
+              <a:ext uri="{FF2B5EF4-FFF2-40B4-BE49-F238E27FC236}">
+                <a16:creationId xmlns:a16="http://schemas.microsoft.com/office/drawing/2014/main" id="{3FBA37A0-B53E-48BF-BE58-20FC750269E6}"/>
+              </a:ext>
+            </a:extLst>
+          </p:cNvPr>
+          <p:cNvPicPr>
+            <a:picLocks noChangeAspect="1"/>
+          </p:cNvPicPr>
+          <p:nvPr/>
+        </p:nvPicPr>
+        <p:blipFill>
+          <a:blip r:embed="rId2">
+            <a:extLst>
+              <a:ext uri="{28A0092B-C50C-407E-A947-70E740481C1C}">
+                <a14:useLocalDpi xmlns:a14="http://schemas.microsoft.com/office/drawing/2010/main" val="0"/>
+              </a:ext>
+            </a:extLst>
+          </a:blip>
+          <a:stretch>
+            <a:fillRect/>
+          </a:stretch>
+        </p:blipFill>
+        <p:spPr>
+          <a:xfrm>
+            <a:off x="82111" y="6061976"/>
+            <a:ext cx="775846" cy="730942"/>
+          </a:xfrm>
+          <a:prstGeom prst="rect">
+            <a:avLst/>
+          </a:prstGeom>
+        </p:spPr>
+      </p:pic>
+      <p:pic>
+        <p:nvPicPr>
+          <p:cNvPr id="6" name="그림 5">
+            <a:extLst>
+              <a:ext uri="{FF2B5EF4-FFF2-40B4-BE49-F238E27FC236}">
+                <a16:creationId xmlns:a16="http://schemas.microsoft.com/office/drawing/2014/main" id="{996B067C-F926-4B29-8306-A4842DB91CC6}"/>
+              </a:ext>
+            </a:extLst>
+          </p:cNvPr>
+          <p:cNvPicPr>
+            <a:picLocks noChangeAspect="1"/>
+          </p:cNvPicPr>
+          <p:nvPr/>
+        </p:nvPicPr>
+        <p:blipFill>
+          <a:blip r:embed="rId2">
+            <a:extLst>
+              <a:ext uri="{28A0092B-C50C-407E-A947-70E740481C1C}">
+                <a14:useLocalDpi xmlns:a14="http://schemas.microsoft.com/office/drawing/2010/main" val="0"/>
+              </a:ext>
+            </a:extLst>
+          </a:blip>
+          <a:stretch>
+            <a:fillRect/>
+          </a:stretch>
+        </p:blipFill>
+        <p:spPr>
+          <a:xfrm>
+            <a:off x="82111" y="6061976"/>
+            <a:ext cx="775846" cy="730942"/>
+          </a:xfrm>
+          <a:prstGeom prst="rect">
+            <a:avLst/>
+          </a:prstGeom>
+        </p:spPr>
+      </p:pic>
+      <p:sp>
+        <p:nvSpPr>
+          <p:cNvPr id="7" name="TextBox 6">
+            <a:extLst>
+              <a:ext uri="{FF2B5EF4-FFF2-40B4-BE49-F238E27FC236}">
+                <a16:creationId xmlns:a16="http://schemas.microsoft.com/office/drawing/2014/main" id="{6361DBC2-42BA-4186-89BB-653DF52A0BB6}"/>
+              </a:ext>
+            </a:extLst>
+          </p:cNvPr>
+          <p:cNvSpPr txBox="1"/>
+          <p:nvPr/>
+        </p:nvSpPr>
+        <p:spPr>
+          <a:xfrm>
+            <a:off x="3411793" y="1305341"/>
+            <a:ext cx="5368413" cy="923330"/>
+          </a:xfrm>
+          <a:prstGeom prst="rect">
+            <a:avLst/>
+          </a:prstGeom>
+          <a:noFill/>
+        </p:spPr>
+        <p:txBody>
+          <a:bodyPr wrap="square" rtlCol="0">
+            <a:spAutoFit/>
+          </a:bodyPr>
+          <a:lstStyle/>
+          <a:p>
+            <a:pPr algn="ctr"/>
+            <a:r>
+              <a:rPr lang="ko-KR" altLang="en-US" sz="5400" dirty="0">
+                <a:solidFill>
+                  <a:schemeClr val="bg1"/>
+                </a:solidFill>
+                <a:latin typeface="08서울남산체 B" panose="02020603020101020101" pitchFamily="18" charset="-127"/>
+                <a:ea typeface="08서울남산체 B" panose="02020603020101020101" pitchFamily="18" charset="-127"/>
+              </a:rPr>
+              <a:t>프랑스 국기</a:t>
+            </a:r>
+          </a:p>
+        </p:txBody>
+      </p:sp>
+      <p:pic>
+        <p:nvPicPr>
+          <p:cNvPr id="5122" name="Picture 2" descr="íëì¤ êµ­ê¸°ì ëí ì´ë¯¸ì§ ê²ìê²°ê³¼">
+            <a:extLst>
+              <a:ext uri="{FF2B5EF4-FFF2-40B4-BE49-F238E27FC236}">
+                <a16:creationId xmlns:a16="http://schemas.microsoft.com/office/drawing/2014/main" id="{16B2B742-5E6F-46BF-AABC-907D22ADD74A}"/>
+              </a:ext>
+            </a:extLst>
+          </p:cNvPr>
+          <p:cNvPicPr>
+            <a:picLocks noChangeAspect="1" noChangeArrowheads="1"/>
+          </p:cNvPicPr>
+          <p:nvPr/>
+        </p:nvPicPr>
+        <p:blipFill>
+          <a:blip r:embed="rId3">
+            <a:extLst>
+              <a:ext uri="{28A0092B-C50C-407E-A947-70E740481C1C}">
+                <a14:useLocalDpi xmlns:a14="http://schemas.microsoft.com/office/drawing/2010/main" val="0"/>
+              </a:ext>
+            </a:extLst>
+          </a:blip>
+          <a:srcRect/>
+          <a:stretch>
+            <a:fillRect/>
+          </a:stretch>
+        </p:blipFill>
+        <p:spPr bwMode="auto">
+          <a:xfrm>
+            <a:off x="3883184" y="2560609"/>
+            <a:ext cx="4425630" cy="2649086"/>
+          </a:xfrm>
+          <a:prstGeom prst="rect">
+            <a:avLst/>
+          </a:prstGeom>
+          <a:noFill/>
+          <a:extLst>
+            <a:ext uri="{909E8E84-426E-40DD-AFC4-6F175D3DCCD1}">
+              <a14:hiddenFill xmlns:a14="http://schemas.microsoft.com/office/drawing/2010/main">
+                <a:solidFill>
+                  <a:srgbClr val="FFFFFF"/>
+                </a:solidFill>
+              </a14:hiddenFill>
+            </a:ext>
+          </a:extLst>
+        </p:spPr>
+      </p:pic>
+    </p:spTree>
+    <p:extLst>
+      <p:ext uri="{BB962C8B-B14F-4D97-AF65-F5344CB8AC3E}">
+        <p14:creationId xmlns:p14="http://schemas.microsoft.com/office/powerpoint/2010/main" val="3608205885"/>
+      </p:ext>
+    </p:extLst>
+  </p:cSld>
+  <p:clrMapOvr>
+    <a:masterClrMapping/>
+  </p:clrMapOvr>
+</p:sld>
+</file>
+
+<file path=ppt/slides/slide26.xml><?xml version="1.0" encoding="utf-8"?>
+<p:sld xmlns:a="http://schemas.openxmlformats.org/drawingml/2006/main" xmlns:r="http://schemas.openxmlformats.org/officeDocument/2006/relationships" xmlns:p="http://schemas.openxmlformats.org/presentationml/2006/main">
+  <p:cSld>
+    <p:spTree>
+      <p:nvGrpSpPr>
+        <p:cNvPr id="1" name=""/>
+        <p:cNvGrpSpPr/>
+        <p:nvPr/>
+      </p:nvGrpSpPr>
+      <p:grpSpPr>
+        <a:xfrm>
+          <a:off x="0" y="0"/>
+          <a:ext cx="0" cy="0"/>
+          <a:chOff x="0" y="0"/>
+          <a:chExt cx="0" cy="0"/>
+        </a:xfrm>
+      </p:grpSpPr>
+      <p:pic>
+        <p:nvPicPr>
+          <p:cNvPr id="4" name="그림 3">
+            <a:extLst>
+              <a:ext uri="{FF2B5EF4-FFF2-40B4-BE49-F238E27FC236}">
+                <a16:creationId xmlns:a16="http://schemas.microsoft.com/office/drawing/2014/main" id="{F090EEFA-F486-4F3D-995D-13C5F818AE91}"/>
+              </a:ext>
+            </a:extLst>
+          </p:cNvPr>
+          <p:cNvPicPr>
+            <a:picLocks noChangeAspect="1"/>
+          </p:cNvPicPr>
+          <p:nvPr/>
+        </p:nvPicPr>
+        <p:blipFill>
+          <a:blip r:embed="rId2">
+            <a:extLst>
+              <a:ext uri="{28A0092B-C50C-407E-A947-70E740481C1C}">
+                <a14:useLocalDpi xmlns:a14="http://schemas.microsoft.com/office/drawing/2010/main" val="0"/>
+              </a:ext>
+            </a:extLst>
+          </a:blip>
+          <a:stretch>
+            <a:fillRect/>
+          </a:stretch>
+        </p:blipFill>
+        <p:spPr>
+          <a:xfrm>
+            <a:off x="82111" y="6061976"/>
+            <a:ext cx="775846" cy="730942"/>
+          </a:xfrm>
+          <a:prstGeom prst="rect">
+            <a:avLst/>
+          </a:prstGeom>
+        </p:spPr>
+      </p:pic>
+      <p:sp>
+        <p:nvSpPr>
+          <p:cNvPr id="6" name="TextBox 5">
+            <a:extLst>
+              <a:ext uri="{FF2B5EF4-FFF2-40B4-BE49-F238E27FC236}">
+                <a16:creationId xmlns:a16="http://schemas.microsoft.com/office/drawing/2014/main" id="{C043E163-AB7D-4A64-8507-91079D594574}"/>
+              </a:ext>
+            </a:extLst>
+          </p:cNvPr>
+          <p:cNvSpPr txBox="1"/>
+          <p:nvPr/>
+        </p:nvSpPr>
+        <p:spPr>
+          <a:xfrm>
+            <a:off x="2662332" y="2203892"/>
+            <a:ext cx="6867331" cy="1569660"/>
+          </a:xfrm>
+          <a:prstGeom prst="rect">
+            <a:avLst/>
+          </a:prstGeom>
+          <a:noFill/>
+        </p:spPr>
+        <p:txBody>
+          <a:bodyPr wrap="square" rtlCol="0">
+            <a:spAutoFit/>
+          </a:bodyPr>
+          <a:lstStyle/>
+          <a:p>
+            <a:pPr algn="ctr"/>
+            <a:r>
+              <a:rPr lang="en-US" altLang="ko-KR" sz="9600" dirty="0">
+                <a:solidFill>
+                  <a:schemeClr val="bg1"/>
+                </a:solidFill>
+                <a:latin typeface="08서울남산체 B" panose="02020603020101020101" pitchFamily="18" charset="-127"/>
+                <a:ea typeface="08서울남산체 B" panose="02020603020101020101" pitchFamily="18" charset="-127"/>
+              </a:rPr>
+              <a:t>float</a:t>
+            </a:r>
+            <a:endParaRPr lang="ko-KR" altLang="en-US" sz="9600" dirty="0">
+              <a:solidFill>
+                <a:schemeClr val="bg1"/>
+              </a:solidFill>
+              <a:latin typeface="08서울남산체 B" panose="02020603020101020101" pitchFamily="18" charset="-127"/>
+              <a:ea typeface="08서울남산체 B" panose="02020603020101020101" pitchFamily="18" charset="-127"/>
+            </a:endParaRPr>
+          </a:p>
+        </p:txBody>
+      </p:sp>
+      <p:sp>
+        <p:nvSpPr>
+          <p:cNvPr id="8" name="TextBox 7">
+            <a:extLst>
+              <a:ext uri="{FF2B5EF4-FFF2-40B4-BE49-F238E27FC236}">
+                <a16:creationId xmlns:a16="http://schemas.microsoft.com/office/drawing/2014/main" id="{14C40D20-D1CF-42B5-B002-A16CAA5ADA4C}"/>
+              </a:ext>
+            </a:extLst>
+          </p:cNvPr>
+          <p:cNvSpPr txBox="1"/>
+          <p:nvPr/>
+        </p:nvSpPr>
+        <p:spPr>
+          <a:xfrm>
+            <a:off x="3584221" y="3977084"/>
+            <a:ext cx="5023555" cy="830997"/>
+          </a:xfrm>
+          <a:prstGeom prst="rect">
+            <a:avLst/>
+          </a:prstGeom>
+          <a:noFill/>
+        </p:spPr>
+        <p:txBody>
+          <a:bodyPr wrap="square" rtlCol="0">
+            <a:spAutoFit/>
+          </a:bodyPr>
+          <a:lstStyle/>
+          <a:p>
+            <a:pPr algn="ctr"/>
+            <a:r>
+              <a:rPr lang="ko-KR" altLang="en-US" sz="2400" dirty="0">
+                <a:solidFill>
+                  <a:schemeClr val="bg1"/>
+                </a:solidFill>
+                <a:latin typeface="08서울남산체 B" panose="02020603020101020101" pitchFamily="18" charset="-127"/>
+                <a:ea typeface="08서울남산체 B" panose="02020603020101020101" pitchFamily="18" charset="-127"/>
+              </a:rPr>
+              <a:t>포지셔닝 </a:t>
+            </a:r>
+            <a:r>
+              <a:rPr lang="en-US" altLang="ko-KR" sz="2400" dirty="0">
+                <a:solidFill>
+                  <a:schemeClr val="bg1"/>
+                </a:solidFill>
+                <a:latin typeface="08서울남산체 B" panose="02020603020101020101" pitchFamily="18" charset="-127"/>
+                <a:ea typeface="08서울남산체 B" panose="02020603020101020101" pitchFamily="18" charset="-127"/>
+              </a:rPr>
+              <a:t>;</a:t>
+            </a:r>
+          </a:p>
+          <a:p>
+            <a:pPr algn="ctr"/>
+            <a:r>
+              <a:rPr lang="ko-KR" altLang="en-US" sz="2400" dirty="0">
+                <a:solidFill>
+                  <a:schemeClr val="bg1"/>
+                </a:solidFill>
+                <a:latin typeface="08서울남산체 B" panose="02020603020101020101" pitchFamily="18" charset="-127"/>
+                <a:ea typeface="08서울남산체 B" panose="02020603020101020101" pitchFamily="18" charset="-127"/>
+              </a:rPr>
+              <a:t>정렬</a:t>
+            </a:r>
+            <a:endParaRPr lang="en-US" altLang="ko-KR" sz="2000" dirty="0">
+              <a:solidFill>
+                <a:schemeClr val="bg1"/>
+              </a:solidFill>
+              <a:latin typeface="08서울남산체 B" panose="02020603020101020101" pitchFamily="18" charset="-127"/>
+              <a:ea typeface="08서울남산체 B" panose="02020603020101020101" pitchFamily="18" charset="-127"/>
+            </a:endParaRPr>
+          </a:p>
+        </p:txBody>
+      </p:sp>
+      <p:sp>
+        <p:nvSpPr>
+          <p:cNvPr id="9" name="직사각형 8">
+            <a:extLst>
+              <a:ext uri="{FF2B5EF4-FFF2-40B4-BE49-F238E27FC236}">
+                <a16:creationId xmlns:a16="http://schemas.microsoft.com/office/drawing/2014/main" id="{BCC2B2B8-E0FB-446C-AC26-D11FD2A4C962}"/>
+              </a:ext>
+            </a:extLst>
+          </p:cNvPr>
+          <p:cNvSpPr/>
+          <p:nvPr/>
+        </p:nvSpPr>
+        <p:spPr>
+          <a:xfrm>
+            <a:off x="8658660" y="6550223"/>
+            <a:ext cx="3533340" cy="307777"/>
+          </a:xfrm>
+          <a:prstGeom prst="rect">
+            <a:avLst/>
+          </a:prstGeom>
+        </p:spPr>
+        <p:txBody>
+          <a:bodyPr wrap="none">
+            <a:spAutoFit/>
+          </a:bodyPr>
+          <a:lstStyle/>
+          <a:p>
+            <a:r>
+              <a:rPr lang="ko-KR" altLang="en-US" sz="1400" dirty="0">
+                <a:solidFill>
+                  <a:schemeClr val="bg1"/>
+                </a:solidFill>
+                <a:latin typeface="08서울남산체 B" panose="02020603020101020101" pitchFamily="18" charset="-127"/>
+                <a:ea typeface="08서울남산체 B" panose="02020603020101020101" pitchFamily="18" charset="-127"/>
+              </a:rPr>
+              <a:t>http://www.beautifulcss.com/archives/787</a:t>
+            </a:r>
+          </a:p>
+        </p:txBody>
+      </p:sp>
+    </p:spTree>
+    <p:extLst>
+      <p:ext uri="{BB962C8B-B14F-4D97-AF65-F5344CB8AC3E}">
+        <p14:creationId xmlns:p14="http://schemas.microsoft.com/office/powerpoint/2010/main" val="2952222028"/>
+      </p:ext>
+    </p:extLst>
+  </p:cSld>
+  <p:clrMapOvr>
+    <a:masterClrMapping/>
+  </p:clrMapOvr>
+</p:sld>
+</file>
+
+<file path=ppt/slides/slide27.xml><?xml version="1.0" encoding="utf-8"?>
+<p:sld xmlns:a="http://schemas.openxmlformats.org/drawingml/2006/main" xmlns:r="http://schemas.openxmlformats.org/officeDocument/2006/relationships" xmlns:p="http://schemas.openxmlformats.org/presentationml/2006/main">
+  <p:cSld>
+    <p:spTree>
+      <p:nvGrpSpPr>
+        <p:cNvPr id="1" name=""/>
+        <p:cNvGrpSpPr/>
+        <p:nvPr/>
+      </p:nvGrpSpPr>
+      <p:grpSpPr>
+        <a:xfrm>
+          <a:off x="0" y="0"/>
+          <a:ext cx="0" cy="0"/>
+          <a:chOff x="0" y="0"/>
+          <a:chExt cx="0" cy="0"/>
+        </a:xfrm>
+      </p:grpSpPr>
+      <p:pic>
+        <p:nvPicPr>
+          <p:cNvPr id="6" name="그림 5">
+            <a:extLst>
+              <a:ext uri="{FF2B5EF4-FFF2-40B4-BE49-F238E27FC236}">
+                <a16:creationId xmlns:a16="http://schemas.microsoft.com/office/drawing/2014/main" id="{A86CA04A-4A9B-4E94-BCE7-9B859CEADA0F}"/>
+              </a:ext>
+            </a:extLst>
+          </p:cNvPr>
+          <p:cNvPicPr>
+            <a:picLocks noChangeAspect="1"/>
+          </p:cNvPicPr>
+          <p:nvPr/>
+        </p:nvPicPr>
+        <p:blipFill>
+          <a:blip r:embed="rId2"/>
+          <a:stretch>
+            <a:fillRect/>
+          </a:stretch>
+        </p:blipFill>
+        <p:spPr>
+          <a:xfrm>
+            <a:off x="0" y="0"/>
+            <a:ext cx="12192000" cy="6858000"/>
+          </a:xfrm>
+          <a:prstGeom prst="rect">
+            <a:avLst/>
+          </a:prstGeom>
+        </p:spPr>
+      </p:pic>
+      <p:pic>
+        <p:nvPicPr>
+          <p:cNvPr id="7" name="그림 6">
+            <a:extLst>
+              <a:ext uri="{FF2B5EF4-FFF2-40B4-BE49-F238E27FC236}">
+                <a16:creationId xmlns:a16="http://schemas.microsoft.com/office/drawing/2014/main" id="{46E8D873-A5DA-4FA5-BCA9-89698C46AA53}"/>
+              </a:ext>
+            </a:extLst>
+          </p:cNvPr>
+          <p:cNvPicPr>
+            <a:picLocks noChangeAspect="1"/>
+          </p:cNvPicPr>
+          <p:nvPr/>
+        </p:nvPicPr>
+        <p:blipFill>
+          <a:blip r:embed="rId3">
+            <a:extLst>
+              <a:ext uri="{28A0092B-C50C-407E-A947-70E740481C1C}">
+                <a14:useLocalDpi xmlns:a14="http://schemas.microsoft.com/office/drawing/2010/main" val="0"/>
+              </a:ext>
+            </a:extLst>
+          </a:blip>
+          <a:stretch>
+            <a:fillRect/>
+          </a:stretch>
+        </p:blipFill>
+        <p:spPr>
+          <a:xfrm>
+            <a:off x="82111" y="6061976"/>
+            <a:ext cx="775846" cy="730942"/>
+          </a:xfrm>
+          <a:prstGeom prst="rect">
+            <a:avLst/>
+          </a:prstGeom>
+        </p:spPr>
+      </p:pic>
+    </p:spTree>
+    <p:extLst>
+      <p:ext uri="{BB962C8B-B14F-4D97-AF65-F5344CB8AC3E}">
+        <p14:creationId xmlns:p14="http://schemas.microsoft.com/office/powerpoint/2010/main" val="2766827572"/>
+      </p:ext>
+    </p:extLst>
+  </p:cSld>
+  <p:clrMapOvr>
+    <a:masterClrMapping/>
+  </p:clrMapOvr>
+</p:sld>
+</file>
+
+<file path=ppt/slides/slide28.xml><?xml version="1.0" encoding="utf-8"?>
+<p:sld xmlns:a="http://schemas.openxmlformats.org/drawingml/2006/main" xmlns:r="http://schemas.openxmlformats.org/officeDocument/2006/relationships" xmlns:p="http://schemas.openxmlformats.org/presentationml/2006/main">
+  <p:cSld>
+    <p:spTree>
+      <p:nvGrpSpPr>
+        <p:cNvPr id="1" name=""/>
+        <p:cNvGrpSpPr/>
+        <p:nvPr/>
+      </p:nvGrpSpPr>
+      <p:grpSpPr>
+        <a:xfrm>
+          <a:off x="0" y="0"/>
+          <a:ext cx="0" cy="0"/>
+          <a:chOff x="0" y="0"/>
+          <a:chExt cx="0" cy="0"/>
+        </a:xfrm>
+      </p:grpSpPr>
+      <p:pic>
+        <p:nvPicPr>
+          <p:cNvPr id="6" name="그림 5">
+            <a:extLst>
+              <a:ext uri="{FF2B5EF4-FFF2-40B4-BE49-F238E27FC236}">
+                <a16:creationId xmlns:a16="http://schemas.microsoft.com/office/drawing/2014/main" id="{FCB1340D-C6A4-4DCF-AD98-754F2A433E44}"/>
+              </a:ext>
+            </a:extLst>
+          </p:cNvPr>
+          <p:cNvPicPr>
+            <a:picLocks noChangeAspect="1"/>
+          </p:cNvPicPr>
+          <p:nvPr/>
+        </p:nvPicPr>
+        <p:blipFill>
+          <a:blip r:embed="rId2"/>
+          <a:stretch>
+            <a:fillRect/>
+          </a:stretch>
+        </p:blipFill>
+        <p:spPr>
+          <a:xfrm>
+            <a:off x="0" y="0"/>
+            <a:ext cx="12192000" cy="6858000"/>
+          </a:xfrm>
+          <a:prstGeom prst="rect">
+            <a:avLst/>
+          </a:prstGeom>
+        </p:spPr>
+      </p:pic>
+      <p:pic>
+        <p:nvPicPr>
+          <p:cNvPr id="4" name="그림 3">
+            <a:extLst>
+              <a:ext uri="{FF2B5EF4-FFF2-40B4-BE49-F238E27FC236}">
+                <a16:creationId xmlns:a16="http://schemas.microsoft.com/office/drawing/2014/main" id="{79CAA075-2E6A-4FFA-9B0F-04AE36F18395}"/>
+              </a:ext>
+            </a:extLst>
+          </p:cNvPr>
+          <p:cNvPicPr>
+            <a:picLocks noChangeAspect="1"/>
+          </p:cNvPicPr>
+          <p:nvPr/>
+        </p:nvPicPr>
+        <p:blipFill>
+          <a:blip r:embed="rId3">
+            <a:extLst>
+              <a:ext uri="{28A0092B-C50C-407E-A947-70E740481C1C}">
+                <a14:useLocalDpi xmlns:a14="http://schemas.microsoft.com/office/drawing/2010/main" val="0"/>
+              </a:ext>
+            </a:extLst>
+          </a:blip>
+          <a:stretch>
+            <a:fillRect/>
+          </a:stretch>
+        </p:blipFill>
+        <p:spPr>
+          <a:xfrm>
+            <a:off x="82111" y="6061976"/>
+            <a:ext cx="775846" cy="730942"/>
+          </a:xfrm>
+          <a:prstGeom prst="rect">
+            <a:avLst/>
+          </a:prstGeom>
+        </p:spPr>
+      </p:pic>
+    </p:spTree>
+    <p:extLst>
+      <p:ext uri="{BB962C8B-B14F-4D97-AF65-F5344CB8AC3E}">
+        <p14:creationId xmlns:p14="http://schemas.microsoft.com/office/powerpoint/2010/main" val="2234015931"/>
+      </p:ext>
+    </p:extLst>
+  </p:cSld>
+  <p:clrMapOvr>
+    <a:masterClrMapping/>
+  </p:clrMapOvr>
+</p:sld>
+</file>
+
+<file path=ppt/slides/slide29.xml><?xml version="1.0" encoding="utf-8"?>
+<p:sld xmlns:a="http://schemas.openxmlformats.org/drawingml/2006/main" xmlns:r="http://schemas.openxmlformats.org/officeDocument/2006/relationships" xmlns:p="http://schemas.openxmlformats.org/presentationml/2006/main">
+  <p:cSld>
+    <p:spTree>
+      <p:nvGrpSpPr>
+        <p:cNvPr id="1" name=""/>
+        <p:cNvGrpSpPr/>
+        <p:nvPr/>
+      </p:nvGrpSpPr>
+      <p:grpSpPr>
+        <a:xfrm>
+          <a:off x="0" y="0"/>
+          <a:ext cx="0" cy="0"/>
+          <a:chOff x="0" y="0"/>
+          <a:chExt cx="0" cy="0"/>
+        </a:xfrm>
+      </p:grpSpPr>
+      <p:pic>
+        <p:nvPicPr>
+          <p:cNvPr id="5" name="그림 4">
+            <a:extLst>
+              <a:ext uri="{FF2B5EF4-FFF2-40B4-BE49-F238E27FC236}">
+                <a16:creationId xmlns:a16="http://schemas.microsoft.com/office/drawing/2014/main" id="{4D874009-09F6-4B1F-AFD6-2F617BC00A20}"/>
+              </a:ext>
+            </a:extLst>
+          </p:cNvPr>
+          <p:cNvPicPr>
+            <a:picLocks noChangeAspect="1"/>
+          </p:cNvPicPr>
+          <p:nvPr/>
+        </p:nvPicPr>
+        <p:blipFill>
+          <a:blip r:embed="rId2"/>
+          <a:stretch>
+            <a:fillRect/>
+          </a:stretch>
+        </p:blipFill>
+        <p:spPr>
+          <a:xfrm>
+            <a:off x="0" y="0"/>
+            <a:ext cx="12192000" cy="6858000"/>
+          </a:xfrm>
+          <a:prstGeom prst="rect">
+            <a:avLst/>
+          </a:prstGeom>
+        </p:spPr>
+      </p:pic>
+      <p:pic>
+        <p:nvPicPr>
+          <p:cNvPr id="6" name="그림 5">
+            <a:extLst>
+              <a:ext uri="{FF2B5EF4-FFF2-40B4-BE49-F238E27FC236}">
+                <a16:creationId xmlns:a16="http://schemas.microsoft.com/office/drawing/2014/main" id="{B3CC5C4D-45B5-4E54-BA2E-2C022E7069BD}"/>
+              </a:ext>
+            </a:extLst>
+          </p:cNvPr>
+          <p:cNvPicPr>
+            <a:picLocks noChangeAspect="1"/>
+          </p:cNvPicPr>
+          <p:nvPr/>
+        </p:nvPicPr>
+        <p:blipFill>
+          <a:blip r:embed="rId3">
+            <a:extLst>
+              <a:ext uri="{28A0092B-C50C-407E-A947-70E740481C1C}">
+                <a14:useLocalDpi xmlns:a14="http://schemas.microsoft.com/office/drawing/2010/main" val="0"/>
+              </a:ext>
+            </a:extLst>
+          </a:blip>
+          <a:stretch>
+            <a:fillRect/>
+          </a:stretch>
+        </p:blipFill>
+        <p:spPr>
+          <a:xfrm>
+            <a:off x="82111" y="6061976"/>
+            <a:ext cx="775846" cy="730942"/>
+          </a:xfrm>
+          <a:prstGeom prst="rect">
+            <a:avLst/>
+          </a:prstGeom>
+        </p:spPr>
+      </p:pic>
+    </p:spTree>
+    <p:extLst>
+      <p:ext uri="{BB962C8B-B14F-4D97-AF65-F5344CB8AC3E}">
+        <p14:creationId xmlns:p14="http://schemas.microsoft.com/office/powerpoint/2010/main" val="2349523684"/>
+      </p:ext>
+    </p:extLst>
+  </p:cSld>
+  <p:clrMapOvr>
+    <a:masterClrMapping/>
+  </p:clrMapOvr>
+</p:sld>
+</file>
+
 <file path=ppt/slides/slide3.xml><?xml version="1.0" encoding="utf-8"?>
 <p:sld xmlns:a="http://schemas.openxmlformats.org/drawingml/2006/main" xmlns:r="http://schemas.openxmlformats.org/officeDocument/2006/relationships" xmlns:p="http://schemas.openxmlformats.org/presentationml/2006/main">
   <p:cSld>
@@ -4704,6 +9029,938 @@
     <p:extLst>
       <p:ext uri="{BB962C8B-B14F-4D97-AF65-F5344CB8AC3E}">
         <p14:creationId xmlns:p14="http://schemas.microsoft.com/office/powerpoint/2010/main" val="2412050391"/>
+      </p:ext>
+    </p:extLst>
+  </p:cSld>
+  <p:clrMapOvr>
+    <a:masterClrMapping/>
+  </p:clrMapOvr>
+</p:sld>
+</file>
+
+<file path=ppt/slides/slide30.xml><?xml version="1.0" encoding="utf-8"?>
+<p:sld xmlns:a="http://schemas.openxmlformats.org/drawingml/2006/main" xmlns:r="http://schemas.openxmlformats.org/officeDocument/2006/relationships" xmlns:p="http://schemas.openxmlformats.org/presentationml/2006/main">
+  <p:cSld>
+    <p:spTree>
+      <p:nvGrpSpPr>
+        <p:cNvPr id="1" name=""/>
+        <p:cNvGrpSpPr/>
+        <p:nvPr/>
+      </p:nvGrpSpPr>
+      <p:grpSpPr>
+        <a:xfrm>
+          <a:off x="0" y="0"/>
+          <a:ext cx="0" cy="0"/>
+          <a:chOff x="0" y="0"/>
+          <a:chExt cx="0" cy="0"/>
+        </a:xfrm>
+      </p:grpSpPr>
+      <p:sp>
+        <p:nvSpPr>
+          <p:cNvPr id="4" name="TextBox 3">
+            <a:extLst>
+              <a:ext uri="{FF2B5EF4-FFF2-40B4-BE49-F238E27FC236}">
+                <a16:creationId xmlns:a16="http://schemas.microsoft.com/office/drawing/2014/main" id="{ABD8175D-C950-4AEA-83B4-555B687B7E6C}"/>
+              </a:ext>
+            </a:extLst>
+          </p:cNvPr>
+          <p:cNvSpPr txBox="1"/>
+          <p:nvPr/>
+        </p:nvSpPr>
+        <p:spPr>
+          <a:xfrm>
+            <a:off x="4322117" y="2367171"/>
+            <a:ext cx="3547766" cy="1877437"/>
+          </a:xfrm>
+          <a:prstGeom prst="rect">
+            <a:avLst/>
+          </a:prstGeom>
+          <a:noFill/>
+        </p:spPr>
+        <p:txBody>
+          <a:bodyPr wrap="none" rtlCol="0">
+            <a:spAutoFit/>
+          </a:bodyPr>
+          <a:lstStyle/>
+          <a:p>
+            <a:pPr algn="ctr"/>
+            <a:r>
+              <a:rPr lang="ko-KR" altLang="en-US" sz="4400" dirty="0">
+                <a:solidFill>
+                  <a:schemeClr val="bg1"/>
+                </a:solidFill>
+                <a:latin typeface="08서울남산체 B" panose="02020603020101020101" pitchFamily="18" charset="-127"/>
+                <a:ea typeface="08서울남산체 B" panose="02020603020101020101" pitchFamily="18" charset="-127"/>
+              </a:rPr>
+              <a:t>가운데 정렬은</a:t>
+            </a:r>
+            <a:endParaRPr lang="en-US" altLang="ko-KR" sz="4400" dirty="0">
+              <a:solidFill>
+                <a:schemeClr val="bg1"/>
+              </a:solidFill>
+              <a:latin typeface="08서울남산체 B" panose="02020603020101020101" pitchFamily="18" charset="-127"/>
+              <a:ea typeface="08서울남산체 B" panose="02020603020101020101" pitchFamily="18" charset="-127"/>
+            </a:endParaRPr>
+          </a:p>
+          <a:p>
+            <a:pPr algn="ctr"/>
+            <a:endParaRPr lang="en-US" altLang="ko-KR" sz="2400" dirty="0">
+              <a:solidFill>
+                <a:schemeClr val="bg1"/>
+              </a:solidFill>
+              <a:latin typeface="08서울남산체 B" panose="02020603020101020101" pitchFamily="18" charset="-127"/>
+              <a:ea typeface="08서울남산체 B" panose="02020603020101020101" pitchFamily="18" charset="-127"/>
+            </a:endParaRPr>
+          </a:p>
+          <a:p>
+            <a:pPr algn="ctr"/>
+            <a:r>
+              <a:rPr lang="en-US" altLang="ko-KR" sz="4400" dirty="0">
+                <a:solidFill>
+                  <a:schemeClr val="bg1"/>
+                </a:solidFill>
+                <a:latin typeface="08서울남산체 B" panose="02020603020101020101" pitchFamily="18" charset="-127"/>
+                <a:ea typeface="08서울남산체 B" panose="02020603020101020101" pitchFamily="18" charset="-127"/>
+              </a:rPr>
+              <a:t>float:</a:t>
+            </a:r>
+            <a:r>
+              <a:rPr lang="ko-KR" altLang="en-US" sz="4400" dirty="0">
+                <a:solidFill>
+                  <a:schemeClr val="bg1"/>
+                </a:solidFill>
+                <a:latin typeface="08서울남산체 B" panose="02020603020101020101" pitchFamily="18" charset="-127"/>
+                <a:ea typeface="08서울남산체 B" panose="02020603020101020101" pitchFamily="18" charset="-127"/>
+              </a:rPr>
+              <a:t> </a:t>
+            </a:r>
+            <a:r>
+              <a:rPr lang="en-US" altLang="ko-KR" sz="4400" dirty="0">
+                <a:solidFill>
+                  <a:schemeClr val="bg1"/>
+                </a:solidFill>
+                <a:latin typeface="08서울남산체 B" panose="02020603020101020101" pitchFamily="18" charset="-127"/>
+                <a:ea typeface="08서울남산체 B" panose="02020603020101020101" pitchFamily="18" charset="-127"/>
+              </a:rPr>
+              <a:t>center?</a:t>
+            </a:r>
+          </a:p>
+        </p:txBody>
+      </p:sp>
+      <p:pic>
+        <p:nvPicPr>
+          <p:cNvPr id="5" name="그림 4">
+            <a:extLst>
+              <a:ext uri="{FF2B5EF4-FFF2-40B4-BE49-F238E27FC236}">
+                <a16:creationId xmlns:a16="http://schemas.microsoft.com/office/drawing/2014/main" id="{63B7E33F-76C5-4904-8B88-D8CC03C73F63}"/>
+              </a:ext>
+            </a:extLst>
+          </p:cNvPr>
+          <p:cNvPicPr>
+            <a:picLocks noChangeAspect="1"/>
+          </p:cNvPicPr>
+          <p:nvPr/>
+        </p:nvPicPr>
+        <p:blipFill>
+          <a:blip r:embed="rId2">
+            <a:extLst>
+              <a:ext uri="{28A0092B-C50C-407E-A947-70E740481C1C}">
+                <a14:useLocalDpi xmlns:a14="http://schemas.microsoft.com/office/drawing/2010/main" val="0"/>
+              </a:ext>
+            </a:extLst>
+          </a:blip>
+          <a:stretch>
+            <a:fillRect/>
+          </a:stretch>
+        </p:blipFill>
+        <p:spPr>
+          <a:xfrm>
+            <a:off x="82111" y="6061976"/>
+            <a:ext cx="775846" cy="730942"/>
+          </a:xfrm>
+          <a:prstGeom prst="rect">
+            <a:avLst/>
+          </a:prstGeom>
+        </p:spPr>
+      </p:pic>
+    </p:spTree>
+    <p:extLst>
+      <p:ext uri="{BB962C8B-B14F-4D97-AF65-F5344CB8AC3E}">
+        <p14:creationId xmlns:p14="http://schemas.microsoft.com/office/powerpoint/2010/main" val="572115964"/>
+      </p:ext>
+    </p:extLst>
+  </p:cSld>
+  <p:clrMapOvr>
+    <a:masterClrMapping/>
+  </p:clrMapOvr>
+</p:sld>
+</file>
+
+<file path=ppt/slides/slide31.xml><?xml version="1.0" encoding="utf-8"?>
+<p:sld xmlns:a="http://schemas.openxmlformats.org/drawingml/2006/main" xmlns:r="http://schemas.openxmlformats.org/officeDocument/2006/relationships" xmlns:p="http://schemas.openxmlformats.org/presentationml/2006/main">
+  <p:cSld>
+    <p:spTree>
+      <p:nvGrpSpPr>
+        <p:cNvPr id="1" name=""/>
+        <p:cNvGrpSpPr/>
+        <p:nvPr/>
+      </p:nvGrpSpPr>
+      <p:grpSpPr>
+        <a:xfrm>
+          <a:off x="0" y="0"/>
+          <a:ext cx="0" cy="0"/>
+          <a:chOff x="0" y="0"/>
+          <a:chExt cx="0" cy="0"/>
+        </a:xfrm>
+      </p:grpSpPr>
+      <p:sp>
+        <p:nvSpPr>
+          <p:cNvPr id="7" name="TextBox 6">
+            <a:extLst>
+              <a:ext uri="{FF2B5EF4-FFF2-40B4-BE49-F238E27FC236}">
+                <a16:creationId xmlns:a16="http://schemas.microsoft.com/office/drawing/2014/main" id="{9C171A2E-BC7D-458B-A061-9F4EBF84295A}"/>
+              </a:ext>
+            </a:extLst>
+          </p:cNvPr>
+          <p:cNvSpPr txBox="1"/>
+          <p:nvPr/>
+        </p:nvSpPr>
+        <p:spPr>
+          <a:xfrm>
+            <a:off x="4310897" y="2367171"/>
+            <a:ext cx="3570209" cy="1815882"/>
+          </a:xfrm>
+          <a:prstGeom prst="rect">
+            <a:avLst/>
+          </a:prstGeom>
+          <a:noFill/>
+        </p:spPr>
+        <p:txBody>
+          <a:bodyPr wrap="none" rtlCol="0">
+            <a:spAutoFit/>
+          </a:bodyPr>
+          <a:lstStyle/>
+          <a:p>
+            <a:pPr algn="ctr"/>
+            <a:r>
+              <a:rPr lang="en-US" altLang="ko-KR" sz="4400" dirty="0">
+                <a:solidFill>
+                  <a:schemeClr val="bg1"/>
+                </a:solidFill>
+                <a:latin typeface="08서울남산체 B" panose="02020603020101020101" pitchFamily="18" charset="-127"/>
+                <a:ea typeface="08서울남산체 B" panose="02020603020101020101" pitchFamily="18" charset="-127"/>
+              </a:rPr>
+              <a:t>Nope</a:t>
+            </a:r>
+          </a:p>
+          <a:p>
+            <a:pPr algn="ctr"/>
+            <a:endParaRPr lang="en-US" altLang="ko-KR" sz="2400" dirty="0">
+              <a:solidFill>
+                <a:schemeClr val="bg1"/>
+              </a:solidFill>
+              <a:latin typeface="08서울남산체 B" panose="02020603020101020101" pitchFamily="18" charset="-127"/>
+              <a:ea typeface="08서울남산체 B" panose="02020603020101020101" pitchFamily="18" charset="-127"/>
+            </a:endParaRPr>
+          </a:p>
+          <a:p>
+            <a:pPr algn="ctr"/>
+            <a:r>
+              <a:rPr lang="en-US" altLang="ko-KR" sz="4400" dirty="0">
+                <a:solidFill>
+                  <a:schemeClr val="bg1"/>
+                </a:solidFill>
+                <a:latin typeface="08서울남산체 B" panose="02020603020101020101" pitchFamily="18" charset="-127"/>
+                <a:ea typeface="08서울남산체 B" panose="02020603020101020101" pitchFamily="18" charset="-127"/>
+              </a:rPr>
+              <a:t>margin: auto!</a:t>
+            </a:r>
+          </a:p>
+        </p:txBody>
+      </p:sp>
+      <p:pic>
+        <p:nvPicPr>
+          <p:cNvPr id="8" name="그림 7">
+            <a:extLst>
+              <a:ext uri="{FF2B5EF4-FFF2-40B4-BE49-F238E27FC236}">
+                <a16:creationId xmlns:a16="http://schemas.microsoft.com/office/drawing/2014/main" id="{BCE0224D-7E7B-4A4F-A1F0-BE0978A80D4B}"/>
+              </a:ext>
+            </a:extLst>
+          </p:cNvPr>
+          <p:cNvPicPr>
+            <a:picLocks noChangeAspect="1"/>
+          </p:cNvPicPr>
+          <p:nvPr/>
+        </p:nvPicPr>
+        <p:blipFill>
+          <a:blip r:embed="rId2">
+            <a:extLst>
+              <a:ext uri="{28A0092B-C50C-407E-A947-70E740481C1C}">
+                <a14:useLocalDpi xmlns:a14="http://schemas.microsoft.com/office/drawing/2010/main" val="0"/>
+              </a:ext>
+            </a:extLst>
+          </a:blip>
+          <a:stretch>
+            <a:fillRect/>
+          </a:stretch>
+        </p:blipFill>
+        <p:spPr>
+          <a:xfrm>
+            <a:off x="82111" y="6061976"/>
+            <a:ext cx="775846" cy="730942"/>
+          </a:xfrm>
+          <a:prstGeom prst="rect">
+            <a:avLst/>
+          </a:prstGeom>
+        </p:spPr>
+      </p:pic>
+    </p:spTree>
+    <p:extLst>
+      <p:ext uri="{BB962C8B-B14F-4D97-AF65-F5344CB8AC3E}">
+        <p14:creationId xmlns:p14="http://schemas.microsoft.com/office/powerpoint/2010/main" val="1708331829"/>
+      </p:ext>
+    </p:extLst>
+  </p:cSld>
+  <p:clrMapOvr>
+    <a:masterClrMapping/>
+  </p:clrMapOvr>
+</p:sld>
+</file>
+
+<file path=ppt/slides/slide32.xml><?xml version="1.0" encoding="utf-8"?>
+<p:sld xmlns:a="http://schemas.openxmlformats.org/drawingml/2006/main" xmlns:r="http://schemas.openxmlformats.org/officeDocument/2006/relationships" xmlns:p="http://schemas.openxmlformats.org/presentationml/2006/main">
+  <p:cSld>
+    <p:spTree>
+      <p:nvGrpSpPr>
+        <p:cNvPr id="1" name=""/>
+        <p:cNvGrpSpPr/>
+        <p:nvPr/>
+      </p:nvGrpSpPr>
+      <p:grpSpPr>
+        <a:xfrm>
+          <a:off x="0" y="0"/>
+          <a:ext cx="0" cy="0"/>
+          <a:chOff x="0" y="0"/>
+          <a:chExt cx="0" cy="0"/>
+        </a:xfrm>
+      </p:grpSpPr>
+      <p:pic>
+        <p:nvPicPr>
+          <p:cNvPr id="5" name="그림 4">
+            <a:extLst>
+              <a:ext uri="{FF2B5EF4-FFF2-40B4-BE49-F238E27FC236}">
+                <a16:creationId xmlns:a16="http://schemas.microsoft.com/office/drawing/2014/main" id="{4426D802-5C4B-46B1-AE7F-42D49708D853}"/>
+              </a:ext>
+            </a:extLst>
+          </p:cNvPr>
+          <p:cNvPicPr>
+            <a:picLocks noChangeAspect="1"/>
+          </p:cNvPicPr>
+          <p:nvPr/>
+        </p:nvPicPr>
+        <p:blipFill>
+          <a:blip r:embed="rId2"/>
+          <a:stretch>
+            <a:fillRect/>
+          </a:stretch>
+        </p:blipFill>
+        <p:spPr>
+          <a:xfrm>
+            <a:off x="0" y="0"/>
+            <a:ext cx="12192000" cy="6858000"/>
+          </a:xfrm>
+          <a:prstGeom prst="rect">
+            <a:avLst/>
+          </a:prstGeom>
+        </p:spPr>
+      </p:pic>
+      <p:pic>
+        <p:nvPicPr>
+          <p:cNvPr id="6" name="그림 5">
+            <a:extLst>
+              <a:ext uri="{FF2B5EF4-FFF2-40B4-BE49-F238E27FC236}">
+                <a16:creationId xmlns:a16="http://schemas.microsoft.com/office/drawing/2014/main" id="{9DCD2D6E-824C-4B98-ABFA-6D78D071619B}"/>
+              </a:ext>
+            </a:extLst>
+          </p:cNvPr>
+          <p:cNvPicPr>
+            <a:picLocks noChangeAspect="1"/>
+          </p:cNvPicPr>
+          <p:nvPr/>
+        </p:nvPicPr>
+        <p:blipFill>
+          <a:blip r:embed="rId3">
+            <a:extLst>
+              <a:ext uri="{28A0092B-C50C-407E-A947-70E740481C1C}">
+                <a14:useLocalDpi xmlns:a14="http://schemas.microsoft.com/office/drawing/2010/main" val="0"/>
+              </a:ext>
+            </a:extLst>
+          </a:blip>
+          <a:stretch>
+            <a:fillRect/>
+          </a:stretch>
+        </p:blipFill>
+        <p:spPr>
+          <a:xfrm>
+            <a:off x="82111" y="6061976"/>
+            <a:ext cx="775846" cy="730942"/>
+          </a:xfrm>
+          <a:prstGeom prst="rect">
+            <a:avLst/>
+          </a:prstGeom>
+        </p:spPr>
+      </p:pic>
+    </p:spTree>
+    <p:extLst>
+      <p:ext uri="{BB962C8B-B14F-4D97-AF65-F5344CB8AC3E}">
+        <p14:creationId xmlns:p14="http://schemas.microsoft.com/office/powerpoint/2010/main" val="179331405"/>
+      </p:ext>
+    </p:extLst>
+  </p:cSld>
+  <p:clrMapOvr>
+    <a:masterClrMapping/>
+  </p:clrMapOvr>
+</p:sld>
+</file>
+
+<file path=ppt/slides/slide33.xml><?xml version="1.0" encoding="utf-8"?>
+<p:sld xmlns:a="http://schemas.openxmlformats.org/drawingml/2006/main" xmlns:r="http://schemas.openxmlformats.org/officeDocument/2006/relationships" xmlns:p="http://schemas.openxmlformats.org/presentationml/2006/main">
+  <p:cSld>
+    <p:spTree>
+      <p:nvGrpSpPr>
+        <p:cNvPr id="1" name=""/>
+        <p:cNvGrpSpPr/>
+        <p:nvPr/>
+      </p:nvGrpSpPr>
+      <p:grpSpPr>
+        <a:xfrm>
+          <a:off x="0" y="0"/>
+          <a:ext cx="0" cy="0"/>
+          <a:chOff x="0" y="0"/>
+          <a:chExt cx="0" cy="0"/>
+        </a:xfrm>
+      </p:grpSpPr>
+      <p:pic>
+        <p:nvPicPr>
+          <p:cNvPr id="4" name="그림 3">
+            <a:extLst>
+              <a:ext uri="{FF2B5EF4-FFF2-40B4-BE49-F238E27FC236}">
+                <a16:creationId xmlns:a16="http://schemas.microsoft.com/office/drawing/2014/main" id="{D6134829-105E-4D06-BBBE-9F382EECDC59}"/>
+              </a:ext>
+            </a:extLst>
+          </p:cNvPr>
+          <p:cNvPicPr>
+            <a:picLocks noChangeAspect="1"/>
+          </p:cNvPicPr>
+          <p:nvPr/>
+        </p:nvPicPr>
+        <p:blipFill>
+          <a:blip r:embed="rId2"/>
+          <a:stretch>
+            <a:fillRect/>
+          </a:stretch>
+        </p:blipFill>
+        <p:spPr>
+          <a:xfrm>
+            <a:off x="0" y="0"/>
+            <a:ext cx="12192000" cy="6858000"/>
+          </a:xfrm>
+          <a:prstGeom prst="rect">
+            <a:avLst/>
+          </a:prstGeom>
+        </p:spPr>
+      </p:pic>
+      <p:pic>
+        <p:nvPicPr>
+          <p:cNvPr id="5" name="그림 4">
+            <a:extLst>
+              <a:ext uri="{FF2B5EF4-FFF2-40B4-BE49-F238E27FC236}">
+                <a16:creationId xmlns:a16="http://schemas.microsoft.com/office/drawing/2014/main" id="{64C91CDA-698E-4B41-9D6B-139515B7D3D2}"/>
+              </a:ext>
+            </a:extLst>
+          </p:cNvPr>
+          <p:cNvPicPr>
+            <a:picLocks noChangeAspect="1"/>
+          </p:cNvPicPr>
+          <p:nvPr/>
+        </p:nvPicPr>
+        <p:blipFill>
+          <a:blip r:embed="rId3">
+            <a:extLst>
+              <a:ext uri="{28A0092B-C50C-407E-A947-70E740481C1C}">
+                <a14:useLocalDpi xmlns:a14="http://schemas.microsoft.com/office/drawing/2010/main" val="0"/>
+              </a:ext>
+            </a:extLst>
+          </a:blip>
+          <a:stretch>
+            <a:fillRect/>
+          </a:stretch>
+        </p:blipFill>
+        <p:spPr>
+          <a:xfrm>
+            <a:off x="82111" y="6061976"/>
+            <a:ext cx="775846" cy="730942"/>
+          </a:xfrm>
+          <a:prstGeom prst="rect">
+            <a:avLst/>
+          </a:prstGeom>
+        </p:spPr>
+      </p:pic>
+    </p:spTree>
+    <p:extLst>
+      <p:ext uri="{BB962C8B-B14F-4D97-AF65-F5344CB8AC3E}">
+        <p14:creationId xmlns:p14="http://schemas.microsoft.com/office/powerpoint/2010/main" val="57296678"/>
+      </p:ext>
+    </p:extLst>
+  </p:cSld>
+  <p:clrMapOvr>
+    <a:masterClrMapping/>
+  </p:clrMapOvr>
+</p:sld>
+</file>
+
+<file path=ppt/slides/slide34.xml><?xml version="1.0" encoding="utf-8"?>
+<p:sld xmlns:a="http://schemas.openxmlformats.org/drawingml/2006/main" xmlns:r="http://schemas.openxmlformats.org/officeDocument/2006/relationships" xmlns:p="http://schemas.openxmlformats.org/presentationml/2006/main">
+  <p:cSld>
+    <p:spTree>
+      <p:nvGrpSpPr>
+        <p:cNvPr id="1" name=""/>
+        <p:cNvGrpSpPr/>
+        <p:nvPr/>
+      </p:nvGrpSpPr>
+      <p:grpSpPr>
+        <a:xfrm>
+          <a:off x="0" y="0"/>
+          <a:ext cx="0" cy="0"/>
+          <a:chOff x="0" y="0"/>
+          <a:chExt cx="0" cy="0"/>
+        </a:xfrm>
+      </p:grpSpPr>
+      <p:sp>
+        <p:nvSpPr>
+          <p:cNvPr id="4" name="TextBox 3">
+            <a:extLst>
+              <a:ext uri="{FF2B5EF4-FFF2-40B4-BE49-F238E27FC236}">
+                <a16:creationId xmlns:a16="http://schemas.microsoft.com/office/drawing/2014/main" id="{7920639A-5A23-4E13-8BE1-A63C69B39958}"/>
+              </a:ext>
+            </a:extLst>
+          </p:cNvPr>
+          <p:cNvSpPr txBox="1"/>
+          <p:nvPr/>
+        </p:nvSpPr>
+        <p:spPr>
+          <a:xfrm>
+            <a:off x="4173843" y="2367171"/>
+            <a:ext cx="3844322" cy="1200329"/>
+          </a:xfrm>
+          <a:prstGeom prst="rect">
+            <a:avLst/>
+          </a:prstGeom>
+          <a:noFill/>
+        </p:spPr>
+        <p:txBody>
+          <a:bodyPr wrap="none" rtlCol="0">
+            <a:spAutoFit/>
+          </a:bodyPr>
+          <a:lstStyle/>
+          <a:p>
+            <a:pPr algn="ctr"/>
+            <a:r>
+              <a:rPr lang="en-US" altLang="ko-KR" sz="7200" dirty="0">
+                <a:solidFill>
+                  <a:schemeClr val="bg1"/>
+                </a:solidFill>
+                <a:latin typeface="08서울남산체 B" panose="02020603020101020101" pitchFamily="18" charset="-127"/>
+                <a:ea typeface="08서울남산체 B" panose="02020603020101020101" pitchFamily="18" charset="-127"/>
+              </a:rPr>
+              <a:t>semantic</a:t>
+            </a:r>
+            <a:endParaRPr lang="en-US" altLang="ko-KR" sz="4400" dirty="0">
+              <a:solidFill>
+                <a:schemeClr val="bg1"/>
+              </a:solidFill>
+              <a:latin typeface="08서울남산체 B" panose="02020603020101020101" pitchFamily="18" charset="-127"/>
+              <a:ea typeface="08서울남산체 B" panose="02020603020101020101" pitchFamily="18" charset="-127"/>
+            </a:endParaRPr>
+          </a:p>
+        </p:txBody>
+      </p:sp>
+      <p:pic>
+        <p:nvPicPr>
+          <p:cNvPr id="5" name="그림 4">
+            <a:extLst>
+              <a:ext uri="{FF2B5EF4-FFF2-40B4-BE49-F238E27FC236}">
+                <a16:creationId xmlns:a16="http://schemas.microsoft.com/office/drawing/2014/main" id="{5E193C4E-E05F-4579-95A7-91B2D40DF7D8}"/>
+              </a:ext>
+            </a:extLst>
+          </p:cNvPr>
+          <p:cNvPicPr>
+            <a:picLocks noChangeAspect="1"/>
+          </p:cNvPicPr>
+          <p:nvPr/>
+        </p:nvPicPr>
+        <p:blipFill>
+          <a:blip r:embed="rId2">
+            <a:extLst>
+              <a:ext uri="{28A0092B-C50C-407E-A947-70E740481C1C}">
+                <a14:useLocalDpi xmlns:a14="http://schemas.microsoft.com/office/drawing/2010/main" val="0"/>
+              </a:ext>
+            </a:extLst>
+          </a:blip>
+          <a:stretch>
+            <a:fillRect/>
+          </a:stretch>
+        </p:blipFill>
+        <p:spPr>
+          <a:xfrm>
+            <a:off x="82111" y="6061976"/>
+            <a:ext cx="775846" cy="730942"/>
+          </a:xfrm>
+          <a:prstGeom prst="rect">
+            <a:avLst/>
+          </a:prstGeom>
+        </p:spPr>
+      </p:pic>
+      <p:sp>
+        <p:nvSpPr>
+          <p:cNvPr id="6" name="TextBox 5">
+            <a:extLst>
+              <a:ext uri="{FF2B5EF4-FFF2-40B4-BE49-F238E27FC236}">
+                <a16:creationId xmlns:a16="http://schemas.microsoft.com/office/drawing/2014/main" id="{59C0CB0A-B8F7-4551-9009-36FD1810BDB3}"/>
+              </a:ext>
+            </a:extLst>
+          </p:cNvPr>
+          <p:cNvSpPr txBox="1"/>
+          <p:nvPr/>
+        </p:nvSpPr>
+        <p:spPr>
+          <a:xfrm>
+            <a:off x="4733287" y="4091152"/>
+            <a:ext cx="2725426" cy="584775"/>
+          </a:xfrm>
+          <a:prstGeom prst="rect">
+            <a:avLst/>
+          </a:prstGeom>
+          <a:noFill/>
+        </p:spPr>
+        <p:txBody>
+          <a:bodyPr wrap="none" rtlCol="0">
+            <a:spAutoFit/>
+          </a:bodyPr>
+          <a:lstStyle/>
+          <a:p>
+            <a:pPr algn="ctr"/>
+            <a:r>
+              <a:rPr lang="ko-KR" altLang="en-US" sz="3200" dirty="0">
+                <a:solidFill>
+                  <a:schemeClr val="bg1"/>
+                </a:solidFill>
+                <a:latin typeface="08서울남산체 B" panose="02020603020101020101" pitchFamily="18" charset="-127"/>
+                <a:ea typeface="08서울남산체 B" panose="02020603020101020101" pitchFamily="18" charset="-127"/>
+              </a:rPr>
+              <a:t>의미론적 태그 </a:t>
+            </a:r>
+            <a:r>
+              <a:rPr lang="en-US" altLang="ko-KR" sz="3200" dirty="0">
+                <a:solidFill>
+                  <a:schemeClr val="bg1"/>
+                </a:solidFill>
+                <a:latin typeface="08서울남산체 B" panose="02020603020101020101" pitchFamily="18" charset="-127"/>
+                <a:ea typeface="08서울남산체 B" panose="02020603020101020101" pitchFamily="18" charset="-127"/>
+              </a:rPr>
+              <a:t>;</a:t>
+            </a:r>
+            <a:endParaRPr lang="en-US" altLang="ko-KR" sz="1600" dirty="0">
+              <a:solidFill>
+                <a:schemeClr val="bg1"/>
+              </a:solidFill>
+              <a:latin typeface="08서울남산체 B" panose="02020603020101020101" pitchFamily="18" charset="-127"/>
+              <a:ea typeface="08서울남산체 B" panose="02020603020101020101" pitchFamily="18" charset="-127"/>
+            </a:endParaRPr>
+          </a:p>
+        </p:txBody>
+      </p:sp>
+    </p:spTree>
+    <p:extLst>
+      <p:ext uri="{BB962C8B-B14F-4D97-AF65-F5344CB8AC3E}">
+        <p14:creationId xmlns:p14="http://schemas.microsoft.com/office/powerpoint/2010/main" val="1285292347"/>
+      </p:ext>
+    </p:extLst>
+  </p:cSld>
+  <p:clrMapOvr>
+    <a:masterClrMapping/>
+  </p:clrMapOvr>
+</p:sld>
+</file>
+
+<file path=ppt/slides/slide35.xml><?xml version="1.0" encoding="utf-8"?>
+<p:sld xmlns:a="http://schemas.openxmlformats.org/drawingml/2006/main" xmlns:r="http://schemas.openxmlformats.org/officeDocument/2006/relationships" xmlns:p="http://schemas.openxmlformats.org/presentationml/2006/main">
+  <p:cSld>
+    <p:spTree>
+      <p:nvGrpSpPr>
+        <p:cNvPr id="1" name=""/>
+        <p:cNvGrpSpPr/>
+        <p:nvPr/>
+      </p:nvGrpSpPr>
+      <p:grpSpPr>
+        <a:xfrm>
+          <a:off x="0" y="0"/>
+          <a:ext cx="0" cy="0"/>
+          <a:chOff x="0" y="0"/>
+          <a:chExt cx="0" cy="0"/>
+        </a:xfrm>
+      </p:grpSpPr>
+      <p:sp>
+        <p:nvSpPr>
+          <p:cNvPr id="4" name="TextBox 3">
+            <a:extLst>
+              <a:ext uri="{FF2B5EF4-FFF2-40B4-BE49-F238E27FC236}">
+                <a16:creationId xmlns:a16="http://schemas.microsoft.com/office/drawing/2014/main" id="{DFA085DE-BFB1-4363-960F-365931B05BDB}"/>
+              </a:ext>
+            </a:extLst>
+          </p:cNvPr>
+          <p:cNvSpPr txBox="1"/>
+          <p:nvPr/>
+        </p:nvSpPr>
+        <p:spPr>
+          <a:xfrm>
+            <a:off x="2779986" y="1690062"/>
+            <a:ext cx="6632028" cy="3477875"/>
+          </a:xfrm>
+          <a:prstGeom prst="rect">
+            <a:avLst/>
+          </a:prstGeom>
+          <a:noFill/>
+        </p:spPr>
+        <p:txBody>
+          <a:bodyPr wrap="square" rtlCol="0">
+            <a:spAutoFit/>
+          </a:bodyPr>
+          <a:lstStyle/>
+          <a:p>
+            <a:pPr algn="ctr"/>
+            <a:r>
+              <a:rPr lang="en-US" altLang="ko-KR" sz="4400" dirty="0">
+                <a:solidFill>
+                  <a:schemeClr val="bg1"/>
+                </a:solidFill>
+                <a:latin typeface="08서울남산체 B" panose="02020603020101020101" pitchFamily="18" charset="-127"/>
+                <a:ea typeface="08서울남산체 B" panose="02020603020101020101" pitchFamily="18" charset="-127"/>
+              </a:rPr>
+              <a:t>header</a:t>
+            </a:r>
+          </a:p>
+          <a:p>
+            <a:pPr algn="ctr"/>
+            <a:r>
+              <a:rPr lang="en-US" altLang="ko-KR" sz="4400" dirty="0">
+                <a:solidFill>
+                  <a:schemeClr val="bg1"/>
+                </a:solidFill>
+                <a:latin typeface="08서울남산체 B" panose="02020603020101020101" pitchFamily="18" charset="-127"/>
+                <a:ea typeface="08서울남산체 B" panose="02020603020101020101" pitchFamily="18" charset="-127"/>
+              </a:rPr>
+              <a:t>section</a:t>
+            </a:r>
+          </a:p>
+          <a:p>
+            <a:pPr algn="ctr"/>
+            <a:r>
+              <a:rPr lang="en-US" altLang="ko-KR" sz="4400" dirty="0">
+                <a:solidFill>
+                  <a:schemeClr val="bg1"/>
+                </a:solidFill>
+                <a:latin typeface="08서울남산체 B" panose="02020603020101020101" pitchFamily="18" charset="-127"/>
+                <a:ea typeface="08서울남산체 B" panose="02020603020101020101" pitchFamily="18" charset="-127"/>
+              </a:rPr>
+              <a:t>footer</a:t>
+            </a:r>
+          </a:p>
+          <a:p>
+            <a:pPr algn="ctr"/>
+            <a:r>
+              <a:rPr lang="en-US" altLang="ko-KR" sz="4400" dirty="0">
+                <a:solidFill>
+                  <a:schemeClr val="bg1"/>
+                </a:solidFill>
+                <a:latin typeface="08서울남산체 B" panose="02020603020101020101" pitchFamily="18" charset="-127"/>
+                <a:ea typeface="08서울남산체 B" panose="02020603020101020101" pitchFamily="18" charset="-127"/>
+              </a:rPr>
+              <a:t>article</a:t>
+            </a:r>
+          </a:p>
+          <a:p>
+            <a:pPr algn="ctr"/>
+            <a:r>
+              <a:rPr lang="en-US" altLang="ko-KR" sz="4400" dirty="0">
+                <a:solidFill>
+                  <a:schemeClr val="bg1"/>
+                </a:solidFill>
+                <a:latin typeface="08서울남산체 B" panose="02020603020101020101" pitchFamily="18" charset="-127"/>
+                <a:ea typeface="08서울남산체 B" panose="02020603020101020101" pitchFamily="18" charset="-127"/>
+              </a:rPr>
+              <a:t>nav</a:t>
+            </a:r>
+          </a:p>
+        </p:txBody>
+      </p:sp>
+    </p:spTree>
+    <p:extLst>
+      <p:ext uri="{BB962C8B-B14F-4D97-AF65-F5344CB8AC3E}">
+        <p14:creationId xmlns:p14="http://schemas.microsoft.com/office/powerpoint/2010/main" val="1692164222"/>
+      </p:ext>
+    </p:extLst>
+  </p:cSld>
+  <p:clrMapOvr>
+    <a:masterClrMapping/>
+  </p:clrMapOvr>
+</p:sld>
+</file>
+
+<file path=ppt/slides/slide36.xml><?xml version="1.0" encoding="utf-8"?>
+<p:sld xmlns:a="http://schemas.openxmlformats.org/drawingml/2006/main" xmlns:r="http://schemas.openxmlformats.org/officeDocument/2006/relationships" xmlns:p="http://schemas.openxmlformats.org/presentationml/2006/main">
+  <p:cSld>
+    <p:spTree>
+      <p:nvGrpSpPr>
+        <p:cNvPr id="1" name=""/>
+        <p:cNvGrpSpPr/>
+        <p:nvPr/>
+      </p:nvGrpSpPr>
+      <p:grpSpPr>
+        <a:xfrm>
+          <a:off x="0" y="0"/>
+          <a:ext cx="0" cy="0"/>
+          <a:chOff x="0" y="0"/>
+          <a:chExt cx="0" cy="0"/>
+        </a:xfrm>
+      </p:grpSpPr>
+      <p:pic>
+        <p:nvPicPr>
+          <p:cNvPr id="4" name="그림 3">
+            <a:extLst>
+              <a:ext uri="{FF2B5EF4-FFF2-40B4-BE49-F238E27FC236}">
+                <a16:creationId xmlns:a16="http://schemas.microsoft.com/office/drawing/2014/main" id="{DB633D41-3B81-4115-BA2E-8055021978F3}"/>
+              </a:ext>
+            </a:extLst>
+          </p:cNvPr>
+          <p:cNvPicPr>
+            <a:picLocks noChangeAspect="1"/>
+          </p:cNvPicPr>
+          <p:nvPr/>
+        </p:nvPicPr>
+        <p:blipFill rotWithShape="1">
+          <a:blip r:embed="rId2"/>
+          <a:srcRect l="13743" r="14348" b="5390"/>
+          <a:stretch/>
+        </p:blipFill>
+        <p:spPr>
+          <a:xfrm>
+            <a:off x="2243847" y="184825"/>
+            <a:ext cx="3852153" cy="6488349"/>
+          </a:xfrm>
+          <a:prstGeom prst="rect">
+            <a:avLst/>
+          </a:prstGeom>
+        </p:spPr>
+      </p:pic>
+      <p:sp>
+        <p:nvSpPr>
+          <p:cNvPr id="5" name="TextBox 4">
+            <a:extLst>
+              <a:ext uri="{FF2B5EF4-FFF2-40B4-BE49-F238E27FC236}">
+                <a16:creationId xmlns:a16="http://schemas.microsoft.com/office/drawing/2014/main" id="{46675319-2976-4193-B49D-1C450CA02238}"/>
+              </a:ext>
+            </a:extLst>
+          </p:cNvPr>
+          <p:cNvSpPr txBox="1"/>
+          <p:nvPr/>
+        </p:nvSpPr>
+        <p:spPr>
+          <a:xfrm>
+            <a:off x="5202172" y="1690061"/>
+            <a:ext cx="6632028" cy="3477875"/>
+          </a:xfrm>
+          <a:prstGeom prst="rect">
+            <a:avLst/>
+          </a:prstGeom>
+          <a:noFill/>
+        </p:spPr>
+        <p:txBody>
+          <a:bodyPr wrap="square" rtlCol="0">
+            <a:spAutoFit/>
+          </a:bodyPr>
+          <a:lstStyle/>
+          <a:p>
+            <a:pPr algn="ctr"/>
+            <a:r>
+              <a:rPr lang="en-US" altLang="ko-KR" sz="4400" dirty="0">
+                <a:solidFill>
+                  <a:schemeClr val="bg1"/>
+                </a:solidFill>
+                <a:latin typeface="08서울남산체 B" panose="02020603020101020101" pitchFamily="18" charset="-127"/>
+                <a:ea typeface="08서울남산체 B" panose="02020603020101020101" pitchFamily="18" charset="-127"/>
+              </a:rPr>
+              <a:t>header</a:t>
+            </a:r>
+          </a:p>
+          <a:p>
+            <a:pPr algn="ctr"/>
+            <a:r>
+              <a:rPr lang="en-US" altLang="ko-KR" sz="4400" dirty="0">
+                <a:solidFill>
+                  <a:schemeClr val="bg1"/>
+                </a:solidFill>
+                <a:latin typeface="08서울남산체 B" panose="02020603020101020101" pitchFamily="18" charset="-127"/>
+                <a:ea typeface="08서울남산체 B" panose="02020603020101020101" pitchFamily="18" charset="-127"/>
+              </a:rPr>
+              <a:t>section</a:t>
+            </a:r>
+          </a:p>
+          <a:p>
+            <a:pPr algn="ctr"/>
+            <a:r>
+              <a:rPr lang="en-US" altLang="ko-KR" sz="4400" dirty="0">
+                <a:solidFill>
+                  <a:schemeClr val="bg1"/>
+                </a:solidFill>
+                <a:latin typeface="08서울남산체 B" panose="02020603020101020101" pitchFamily="18" charset="-127"/>
+                <a:ea typeface="08서울남산체 B" panose="02020603020101020101" pitchFamily="18" charset="-127"/>
+              </a:rPr>
+              <a:t>footer</a:t>
+            </a:r>
+          </a:p>
+          <a:p>
+            <a:pPr algn="ctr"/>
+            <a:r>
+              <a:rPr lang="en-US" altLang="ko-KR" sz="4400" dirty="0">
+                <a:solidFill>
+                  <a:schemeClr val="bg1"/>
+                </a:solidFill>
+                <a:latin typeface="08서울남산체 B" panose="02020603020101020101" pitchFamily="18" charset="-127"/>
+                <a:ea typeface="08서울남산체 B" panose="02020603020101020101" pitchFamily="18" charset="-127"/>
+              </a:rPr>
+              <a:t>article</a:t>
+            </a:r>
+          </a:p>
+          <a:p>
+            <a:pPr algn="ctr"/>
+            <a:r>
+              <a:rPr lang="en-US" altLang="ko-KR" sz="4400" dirty="0">
+                <a:solidFill>
+                  <a:schemeClr val="bg1"/>
+                </a:solidFill>
+                <a:latin typeface="08서울남산체 B" panose="02020603020101020101" pitchFamily="18" charset="-127"/>
+                <a:ea typeface="08서울남산체 B" panose="02020603020101020101" pitchFamily="18" charset="-127"/>
+              </a:rPr>
+              <a:t>nav</a:t>
+            </a:r>
+          </a:p>
+        </p:txBody>
+      </p:sp>
+    </p:spTree>
+    <p:extLst>
+      <p:ext uri="{BB962C8B-B14F-4D97-AF65-F5344CB8AC3E}">
+        <p14:creationId xmlns:p14="http://schemas.microsoft.com/office/powerpoint/2010/main" val="129050905"/>
       </p:ext>
     </p:extLst>
   </p:cSld>
@@ -4754,6 +10011,42 @@
           <a:xfrm>
             <a:off x="0" y="0"/>
             <a:ext cx="12192000" cy="6858000"/>
+          </a:xfrm>
+          <a:prstGeom prst="rect">
+            <a:avLst/>
+          </a:prstGeom>
+        </p:spPr>
+      </p:pic>
+      <p:pic>
+        <p:nvPicPr>
+          <p:cNvPr id="3" name="그림 2">
+            <a:extLst>
+              <a:ext uri="{FF2B5EF4-FFF2-40B4-BE49-F238E27FC236}">
+                <a16:creationId xmlns:a16="http://schemas.microsoft.com/office/drawing/2014/main" id="{EE772BB9-E528-471B-AD70-E6D711DD0E64}"/>
+              </a:ext>
+            </a:extLst>
+          </p:cNvPr>
+          <p:cNvPicPr>
+            <a:picLocks noChangeAspect="1"/>
+          </p:cNvPicPr>
+          <p:nvPr/>
+        </p:nvPicPr>
+        <p:blipFill>
+          <a:blip r:embed="rId3">
+            <a:extLst>
+              <a:ext uri="{28A0092B-C50C-407E-A947-70E740481C1C}">
+                <a14:useLocalDpi xmlns:a14="http://schemas.microsoft.com/office/drawing/2010/main" val="0"/>
+              </a:ext>
+            </a:extLst>
+          </a:blip>
+          <a:stretch>
+            <a:fillRect/>
+          </a:stretch>
+        </p:blipFill>
+        <p:spPr>
+          <a:xfrm>
+            <a:off x="82111" y="6061976"/>
+            <a:ext cx="775846" cy="730942"/>
           </a:xfrm>
           <a:prstGeom prst="rect">
             <a:avLst/>
@@ -4792,10 +10085,10 @@
       </p:grpSpPr>
       <p:pic>
         <p:nvPicPr>
-          <p:cNvPr id="12" name="그림 11">
-            <a:extLst>
-              <a:ext uri="{FF2B5EF4-FFF2-40B4-BE49-F238E27FC236}">
-                <a16:creationId xmlns:a16="http://schemas.microsoft.com/office/drawing/2014/main" id="{F28C4DB2-A7C9-4EB8-A562-51D551C7DBC4}"/>
+          <p:cNvPr id="4" name="그림 3">
+            <a:extLst>
+              <a:ext uri="{FF2B5EF4-FFF2-40B4-BE49-F238E27FC236}">
+                <a16:creationId xmlns:a16="http://schemas.microsoft.com/office/drawing/2014/main" id="{DD581131-3C5E-4531-92CD-851F2F103296}"/>
               </a:ext>
             </a:extLst>
           </p:cNvPr>
@@ -4820,426 +10113,46 @@
           </a:prstGeom>
         </p:spPr>
       </p:pic>
-      <p:sp>
-        <p:nvSpPr>
-          <p:cNvPr id="6" name="직사각형 5">
-            <a:extLst>
-              <a:ext uri="{FF2B5EF4-FFF2-40B4-BE49-F238E27FC236}">
-                <a16:creationId xmlns:a16="http://schemas.microsoft.com/office/drawing/2014/main" id="{EED94F34-ECE3-4A85-A396-45930E39FE8B}"/>
-              </a:ext>
-            </a:extLst>
-          </p:cNvPr>
-          <p:cNvSpPr/>
-          <p:nvPr/>
-        </p:nvSpPr>
-        <p:spPr>
-          <a:xfrm>
-            <a:off x="1170191" y="2063516"/>
-            <a:ext cx="950271" cy="355802"/>
-          </a:xfrm>
-          <a:prstGeom prst="rect">
-            <a:avLst/>
-          </a:prstGeom>
-          <a:noFill/>
-          <a:ln w="31750" cap="rnd">
-            <a:solidFill>
-              <a:srgbClr val="C00000"/>
-            </a:solidFill>
-          </a:ln>
-        </p:spPr>
-        <p:style>
-          <a:lnRef idx="2">
-            <a:schemeClr val="accent1">
-              <a:shade val="50000"/>
-            </a:schemeClr>
-          </a:lnRef>
-          <a:fillRef idx="1">
-            <a:schemeClr val="accent1"/>
-          </a:fillRef>
-          <a:effectRef idx="0">
-            <a:schemeClr val="accent1"/>
-          </a:effectRef>
-          <a:fontRef idx="minor">
-            <a:schemeClr val="lt1"/>
-          </a:fontRef>
-        </p:style>
-        <p:txBody>
-          <a:bodyPr rtlCol="0" anchor="ctr"/>
-          <a:lstStyle/>
-          <a:p>
-            <a:pPr algn="ctr"/>
-            <a:endParaRPr lang="ko-KR" altLang="en-US" dirty="0"/>
-          </a:p>
-        </p:txBody>
-      </p:sp>
-      <p:sp>
-        <p:nvSpPr>
-          <p:cNvPr id="7" name="TextBox 6">
-            <a:extLst>
-              <a:ext uri="{FF2B5EF4-FFF2-40B4-BE49-F238E27FC236}">
-                <a16:creationId xmlns:a16="http://schemas.microsoft.com/office/drawing/2014/main" id="{9EA25C04-CD3E-4FDB-BAD2-B5DD20CAA742}"/>
-              </a:ext>
-            </a:extLst>
-          </p:cNvPr>
-          <p:cNvSpPr txBox="1"/>
-          <p:nvPr/>
-        </p:nvSpPr>
-        <p:spPr>
-          <a:xfrm>
-            <a:off x="6355173" y="3567499"/>
-            <a:ext cx="5987143" cy="369332"/>
-          </a:xfrm>
-          <a:prstGeom prst="rect">
-            <a:avLst/>
-          </a:prstGeom>
-          <a:noFill/>
-        </p:spPr>
-        <p:txBody>
-          <a:bodyPr wrap="square" rtlCol="0">
-            <a:spAutoFit/>
-          </a:bodyPr>
-          <a:lstStyle/>
-          <a:p>
-            <a:r>
-              <a:rPr lang="en-US" altLang="ko-KR" dirty="0" err="1">
-                <a:solidFill>
-                  <a:schemeClr val="bg1"/>
-                </a:solidFill>
-                <a:latin typeface="08서울남산체 B" panose="02020603020101020101" pitchFamily="18" charset="-127"/>
-                <a:ea typeface="08서울남산체 B" panose="02020603020101020101" pitchFamily="18" charset="-127"/>
-              </a:rPr>
-              <a:t>Div</a:t>
-            </a:r>
-            <a:r>
-              <a:rPr lang="en-US" altLang="ko-KR" dirty="0">
-                <a:solidFill>
-                  <a:schemeClr val="bg1"/>
-                </a:solidFill>
-                <a:latin typeface="08서울남산체 B" panose="02020603020101020101" pitchFamily="18" charset="-127"/>
-                <a:ea typeface="08서울남산체 B" panose="02020603020101020101" pitchFamily="18" charset="-127"/>
-              </a:rPr>
-              <a:t> </a:t>
-            </a:r>
-            <a:r>
-              <a:rPr lang="ko-KR" altLang="en-US" dirty="0">
-                <a:solidFill>
-                  <a:schemeClr val="bg1"/>
-                </a:solidFill>
-                <a:latin typeface="08서울남산체 B" panose="02020603020101020101" pitchFamily="18" charset="-127"/>
-                <a:ea typeface="08서울남산체 B" panose="02020603020101020101" pitchFamily="18" charset="-127"/>
-              </a:rPr>
-              <a:t>태그에 </a:t>
-            </a:r>
-            <a:r>
-              <a:rPr lang="en-US" altLang="ko-KR" dirty="0">
-                <a:solidFill>
-                  <a:schemeClr val="bg1"/>
-                </a:solidFill>
-                <a:latin typeface="08서울남산체 B" panose="02020603020101020101" pitchFamily="18" charset="-127"/>
-                <a:ea typeface="08서울남산체 B" panose="02020603020101020101" pitchFamily="18" charset="-127"/>
-              </a:rPr>
-              <a:t>class </a:t>
-            </a:r>
-            <a:r>
-              <a:rPr lang="ko-KR" altLang="en-US" dirty="0">
-                <a:solidFill>
-                  <a:schemeClr val="bg1"/>
-                </a:solidFill>
-                <a:latin typeface="08서울남산체 B" panose="02020603020101020101" pitchFamily="18" charset="-127"/>
-                <a:ea typeface="08서울남산체 B" panose="02020603020101020101" pitchFamily="18" charset="-127"/>
-              </a:rPr>
-              <a:t>값을 </a:t>
-            </a:r>
-            <a:r>
-              <a:rPr lang="en-US" altLang="ko-KR" dirty="0">
-                <a:solidFill>
-                  <a:schemeClr val="bg1"/>
-                </a:solidFill>
-                <a:latin typeface="08서울남산체 B" panose="02020603020101020101" pitchFamily="18" charset="-127"/>
-                <a:ea typeface="08서울남산체 B" panose="02020603020101020101" pitchFamily="18" charset="-127"/>
-              </a:rPr>
-              <a:t>‘Red’</a:t>
-            </a:r>
-            <a:r>
-              <a:rPr lang="ko-KR" altLang="en-US" dirty="0">
-                <a:solidFill>
-                  <a:schemeClr val="bg1"/>
-                </a:solidFill>
-                <a:latin typeface="08서울남산체 B" panose="02020603020101020101" pitchFamily="18" charset="-127"/>
-                <a:ea typeface="08서울남산체 B" panose="02020603020101020101" pitchFamily="18" charset="-127"/>
-              </a:rPr>
-              <a:t>로 지정</a:t>
-            </a:r>
-            <a:endParaRPr lang="en-US" altLang="ko-KR" dirty="0">
-              <a:solidFill>
-                <a:schemeClr val="bg1"/>
-              </a:solidFill>
-              <a:latin typeface="08서울남산체 B" panose="02020603020101020101" pitchFamily="18" charset="-127"/>
-              <a:ea typeface="08서울남산체 B" panose="02020603020101020101" pitchFamily="18" charset="-127"/>
-            </a:endParaRPr>
-          </a:p>
-        </p:txBody>
-      </p:sp>
-      <p:sp>
-        <p:nvSpPr>
-          <p:cNvPr id="8" name="직사각형 7">
-            <a:extLst>
-              <a:ext uri="{FF2B5EF4-FFF2-40B4-BE49-F238E27FC236}">
-                <a16:creationId xmlns:a16="http://schemas.microsoft.com/office/drawing/2014/main" id="{337872A3-FDF0-4118-AD00-436F2273032F}"/>
-              </a:ext>
-            </a:extLst>
-          </p:cNvPr>
-          <p:cNvSpPr/>
-          <p:nvPr/>
-        </p:nvSpPr>
-        <p:spPr>
-          <a:xfrm>
-            <a:off x="2195347" y="2063516"/>
-            <a:ext cx="3900653" cy="355803"/>
-          </a:xfrm>
-          <a:prstGeom prst="rect">
-            <a:avLst/>
-          </a:prstGeom>
-          <a:noFill/>
-          <a:ln w="31750" cap="rnd">
-            <a:solidFill>
-              <a:schemeClr val="accent4"/>
-            </a:solidFill>
-          </a:ln>
-        </p:spPr>
-        <p:style>
-          <a:lnRef idx="2">
-            <a:schemeClr val="accent1">
-              <a:shade val="50000"/>
-            </a:schemeClr>
-          </a:lnRef>
-          <a:fillRef idx="1">
-            <a:schemeClr val="accent1"/>
-          </a:fillRef>
-          <a:effectRef idx="0">
-            <a:schemeClr val="accent1"/>
-          </a:effectRef>
-          <a:fontRef idx="minor">
-            <a:schemeClr val="lt1"/>
-          </a:fontRef>
-        </p:style>
-        <p:txBody>
-          <a:bodyPr rtlCol="0" anchor="ctr"/>
-          <a:lstStyle/>
-          <a:p>
-            <a:pPr algn="ctr"/>
-            <a:endParaRPr lang="ko-KR" altLang="en-US" dirty="0"/>
-          </a:p>
-        </p:txBody>
-      </p:sp>
-      <p:sp>
-        <p:nvSpPr>
-          <p:cNvPr id="9" name="직사각형 8">
-            <a:extLst>
-              <a:ext uri="{FF2B5EF4-FFF2-40B4-BE49-F238E27FC236}">
-                <a16:creationId xmlns:a16="http://schemas.microsoft.com/office/drawing/2014/main" id="{AA0C6C13-D195-491F-AEF3-35AEBB42B56F}"/>
-              </a:ext>
-            </a:extLst>
-          </p:cNvPr>
-          <p:cNvSpPr/>
-          <p:nvPr/>
-        </p:nvSpPr>
-        <p:spPr>
-          <a:xfrm>
-            <a:off x="5598368" y="3574264"/>
-            <a:ext cx="606489" cy="355802"/>
-          </a:xfrm>
-          <a:prstGeom prst="rect">
-            <a:avLst/>
-          </a:prstGeom>
-          <a:noFill/>
-          <a:ln w="31750" cap="rnd">
-            <a:solidFill>
-              <a:srgbClr val="C00000"/>
-            </a:solidFill>
-          </a:ln>
-        </p:spPr>
-        <p:style>
-          <a:lnRef idx="2">
-            <a:schemeClr val="accent1">
-              <a:shade val="50000"/>
-            </a:schemeClr>
-          </a:lnRef>
-          <a:fillRef idx="1">
-            <a:schemeClr val="accent1"/>
-          </a:fillRef>
-          <a:effectRef idx="0">
-            <a:schemeClr val="accent1"/>
-          </a:effectRef>
-          <a:fontRef idx="minor">
-            <a:schemeClr val="lt1"/>
-          </a:fontRef>
-        </p:style>
-        <p:txBody>
-          <a:bodyPr rtlCol="0" anchor="ctr"/>
-          <a:lstStyle/>
-          <a:p>
-            <a:pPr algn="ctr"/>
-            <a:endParaRPr lang="ko-KR" altLang="en-US" dirty="0"/>
-          </a:p>
-        </p:txBody>
-      </p:sp>
-      <p:sp>
-        <p:nvSpPr>
-          <p:cNvPr id="10" name="직사각형 9">
-            <a:extLst>
-              <a:ext uri="{FF2B5EF4-FFF2-40B4-BE49-F238E27FC236}">
-                <a16:creationId xmlns:a16="http://schemas.microsoft.com/office/drawing/2014/main" id="{C5382440-2499-48CF-8894-D114957F364E}"/>
-              </a:ext>
-            </a:extLst>
-          </p:cNvPr>
-          <p:cNvSpPr/>
-          <p:nvPr/>
-        </p:nvSpPr>
-        <p:spPr>
-          <a:xfrm>
-            <a:off x="5598368" y="4482835"/>
-            <a:ext cx="606489" cy="355803"/>
-          </a:xfrm>
-          <a:prstGeom prst="rect">
-            <a:avLst/>
-          </a:prstGeom>
-          <a:noFill/>
-          <a:ln w="31750" cap="rnd">
-            <a:solidFill>
-              <a:schemeClr val="accent4"/>
-            </a:solidFill>
-          </a:ln>
-        </p:spPr>
-        <p:style>
-          <a:lnRef idx="2">
-            <a:schemeClr val="accent1">
-              <a:shade val="50000"/>
-            </a:schemeClr>
-          </a:lnRef>
-          <a:fillRef idx="1">
-            <a:schemeClr val="accent1"/>
-          </a:fillRef>
-          <a:effectRef idx="0">
-            <a:schemeClr val="accent1"/>
-          </a:effectRef>
-          <a:fontRef idx="minor">
-            <a:schemeClr val="lt1"/>
-          </a:fontRef>
-        </p:style>
-        <p:txBody>
-          <a:bodyPr rtlCol="0" anchor="ctr"/>
-          <a:lstStyle/>
-          <a:p>
-            <a:pPr algn="ctr"/>
-            <a:endParaRPr lang="ko-KR" altLang="en-US" dirty="0"/>
-          </a:p>
-        </p:txBody>
-      </p:sp>
-      <p:sp>
-        <p:nvSpPr>
-          <p:cNvPr id="11" name="TextBox 10">
-            <a:extLst>
-              <a:ext uri="{FF2B5EF4-FFF2-40B4-BE49-F238E27FC236}">
-                <a16:creationId xmlns:a16="http://schemas.microsoft.com/office/drawing/2014/main" id="{F53595A2-24E3-43CD-913D-9A38286D22F0}"/>
-              </a:ext>
-            </a:extLst>
-          </p:cNvPr>
-          <p:cNvSpPr txBox="1"/>
-          <p:nvPr/>
-        </p:nvSpPr>
-        <p:spPr>
-          <a:xfrm>
-            <a:off x="6355173" y="4337570"/>
-            <a:ext cx="5987143" cy="646331"/>
-          </a:xfrm>
-          <a:prstGeom prst="rect">
-            <a:avLst/>
-          </a:prstGeom>
-          <a:noFill/>
-        </p:spPr>
-        <p:txBody>
-          <a:bodyPr wrap="square" rtlCol="0">
-            <a:spAutoFit/>
-          </a:bodyPr>
-          <a:lstStyle/>
-          <a:p>
-            <a:r>
-              <a:rPr lang="ko-KR" altLang="en-US" dirty="0">
-                <a:solidFill>
-                  <a:schemeClr val="bg1"/>
-                </a:solidFill>
-                <a:latin typeface="08서울남산체 B" panose="02020603020101020101" pitchFamily="18" charset="-127"/>
-                <a:ea typeface="08서울남산체 B" panose="02020603020101020101" pitchFamily="18" charset="-127"/>
-              </a:rPr>
-              <a:t>스타일을 지정해주는 코드</a:t>
-            </a:r>
-            <a:endParaRPr lang="en-US" altLang="ko-KR" dirty="0">
-              <a:solidFill>
-                <a:schemeClr val="bg1"/>
-              </a:solidFill>
-              <a:latin typeface="08서울남산체 B" panose="02020603020101020101" pitchFamily="18" charset="-127"/>
-              <a:ea typeface="08서울남산체 B" panose="02020603020101020101" pitchFamily="18" charset="-127"/>
-            </a:endParaRPr>
-          </a:p>
-          <a:p>
-            <a:r>
-              <a:rPr lang="ko-KR" altLang="en-US" dirty="0">
-                <a:solidFill>
-                  <a:schemeClr val="bg1"/>
-                </a:solidFill>
-                <a:latin typeface="08서울남산체 B" panose="02020603020101020101" pitchFamily="18" charset="-127"/>
-                <a:ea typeface="08서울남산체 B" panose="02020603020101020101" pitchFamily="18" charset="-127"/>
-              </a:rPr>
-              <a:t>배경 색을 빨간색으로</a:t>
-            </a:r>
-            <a:r>
-              <a:rPr lang="en-US" altLang="ko-KR" dirty="0">
-                <a:solidFill>
-                  <a:schemeClr val="bg1"/>
-                </a:solidFill>
-                <a:latin typeface="08서울남산체 B" panose="02020603020101020101" pitchFamily="18" charset="-127"/>
-                <a:ea typeface="08서울남산체 B" panose="02020603020101020101" pitchFamily="18" charset="-127"/>
-              </a:rPr>
-              <a:t>,</a:t>
-            </a:r>
-            <a:r>
-              <a:rPr lang="ko-KR" altLang="en-US" dirty="0">
-                <a:solidFill>
-                  <a:schemeClr val="bg1"/>
-                </a:solidFill>
-                <a:latin typeface="08서울남산체 B" panose="02020603020101020101" pitchFamily="18" charset="-127"/>
-                <a:ea typeface="08서울남산체 B" panose="02020603020101020101" pitchFamily="18" charset="-127"/>
-              </a:rPr>
-              <a:t> 높이를 </a:t>
-            </a:r>
-            <a:r>
-              <a:rPr lang="en-US" altLang="ko-KR" dirty="0">
-                <a:solidFill>
-                  <a:schemeClr val="bg1"/>
-                </a:solidFill>
-                <a:latin typeface="08서울남산체 B" panose="02020603020101020101" pitchFamily="18" charset="-127"/>
-                <a:ea typeface="08서울남산체 B" panose="02020603020101020101" pitchFamily="18" charset="-127"/>
-              </a:rPr>
-              <a:t>100px</a:t>
-            </a:r>
-            <a:r>
-              <a:rPr lang="ko-KR" altLang="en-US" dirty="0">
-                <a:solidFill>
-                  <a:schemeClr val="bg1"/>
-                </a:solidFill>
-                <a:latin typeface="08서울남산체 B" panose="02020603020101020101" pitchFamily="18" charset="-127"/>
-                <a:ea typeface="08서울남산체 B" panose="02020603020101020101" pitchFamily="18" charset="-127"/>
-              </a:rPr>
-              <a:t>로 지정</a:t>
-            </a:r>
-          </a:p>
-        </p:txBody>
-      </p:sp>
+      <p:pic>
+        <p:nvPicPr>
+          <p:cNvPr id="11" name="그림 10">
+            <a:extLst>
+              <a:ext uri="{FF2B5EF4-FFF2-40B4-BE49-F238E27FC236}">
+                <a16:creationId xmlns:a16="http://schemas.microsoft.com/office/drawing/2014/main" id="{D2D27A80-D67D-45AD-8308-D80BB0A11D3A}"/>
+              </a:ext>
+            </a:extLst>
+          </p:cNvPr>
+          <p:cNvPicPr>
+            <a:picLocks noChangeAspect="1"/>
+          </p:cNvPicPr>
+          <p:nvPr/>
+        </p:nvPicPr>
+        <p:blipFill>
+          <a:blip r:embed="rId3">
+            <a:extLst>
+              <a:ext uri="{28A0092B-C50C-407E-A947-70E740481C1C}">
+                <a14:useLocalDpi xmlns:a14="http://schemas.microsoft.com/office/drawing/2010/main" val="0"/>
+              </a:ext>
+            </a:extLst>
+          </a:blip>
+          <a:stretch>
+            <a:fillRect/>
+          </a:stretch>
+        </p:blipFill>
+        <p:spPr>
+          <a:xfrm>
+            <a:off x="82111" y="6061976"/>
+            <a:ext cx="775846" cy="730942"/>
+          </a:xfrm>
+          <a:prstGeom prst="rect">
+            <a:avLst/>
+          </a:prstGeom>
+        </p:spPr>
+      </p:pic>
     </p:spTree>
     <p:extLst>
       <p:ext uri="{BB962C8B-B14F-4D97-AF65-F5344CB8AC3E}">
-        <p14:creationId xmlns:p14="http://schemas.microsoft.com/office/powerpoint/2010/main" val="1131437886"/>
+        <p14:creationId xmlns:p14="http://schemas.microsoft.com/office/powerpoint/2010/main" val="4181795630"/>
       </p:ext>
     </p:extLst>
   </p:cSld>
@@ -5268,10 +10181,10 @@
       </p:grpSpPr>
       <p:pic>
         <p:nvPicPr>
-          <p:cNvPr id="4" name="그림 3">
-            <a:extLst>
-              <a:ext uri="{FF2B5EF4-FFF2-40B4-BE49-F238E27FC236}">
-                <a16:creationId xmlns:a16="http://schemas.microsoft.com/office/drawing/2014/main" id="{CAC04DA0-2836-410B-8DE6-6398FBD34A51}"/>
+          <p:cNvPr id="12" name="그림 11">
+            <a:extLst>
+              <a:ext uri="{FF2B5EF4-FFF2-40B4-BE49-F238E27FC236}">
+                <a16:creationId xmlns:a16="http://schemas.microsoft.com/office/drawing/2014/main" id="{F28C4DB2-A7C9-4EB8-A562-51D551C7DBC4}"/>
               </a:ext>
             </a:extLst>
           </p:cNvPr>
@@ -5296,10 +10209,462 @@
           </a:prstGeom>
         </p:spPr>
       </p:pic>
+      <p:sp>
+        <p:nvSpPr>
+          <p:cNvPr id="6" name="직사각형 5">
+            <a:extLst>
+              <a:ext uri="{FF2B5EF4-FFF2-40B4-BE49-F238E27FC236}">
+                <a16:creationId xmlns:a16="http://schemas.microsoft.com/office/drawing/2014/main" id="{EED94F34-ECE3-4A85-A396-45930E39FE8B}"/>
+              </a:ext>
+            </a:extLst>
+          </p:cNvPr>
+          <p:cNvSpPr/>
+          <p:nvPr/>
+        </p:nvSpPr>
+        <p:spPr>
+          <a:xfrm>
+            <a:off x="1170191" y="2063516"/>
+            <a:ext cx="950271" cy="355802"/>
+          </a:xfrm>
+          <a:prstGeom prst="rect">
+            <a:avLst/>
+          </a:prstGeom>
+          <a:noFill/>
+          <a:ln w="31750" cap="rnd">
+            <a:solidFill>
+              <a:srgbClr val="C00000"/>
+            </a:solidFill>
+          </a:ln>
+        </p:spPr>
+        <p:style>
+          <a:lnRef idx="2">
+            <a:schemeClr val="accent1">
+              <a:shade val="50000"/>
+            </a:schemeClr>
+          </a:lnRef>
+          <a:fillRef idx="1">
+            <a:schemeClr val="accent1"/>
+          </a:fillRef>
+          <a:effectRef idx="0">
+            <a:schemeClr val="accent1"/>
+          </a:effectRef>
+          <a:fontRef idx="minor">
+            <a:schemeClr val="lt1"/>
+          </a:fontRef>
+        </p:style>
+        <p:txBody>
+          <a:bodyPr rtlCol="0" anchor="ctr"/>
+          <a:lstStyle/>
+          <a:p>
+            <a:pPr algn="ctr"/>
+            <a:endParaRPr lang="ko-KR" altLang="en-US" dirty="0"/>
+          </a:p>
+        </p:txBody>
+      </p:sp>
+      <p:sp>
+        <p:nvSpPr>
+          <p:cNvPr id="7" name="TextBox 6">
+            <a:extLst>
+              <a:ext uri="{FF2B5EF4-FFF2-40B4-BE49-F238E27FC236}">
+                <a16:creationId xmlns:a16="http://schemas.microsoft.com/office/drawing/2014/main" id="{9EA25C04-CD3E-4FDB-BAD2-B5DD20CAA742}"/>
+              </a:ext>
+            </a:extLst>
+          </p:cNvPr>
+          <p:cNvSpPr txBox="1"/>
+          <p:nvPr/>
+        </p:nvSpPr>
+        <p:spPr>
+          <a:xfrm>
+            <a:off x="6355173" y="3567499"/>
+            <a:ext cx="5987143" cy="369332"/>
+          </a:xfrm>
+          <a:prstGeom prst="rect">
+            <a:avLst/>
+          </a:prstGeom>
+          <a:noFill/>
+        </p:spPr>
+        <p:txBody>
+          <a:bodyPr wrap="square" rtlCol="0">
+            <a:spAutoFit/>
+          </a:bodyPr>
+          <a:lstStyle/>
+          <a:p>
+            <a:r>
+              <a:rPr lang="en-US" altLang="ko-KR" dirty="0" err="1">
+                <a:solidFill>
+                  <a:schemeClr val="bg1"/>
+                </a:solidFill>
+                <a:latin typeface="08서울남산체 B" panose="02020603020101020101" pitchFamily="18" charset="-127"/>
+                <a:ea typeface="08서울남산체 B" panose="02020603020101020101" pitchFamily="18" charset="-127"/>
+              </a:rPr>
+              <a:t>Div</a:t>
+            </a:r>
+            <a:r>
+              <a:rPr lang="en-US" altLang="ko-KR" dirty="0">
+                <a:solidFill>
+                  <a:schemeClr val="bg1"/>
+                </a:solidFill>
+                <a:latin typeface="08서울남산체 B" panose="02020603020101020101" pitchFamily="18" charset="-127"/>
+                <a:ea typeface="08서울남산체 B" panose="02020603020101020101" pitchFamily="18" charset="-127"/>
+              </a:rPr>
+              <a:t> </a:t>
+            </a:r>
+            <a:r>
+              <a:rPr lang="ko-KR" altLang="en-US" dirty="0">
+                <a:solidFill>
+                  <a:schemeClr val="bg1"/>
+                </a:solidFill>
+                <a:latin typeface="08서울남산체 B" panose="02020603020101020101" pitchFamily="18" charset="-127"/>
+                <a:ea typeface="08서울남산체 B" panose="02020603020101020101" pitchFamily="18" charset="-127"/>
+              </a:rPr>
+              <a:t>태그에 </a:t>
+            </a:r>
+            <a:r>
+              <a:rPr lang="en-US" altLang="ko-KR" dirty="0">
+                <a:solidFill>
+                  <a:schemeClr val="bg1"/>
+                </a:solidFill>
+                <a:latin typeface="08서울남산체 B" panose="02020603020101020101" pitchFamily="18" charset="-127"/>
+                <a:ea typeface="08서울남산체 B" panose="02020603020101020101" pitchFamily="18" charset="-127"/>
+              </a:rPr>
+              <a:t>class </a:t>
+            </a:r>
+            <a:r>
+              <a:rPr lang="ko-KR" altLang="en-US" dirty="0">
+                <a:solidFill>
+                  <a:schemeClr val="bg1"/>
+                </a:solidFill>
+                <a:latin typeface="08서울남산체 B" panose="02020603020101020101" pitchFamily="18" charset="-127"/>
+                <a:ea typeface="08서울남산체 B" panose="02020603020101020101" pitchFamily="18" charset="-127"/>
+              </a:rPr>
+              <a:t>값을 </a:t>
+            </a:r>
+            <a:r>
+              <a:rPr lang="en-US" altLang="ko-KR" dirty="0">
+                <a:solidFill>
+                  <a:schemeClr val="bg1"/>
+                </a:solidFill>
+                <a:latin typeface="08서울남산체 B" panose="02020603020101020101" pitchFamily="18" charset="-127"/>
+                <a:ea typeface="08서울남산체 B" panose="02020603020101020101" pitchFamily="18" charset="-127"/>
+              </a:rPr>
+              <a:t>‘Red’</a:t>
+            </a:r>
+            <a:r>
+              <a:rPr lang="ko-KR" altLang="en-US" dirty="0">
+                <a:solidFill>
+                  <a:schemeClr val="bg1"/>
+                </a:solidFill>
+                <a:latin typeface="08서울남산체 B" panose="02020603020101020101" pitchFamily="18" charset="-127"/>
+                <a:ea typeface="08서울남산체 B" panose="02020603020101020101" pitchFamily="18" charset="-127"/>
+              </a:rPr>
+              <a:t>로 지정</a:t>
+            </a:r>
+            <a:endParaRPr lang="en-US" altLang="ko-KR" dirty="0">
+              <a:solidFill>
+                <a:schemeClr val="bg1"/>
+              </a:solidFill>
+              <a:latin typeface="08서울남산체 B" panose="02020603020101020101" pitchFamily="18" charset="-127"/>
+              <a:ea typeface="08서울남산체 B" panose="02020603020101020101" pitchFamily="18" charset="-127"/>
+            </a:endParaRPr>
+          </a:p>
+        </p:txBody>
+      </p:sp>
+      <p:sp>
+        <p:nvSpPr>
+          <p:cNvPr id="8" name="직사각형 7">
+            <a:extLst>
+              <a:ext uri="{FF2B5EF4-FFF2-40B4-BE49-F238E27FC236}">
+                <a16:creationId xmlns:a16="http://schemas.microsoft.com/office/drawing/2014/main" id="{337872A3-FDF0-4118-AD00-436F2273032F}"/>
+              </a:ext>
+            </a:extLst>
+          </p:cNvPr>
+          <p:cNvSpPr/>
+          <p:nvPr/>
+        </p:nvSpPr>
+        <p:spPr>
+          <a:xfrm>
+            <a:off x="2195347" y="2063516"/>
+            <a:ext cx="3900653" cy="355803"/>
+          </a:xfrm>
+          <a:prstGeom prst="rect">
+            <a:avLst/>
+          </a:prstGeom>
+          <a:noFill/>
+          <a:ln w="31750" cap="rnd">
+            <a:solidFill>
+              <a:schemeClr val="accent4"/>
+            </a:solidFill>
+          </a:ln>
+        </p:spPr>
+        <p:style>
+          <a:lnRef idx="2">
+            <a:schemeClr val="accent1">
+              <a:shade val="50000"/>
+            </a:schemeClr>
+          </a:lnRef>
+          <a:fillRef idx="1">
+            <a:schemeClr val="accent1"/>
+          </a:fillRef>
+          <a:effectRef idx="0">
+            <a:schemeClr val="accent1"/>
+          </a:effectRef>
+          <a:fontRef idx="minor">
+            <a:schemeClr val="lt1"/>
+          </a:fontRef>
+        </p:style>
+        <p:txBody>
+          <a:bodyPr rtlCol="0" anchor="ctr"/>
+          <a:lstStyle/>
+          <a:p>
+            <a:pPr algn="ctr"/>
+            <a:endParaRPr lang="ko-KR" altLang="en-US" dirty="0"/>
+          </a:p>
+        </p:txBody>
+      </p:sp>
+      <p:sp>
+        <p:nvSpPr>
+          <p:cNvPr id="9" name="직사각형 8">
+            <a:extLst>
+              <a:ext uri="{FF2B5EF4-FFF2-40B4-BE49-F238E27FC236}">
+                <a16:creationId xmlns:a16="http://schemas.microsoft.com/office/drawing/2014/main" id="{AA0C6C13-D195-491F-AEF3-35AEBB42B56F}"/>
+              </a:ext>
+            </a:extLst>
+          </p:cNvPr>
+          <p:cNvSpPr/>
+          <p:nvPr/>
+        </p:nvSpPr>
+        <p:spPr>
+          <a:xfrm>
+            <a:off x="5598368" y="3574264"/>
+            <a:ext cx="606489" cy="355802"/>
+          </a:xfrm>
+          <a:prstGeom prst="rect">
+            <a:avLst/>
+          </a:prstGeom>
+          <a:noFill/>
+          <a:ln w="31750" cap="rnd">
+            <a:solidFill>
+              <a:srgbClr val="C00000"/>
+            </a:solidFill>
+          </a:ln>
+        </p:spPr>
+        <p:style>
+          <a:lnRef idx="2">
+            <a:schemeClr val="accent1">
+              <a:shade val="50000"/>
+            </a:schemeClr>
+          </a:lnRef>
+          <a:fillRef idx="1">
+            <a:schemeClr val="accent1"/>
+          </a:fillRef>
+          <a:effectRef idx="0">
+            <a:schemeClr val="accent1"/>
+          </a:effectRef>
+          <a:fontRef idx="minor">
+            <a:schemeClr val="lt1"/>
+          </a:fontRef>
+        </p:style>
+        <p:txBody>
+          <a:bodyPr rtlCol="0" anchor="ctr"/>
+          <a:lstStyle/>
+          <a:p>
+            <a:pPr algn="ctr"/>
+            <a:endParaRPr lang="ko-KR" altLang="en-US" dirty="0"/>
+          </a:p>
+        </p:txBody>
+      </p:sp>
+      <p:sp>
+        <p:nvSpPr>
+          <p:cNvPr id="10" name="직사각형 9">
+            <a:extLst>
+              <a:ext uri="{FF2B5EF4-FFF2-40B4-BE49-F238E27FC236}">
+                <a16:creationId xmlns:a16="http://schemas.microsoft.com/office/drawing/2014/main" id="{C5382440-2499-48CF-8894-D114957F364E}"/>
+              </a:ext>
+            </a:extLst>
+          </p:cNvPr>
+          <p:cNvSpPr/>
+          <p:nvPr/>
+        </p:nvSpPr>
+        <p:spPr>
+          <a:xfrm>
+            <a:off x="5598368" y="4482835"/>
+            <a:ext cx="606489" cy="355803"/>
+          </a:xfrm>
+          <a:prstGeom prst="rect">
+            <a:avLst/>
+          </a:prstGeom>
+          <a:noFill/>
+          <a:ln w="31750" cap="rnd">
+            <a:solidFill>
+              <a:schemeClr val="accent4"/>
+            </a:solidFill>
+          </a:ln>
+        </p:spPr>
+        <p:style>
+          <a:lnRef idx="2">
+            <a:schemeClr val="accent1">
+              <a:shade val="50000"/>
+            </a:schemeClr>
+          </a:lnRef>
+          <a:fillRef idx="1">
+            <a:schemeClr val="accent1"/>
+          </a:fillRef>
+          <a:effectRef idx="0">
+            <a:schemeClr val="accent1"/>
+          </a:effectRef>
+          <a:fontRef idx="minor">
+            <a:schemeClr val="lt1"/>
+          </a:fontRef>
+        </p:style>
+        <p:txBody>
+          <a:bodyPr rtlCol="0" anchor="ctr"/>
+          <a:lstStyle/>
+          <a:p>
+            <a:pPr algn="ctr"/>
+            <a:endParaRPr lang="ko-KR" altLang="en-US" dirty="0"/>
+          </a:p>
+        </p:txBody>
+      </p:sp>
+      <p:sp>
+        <p:nvSpPr>
+          <p:cNvPr id="11" name="TextBox 10">
+            <a:extLst>
+              <a:ext uri="{FF2B5EF4-FFF2-40B4-BE49-F238E27FC236}">
+                <a16:creationId xmlns:a16="http://schemas.microsoft.com/office/drawing/2014/main" id="{F53595A2-24E3-43CD-913D-9A38286D22F0}"/>
+              </a:ext>
+            </a:extLst>
+          </p:cNvPr>
+          <p:cNvSpPr txBox="1"/>
+          <p:nvPr/>
+        </p:nvSpPr>
+        <p:spPr>
+          <a:xfrm>
+            <a:off x="6355173" y="4337570"/>
+            <a:ext cx="5987143" cy="646331"/>
+          </a:xfrm>
+          <a:prstGeom prst="rect">
+            <a:avLst/>
+          </a:prstGeom>
+          <a:noFill/>
+        </p:spPr>
+        <p:txBody>
+          <a:bodyPr wrap="square" rtlCol="0">
+            <a:spAutoFit/>
+          </a:bodyPr>
+          <a:lstStyle/>
+          <a:p>
+            <a:r>
+              <a:rPr lang="ko-KR" altLang="en-US" dirty="0">
+                <a:solidFill>
+                  <a:schemeClr val="bg1"/>
+                </a:solidFill>
+                <a:latin typeface="08서울남산체 B" panose="02020603020101020101" pitchFamily="18" charset="-127"/>
+                <a:ea typeface="08서울남산체 B" panose="02020603020101020101" pitchFamily="18" charset="-127"/>
+              </a:rPr>
+              <a:t>스타일을 지정해주는 코드</a:t>
+            </a:r>
+            <a:endParaRPr lang="en-US" altLang="ko-KR" dirty="0">
+              <a:solidFill>
+                <a:schemeClr val="bg1"/>
+              </a:solidFill>
+              <a:latin typeface="08서울남산체 B" panose="02020603020101020101" pitchFamily="18" charset="-127"/>
+              <a:ea typeface="08서울남산체 B" panose="02020603020101020101" pitchFamily="18" charset="-127"/>
+            </a:endParaRPr>
+          </a:p>
+          <a:p>
+            <a:r>
+              <a:rPr lang="ko-KR" altLang="en-US" dirty="0">
+                <a:solidFill>
+                  <a:schemeClr val="bg1"/>
+                </a:solidFill>
+                <a:latin typeface="08서울남산체 B" panose="02020603020101020101" pitchFamily="18" charset="-127"/>
+                <a:ea typeface="08서울남산체 B" panose="02020603020101020101" pitchFamily="18" charset="-127"/>
+              </a:rPr>
+              <a:t>배경 색을 빨간색으로</a:t>
+            </a:r>
+            <a:r>
+              <a:rPr lang="en-US" altLang="ko-KR" dirty="0">
+                <a:solidFill>
+                  <a:schemeClr val="bg1"/>
+                </a:solidFill>
+                <a:latin typeface="08서울남산체 B" panose="02020603020101020101" pitchFamily="18" charset="-127"/>
+                <a:ea typeface="08서울남산체 B" panose="02020603020101020101" pitchFamily="18" charset="-127"/>
+              </a:rPr>
+              <a:t>,</a:t>
+            </a:r>
+            <a:r>
+              <a:rPr lang="ko-KR" altLang="en-US" dirty="0">
+                <a:solidFill>
+                  <a:schemeClr val="bg1"/>
+                </a:solidFill>
+                <a:latin typeface="08서울남산체 B" panose="02020603020101020101" pitchFamily="18" charset="-127"/>
+                <a:ea typeface="08서울남산체 B" panose="02020603020101020101" pitchFamily="18" charset="-127"/>
+              </a:rPr>
+              <a:t> 높이를 </a:t>
+            </a:r>
+            <a:r>
+              <a:rPr lang="en-US" altLang="ko-KR" dirty="0">
+                <a:solidFill>
+                  <a:schemeClr val="bg1"/>
+                </a:solidFill>
+                <a:latin typeface="08서울남산체 B" panose="02020603020101020101" pitchFamily="18" charset="-127"/>
+                <a:ea typeface="08서울남산체 B" panose="02020603020101020101" pitchFamily="18" charset="-127"/>
+              </a:rPr>
+              <a:t>100px</a:t>
+            </a:r>
+            <a:r>
+              <a:rPr lang="ko-KR" altLang="en-US" dirty="0">
+                <a:solidFill>
+                  <a:schemeClr val="bg1"/>
+                </a:solidFill>
+                <a:latin typeface="08서울남산체 B" panose="02020603020101020101" pitchFamily="18" charset="-127"/>
+                <a:ea typeface="08서울남산체 B" panose="02020603020101020101" pitchFamily="18" charset="-127"/>
+              </a:rPr>
+              <a:t>로 지정</a:t>
+            </a:r>
+          </a:p>
+        </p:txBody>
+      </p:sp>
+      <p:pic>
+        <p:nvPicPr>
+          <p:cNvPr id="13" name="그림 12">
+            <a:extLst>
+              <a:ext uri="{FF2B5EF4-FFF2-40B4-BE49-F238E27FC236}">
+                <a16:creationId xmlns:a16="http://schemas.microsoft.com/office/drawing/2014/main" id="{2FA2FCB0-831D-4332-A3C1-E7AC8E1126B3}"/>
+              </a:ext>
+            </a:extLst>
+          </p:cNvPr>
+          <p:cNvPicPr>
+            <a:picLocks noChangeAspect="1"/>
+          </p:cNvPicPr>
+          <p:nvPr/>
+        </p:nvPicPr>
+        <p:blipFill>
+          <a:blip r:embed="rId3">
+            <a:extLst>
+              <a:ext uri="{28A0092B-C50C-407E-A947-70E740481C1C}">
+                <a14:useLocalDpi xmlns:a14="http://schemas.microsoft.com/office/drawing/2010/main" val="0"/>
+              </a:ext>
+            </a:extLst>
+          </a:blip>
+          <a:stretch>
+            <a:fillRect/>
+          </a:stretch>
+        </p:blipFill>
+        <p:spPr>
+          <a:xfrm>
+            <a:off x="82111" y="6061976"/>
+            <a:ext cx="775846" cy="730942"/>
+          </a:xfrm>
+          <a:prstGeom prst="rect">
+            <a:avLst/>
+          </a:prstGeom>
+        </p:spPr>
+      </p:pic>
     </p:spTree>
     <p:extLst>
       <p:ext uri="{BB962C8B-B14F-4D97-AF65-F5344CB8AC3E}">
-        <p14:creationId xmlns:p14="http://schemas.microsoft.com/office/powerpoint/2010/main" val="3645820976"/>
+        <p14:creationId xmlns:p14="http://schemas.microsoft.com/office/powerpoint/2010/main" val="1131437886"/>
       </p:ext>
     </p:extLst>
   </p:cSld>
@@ -5328,58 +10693,185 @@
       </p:grpSpPr>
       <p:sp>
         <p:nvSpPr>
-          <p:cNvPr id="2" name="제목 1">
-            <a:extLst>
-              <a:ext uri="{FF2B5EF4-FFF2-40B4-BE49-F238E27FC236}">
-                <a16:creationId xmlns:a16="http://schemas.microsoft.com/office/drawing/2014/main" id="{FEA1D6C5-7A61-4212-8088-51C69DA1D72A}"/>
-              </a:ext>
-            </a:extLst>
-          </p:cNvPr>
-          <p:cNvSpPr>
-            <a:spLocks noGrp="1"/>
-          </p:cNvSpPr>
-          <p:nvPr>
-            <p:ph type="title"/>
-          </p:nvPr>
-        </p:nvSpPr>
-        <p:spPr/>
-        <p:txBody>
-          <a:bodyPr/>
-          <a:lstStyle/>
-          <a:p>
-            <a:endParaRPr lang="ko-KR" altLang="en-US"/>
-          </a:p>
-        </p:txBody>
-      </p:sp>
-      <p:sp>
-        <p:nvSpPr>
-          <p:cNvPr id="3" name="내용 개체 틀 2">
-            <a:extLst>
-              <a:ext uri="{FF2B5EF4-FFF2-40B4-BE49-F238E27FC236}">
-                <a16:creationId xmlns:a16="http://schemas.microsoft.com/office/drawing/2014/main" id="{62957385-A22B-46E1-B42F-077E2A6FAE38}"/>
-              </a:ext>
-            </a:extLst>
-          </p:cNvPr>
-          <p:cNvSpPr>
-            <a:spLocks noGrp="1"/>
-          </p:cNvSpPr>
-          <p:nvPr>
-            <p:ph idx="1"/>
-          </p:nvPr>
-        </p:nvSpPr>
-        <p:spPr/>
-        <p:txBody>
-          <a:bodyPr/>
-          <a:lstStyle/>
-          <a:p>
-            <a:endParaRPr lang="ko-KR" altLang="en-US"/>
+          <p:cNvPr id="4" name="TextBox 3">
+            <a:extLst>
+              <a:ext uri="{FF2B5EF4-FFF2-40B4-BE49-F238E27FC236}">
+                <a16:creationId xmlns:a16="http://schemas.microsoft.com/office/drawing/2014/main" id="{88D7F4C4-1F83-4D04-BFAE-9ABF469EA731}"/>
+              </a:ext>
+            </a:extLst>
+          </p:cNvPr>
+          <p:cNvSpPr txBox="1"/>
+          <p:nvPr/>
+        </p:nvSpPr>
+        <p:spPr>
+          <a:xfrm>
+            <a:off x="2662334" y="1741667"/>
+            <a:ext cx="6867331" cy="1569660"/>
+          </a:xfrm>
+          <a:prstGeom prst="rect">
+            <a:avLst/>
+          </a:prstGeom>
+          <a:noFill/>
+        </p:spPr>
+        <p:txBody>
+          <a:bodyPr wrap="square" rtlCol="0">
+            <a:spAutoFit/>
+          </a:bodyPr>
+          <a:lstStyle/>
+          <a:p>
+            <a:pPr algn="ctr"/>
+            <a:r>
+              <a:rPr lang="en-US" altLang="ko-KR" sz="9600" dirty="0">
+                <a:solidFill>
+                  <a:schemeClr val="bg1"/>
+                </a:solidFill>
+                <a:latin typeface="08서울남산체 B" panose="02020603020101020101" pitchFamily="18" charset="-127"/>
+                <a:ea typeface="08서울남산체 B" panose="02020603020101020101" pitchFamily="18" charset="-127"/>
+              </a:rPr>
+              <a:t>CSS</a:t>
+            </a:r>
+            <a:endParaRPr lang="ko-KR" altLang="en-US" sz="9600" dirty="0">
+              <a:solidFill>
+                <a:schemeClr val="bg1"/>
+              </a:solidFill>
+              <a:latin typeface="08서울남산체 B" panose="02020603020101020101" pitchFamily="18" charset="-127"/>
+              <a:ea typeface="08서울남산체 B" panose="02020603020101020101" pitchFamily="18" charset="-127"/>
+            </a:endParaRPr>
+          </a:p>
+        </p:txBody>
+      </p:sp>
+      <p:pic>
+        <p:nvPicPr>
+          <p:cNvPr id="5" name="그림 4">
+            <a:extLst>
+              <a:ext uri="{FF2B5EF4-FFF2-40B4-BE49-F238E27FC236}">
+                <a16:creationId xmlns:a16="http://schemas.microsoft.com/office/drawing/2014/main" id="{FEEA24C8-45E9-4DA8-8A98-B66CD1E81C60}"/>
+              </a:ext>
+            </a:extLst>
+          </p:cNvPr>
+          <p:cNvPicPr>
+            <a:picLocks noChangeAspect="1"/>
+          </p:cNvPicPr>
+          <p:nvPr/>
+        </p:nvPicPr>
+        <p:blipFill>
+          <a:blip r:embed="rId2">
+            <a:extLst>
+              <a:ext uri="{28A0092B-C50C-407E-A947-70E740481C1C}">
+                <a14:useLocalDpi xmlns:a14="http://schemas.microsoft.com/office/drawing/2010/main" val="0"/>
+              </a:ext>
+            </a:extLst>
+          </a:blip>
+          <a:stretch>
+            <a:fillRect/>
+          </a:stretch>
+        </p:blipFill>
+        <p:spPr>
+          <a:xfrm>
+            <a:off x="82111" y="6061976"/>
+            <a:ext cx="775846" cy="730942"/>
+          </a:xfrm>
+          <a:prstGeom prst="rect">
+            <a:avLst/>
+          </a:prstGeom>
+        </p:spPr>
+      </p:pic>
+      <p:sp>
+        <p:nvSpPr>
+          <p:cNvPr id="6" name="TextBox 5">
+            <a:extLst>
+              <a:ext uri="{FF2B5EF4-FFF2-40B4-BE49-F238E27FC236}">
+                <a16:creationId xmlns:a16="http://schemas.microsoft.com/office/drawing/2014/main" id="{1949F3A3-2459-435D-855F-0F78637B6C77}"/>
+              </a:ext>
+            </a:extLst>
+          </p:cNvPr>
+          <p:cNvSpPr txBox="1"/>
+          <p:nvPr/>
+        </p:nvSpPr>
+        <p:spPr>
+          <a:xfrm>
+            <a:off x="3584221" y="3977084"/>
+            <a:ext cx="5023555" cy="769441"/>
+          </a:xfrm>
+          <a:prstGeom prst="rect">
+            <a:avLst/>
+          </a:prstGeom>
+          <a:noFill/>
+        </p:spPr>
+        <p:txBody>
+          <a:bodyPr wrap="square" rtlCol="0">
+            <a:spAutoFit/>
+          </a:bodyPr>
+          <a:lstStyle/>
+          <a:p>
+            <a:pPr algn="ctr"/>
+            <a:r>
+              <a:rPr lang="en-US" altLang="ko-KR" sz="2400" dirty="0">
+                <a:solidFill>
+                  <a:schemeClr val="bg1"/>
+                </a:solidFill>
+                <a:latin typeface="08서울남산체 B" panose="02020603020101020101" pitchFamily="18" charset="-127"/>
+                <a:ea typeface="08서울남산체 B" panose="02020603020101020101" pitchFamily="18" charset="-127"/>
+              </a:rPr>
+              <a:t>Cascading Style Sheets</a:t>
+            </a:r>
+            <a:r>
+              <a:rPr lang="ko-KR" altLang="en-US" sz="2400" dirty="0">
+                <a:solidFill>
+                  <a:schemeClr val="bg1"/>
+                </a:solidFill>
+                <a:latin typeface="08서울남산체 B" panose="02020603020101020101" pitchFamily="18" charset="-127"/>
+                <a:ea typeface="08서울남산체 B" panose="02020603020101020101" pitchFamily="18" charset="-127"/>
+              </a:rPr>
+              <a:t> </a:t>
+            </a:r>
+            <a:r>
+              <a:rPr lang="en-US" altLang="ko-KR" sz="2400" dirty="0">
+                <a:solidFill>
+                  <a:schemeClr val="bg1"/>
+                </a:solidFill>
+                <a:latin typeface="08서울남산체 B" panose="02020603020101020101" pitchFamily="18" charset="-127"/>
+                <a:ea typeface="08서울남산체 B" panose="02020603020101020101" pitchFamily="18" charset="-127"/>
+              </a:rPr>
+              <a:t>;</a:t>
+            </a:r>
+          </a:p>
+          <a:p>
+            <a:pPr algn="ctr"/>
+            <a:r>
+              <a:rPr lang="ko-KR" altLang="en-US" sz="2000" dirty="0" err="1">
+                <a:solidFill>
+                  <a:schemeClr val="bg1"/>
+                </a:solidFill>
+                <a:latin typeface="08서울남산체 B" panose="02020603020101020101" pitchFamily="18" charset="-127"/>
+                <a:ea typeface="08서울남산체 B" panose="02020603020101020101" pitchFamily="18" charset="-127"/>
+              </a:rPr>
+              <a:t>캐스케이딩</a:t>
+            </a:r>
+            <a:r>
+              <a:rPr lang="ko-KR" altLang="en-US" sz="2000" dirty="0">
+                <a:solidFill>
+                  <a:schemeClr val="bg1"/>
+                </a:solidFill>
+                <a:latin typeface="08서울남산체 B" panose="02020603020101020101" pitchFamily="18" charset="-127"/>
+                <a:ea typeface="08서울남산체 B" panose="02020603020101020101" pitchFamily="18" charset="-127"/>
+              </a:rPr>
+              <a:t> 스타일 시트</a:t>
+            </a:r>
+            <a:endParaRPr lang="en-US" altLang="ko-KR" sz="2000" dirty="0">
+              <a:solidFill>
+                <a:schemeClr val="bg1"/>
+              </a:solidFill>
+              <a:latin typeface="08서울남산체 B" panose="02020603020101020101" pitchFamily="18" charset="-127"/>
+              <a:ea typeface="08서울남산체 B" panose="02020603020101020101" pitchFamily="18" charset="-127"/>
+            </a:endParaRPr>
           </a:p>
         </p:txBody>
       </p:sp>
     </p:spTree>
     <p:extLst>
       <p:ext uri="{BB962C8B-B14F-4D97-AF65-F5344CB8AC3E}">
-        <p14:creationId xmlns:p14="http://schemas.microsoft.com/office/powerpoint/2010/main" val="3567218489"/>
+        <p14:creationId xmlns:p14="http://schemas.microsoft.com/office/powerpoint/2010/main" val="2145865382"/>
       </p:ext>
     </p:extLst>
   </p:cSld>
@@ -5406,60 +10898,370 @@
           <a:chExt cx="0" cy="0"/>
         </a:xfrm>
       </p:grpSpPr>
-      <p:sp>
-        <p:nvSpPr>
-          <p:cNvPr id="2" name="제목 1">
-            <a:extLst>
-              <a:ext uri="{FF2B5EF4-FFF2-40B4-BE49-F238E27FC236}">
-                <a16:creationId xmlns:a16="http://schemas.microsoft.com/office/drawing/2014/main" id="{215F397E-AE8A-4266-BE3B-2B6AAB47D156}"/>
-              </a:ext>
-            </a:extLst>
-          </p:cNvPr>
-          <p:cNvSpPr>
-            <a:spLocks noGrp="1"/>
-          </p:cNvSpPr>
-          <p:nvPr>
-            <p:ph type="title"/>
-          </p:nvPr>
-        </p:nvSpPr>
-        <p:spPr/>
-        <p:txBody>
-          <a:bodyPr/>
-          <a:lstStyle/>
-          <a:p>
-            <a:endParaRPr lang="ko-KR" altLang="en-US"/>
-          </a:p>
-        </p:txBody>
-      </p:sp>
-      <p:sp>
-        <p:nvSpPr>
-          <p:cNvPr id="3" name="내용 개체 틀 2">
-            <a:extLst>
-              <a:ext uri="{FF2B5EF4-FFF2-40B4-BE49-F238E27FC236}">
-                <a16:creationId xmlns:a16="http://schemas.microsoft.com/office/drawing/2014/main" id="{8B64B77D-6FC7-4E01-80E3-3F4014B749C2}"/>
-              </a:ext>
-            </a:extLst>
-          </p:cNvPr>
-          <p:cNvSpPr>
-            <a:spLocks noGrp="1"/>
-          </p:cNvSpPr>
-          <p:nvPr>
-            <p:ph idx="1"/>
-          </p:nvPr>
-        </p:nvSpPr>
-        <p:spPr/>
-        <p:txBody>
-          <a:bodyPr/>
-          <a:lstStyle/>
-          <a:p>
-            <a:endParaRPr lang="ko-KR" altLang="en-US"/>
+      <p:pic>
+        <p:nvPicPr>
+          <p:cNvPr id="8" name="그림 7">
+            <a:extLst>
+              <a:ext uri="{FF2B5EF4-FFF2-40B4-BE49-F238E27FC236}">
+                <a16:creationId xmlns:a16="http://schemas.microsoft.com/office/drawing/2014/main" id="{468DF72A-E756-41B5-A354-02BA32CD04C3}"/>
+              </a:ext>
+            </a:extLst>
+          </p:cNvPr>
+          <p:cNvPicPr>
+            <a:picLocks noChangeAspect="1"/>
+          </p:cNvPicPr>
+          <p:nvPr/>
+        </p:nvPicPr>
+        <p:blipFill>
+          <a:blip r:embed="rId2">
+            <a:extLst>
+              <a:ext uri="{28A0092B-C50C-407E-A947-70E740481C1C}">
+                <a14:useLocalDpi xmlns:a14="http://schemas.microsoft.com/office/drawing/2010/main" val="0"/>
+              </a:ext>
+            </a:extLst>
+          </a:blip>
+          <a:stretch>
+            <a:fillRect/>
+          </a:stretch>
+        </p:blipFill>
+        <p:spPr>
+          <a:xfrm>
+            <a:off x="82111" y="6061976"/>
+            <a:ext cx="775846" cy="730942"/>
+          </a:xfrm>
+          <a:prstGeom prst="rect">
+            <a:avLst/>
+          </a:prstGeom>
+        </p:spPr>
+      </p:pic>
+      <p:sp>
+        <p:nvSpPr>
+          <p:cNvPr id="10" name="TextBox 9">
+            <a:extLst>
+              <a:ext uri="{FF2B5EF4-FFF2-40B4-BE49-F238E27FC236}">
+                <a16:creationId xmlns:a16="http://schemas.microsoft.com/office/drawing/2014/main" id="{90BEACA8-A51F-4C5B-9DDE-02396A2DC008}"/>
+              </a:ext>
+            </a:extLst>
+          </p:cNvPr>
+          <p:cNvSpPr txBox="1"/>
+          <p:nvPr/>
+        </p:nvSpPr>
+        <p:spPr>
+          <a:xfrm>
+            <a:off x="3365383" y="2038526"/>
+            <a:ext cx="5461233" cy="523220"/>
+          </a:xfrm>
+          <a:prstGeom prst="rect">
+            <a:avLst/>
+          </a:prstGeom>
+          <a:noFill/>
+        </p:spPr>
+        <p:txBody>
+          <a:bodyPr wrap="square" rtlCol="0">
+            <a:spAutoFit/>
+          </a:bodyPr>
+          <a:lstStyle/>
+          <a:p>
+            <a:r>
+              <a:rPr lang="en-US" altLang="ko-KR" sz="2800" dirty="0">
+                <a:solidFill>
+                  <a:schemeClr val="bg1"/>
+                </a:solidFill>
+                <a:latin typeface="08서울남산체 B" panose="02020603020101020101" pitchFamily="18" charset="-127"/>
+                <a:ea typeface="08서울남산체 B" panose="02020603020101020101" pitchFamily="18" charset="-127"/>
+              </a:rPr>
+              <a:t>1. </a:t>
+            </a:r>
+            <a:r>
+              <a:rPr lang="en-US" altLang="ko-KR" sz="2800" dirty="0">
+                <a:solidFill>
+                  <a:srgbClr val="FFC000"/>
+                </a:solidFill>
+                <a:latin typeface="08서울남산체 B" panose="02020603020101020101" pitchFamily="18" charset="-127"/>
+                <a:ea typeface="08서울남산체 B" panose="02020603020101020101" pitchFamily="18" charset="-127"/>
+              </a:rPr>
+              <a:t>Html</a:t>
+            </a:r>
+            <a:r>
+              <a:rPr lang="en-US" altLang="ko-KR" sz="2800" dirty="0">
+                <a:solidFill>
+                  <a:schemeClr val="bg1"/>
+                </a:solidFill>
+                <a:latin typeface="08서울남산체 B" panose="02020603020101020101" pitchFamily="18" charset="-127"/>
+                <a:ea typeface="08서울남산체 B" panose="02020603020101020101" pitchFamily="18" charset="-127"/>
+              </a:rPr>
+              <a:t> </a:t>
+            </a:r>
+            <a:r>
+              <a:rPr lang="ko-KR" altLang="en-US" sz="2800" dirty="0">
+                <a:solidFill>
+                  <a:schemeClr val="bg1"/>
+                </a:solidFill>
+                <a:latin typeface="08서울남산체 B" panose="02020603020101020101" pitchFamily="18" charset="-127"/>
+                <a:ea typeface="08서울남산체 B" panose="02020603020101020101" pitchFamily="18" charset="-127"/>
+              </a:rPr>
+              <a:t>태그안에 </a:t>
+            </a:r>
+            <a:r>
+              <a:rPr lang="en-US" altLang="ko-KR" sz="2800" dirty="0">
+                <a:solidFill>
+                  <a:srgbClr val="FFC000"/>
+                </a:solidFill>
+                <a:latin typeface="08서울남산체 B" panose="02020603020101020101" pitchFamily="18" charset="-127"/>
+                <a:ea typeface="08서울남산체 B" panose="02020603020101020101" pitchFamily="18" charset="-127"/>
+              </a:rPr>
+              <a:t>Style</a:t>
+            </a:r>
+            <a:r>
+              <a:rPr lang="en-US" altLang="ko-KR" sz="2800" dirty="0">
+                <a:solidFill>
+                  <a:schemeClr val="bg1"/>
+                </a:solidFill>
+                <a:latin typeface="08서울남산체 B" panose="02020603020101020101" pitchFamily="18" charset="-127"/>
+                <a:ea typeface="08서울남산체 B" panose="02020603020101020101" pitchFamily="18" charset="-127"/>
+              </a:rPr>
+              <a:t> </a:t>
+            </a:r>
+            <a:r>
+              <a:rPr lang="ko-KR" altLang="en-US" sz="2800" dirty="0">
+                <a:solidFill>
+                  <a:schemeClr val="bg1"/>
+                </a:solidFill>
+                <a:latin typeface="08서울남산체 B" panose="02020603020101020101" pitchFamily="18" charset="-127"/>
+                <a:ea typeface="08서울남산체 B" panose="02020603020101020101" pitchFamily="18" charset="-127"/>
+              </a:rPr>
+              <a:t>속성을 부여</a:t>
+            </a:r>
+            <a:endParaRPr lang="en-US" altLang="ko-KR" sz="2800" dirty="0">
+              <a:solidFill>
+                <a:schemeClr val="bg1"/>
+              </a:solidFill>
+              <a:latin typeface="08서울남산체 B" panose="02020603020101020101" pitchFamily="18" charset="-127"/>
+              <a:ea typeface="08서울남산체 B" panose="02020603020101020101" pitchFamily="18" charset="-127"/>
+            </a:endParaRPr>
+          </a:p>
+        </p:txBody>
+      </p:sp>
+      <p:sp>
+        <p:nvSpPr>
+          <p:cNvPr id="11" name="TextBox 10">
+            <a:extLst>
+              <a:ext uri="{FF2B5EF4-FFF2-40B4-BE49-F238E27FC236}">
+                <a16:creationId xmlns:a16="http://schemas.microsoft.com/office/drawing/2014/main" id="{4F1C76E6-C8AB-4C24-8BEB-EE7BDAE61EC7}"/>
+              </a:ext>
+            </a:extLst>
+          </p:cNvPr>
+          <p:cNvSpPr txBox="1"/>
+          <p:nvPr/>
+        </p:nvSpPr>
+        <p:spPr>
+          <a:xfrm>
+            <a:off x="3365383" y="3053593"/>
+            <a:ext cx="5461233" cy="523220"/>
+          </a:xfrm>
+          <a:prstGeom prst="rect">
+            <a:avLst/>
+          </a:prstGeom>
+          <a:noFill/>
+        </p:spPr>
+        <p:txBody>
+          <a:bodyPr wrap="square" rtlCol="0">
+            <a:spAutoFit/>
+          </a:bodyPr>
+          <a:lstStyle/>
+          <a:p>
+            <a:r>
+              <a:rPr lang="en-US" altLang="ko-KR" sz="2800" dirty="0">
+                <a:solidFill>
+                  <a:schemeClr val="bg1"/>
+                </a:solidFill>
+                <a:latin typeface="08서울남산체 B" panose="02020603020101020101" pitchFamily="18" charset="-127"/>
+                <a:ea typeface="08서울남산체 B" panose="02020603020101020101" pitchFamily="18" charset="-127"/>
+              </a:rPr>
+              <a:t>2. </a:t>
+            </a:r>
+            <a:r>
+              <a:rPr lang="en-US" altLang="ko-KR" sz="2800" dirty="0" err="1">
+                <a:solidFill>
+                  <a:srgbClr val="FFC000"/>
+                </a:solidFill>
+                <a:latin typeface="08서울남산체 B" panose="02020603020101020101" pitchFamily="18" charset="-127"/>
+                <a:ea typeface="08서울남산체 B" panose="02020603020101020101" pitchFamily="18" charset="-127"/>
+              </a:rPr>
+              <a:t>Css</a:t>
+            </a:r>
+            <a:r>
+              <a:rPr lang="en-US" altLang="ko-KR" sz="2800" dirty="0">
+                <a:solidFill>
+                  <a:srgbClr val="FFC000"/>
+                </a:solidFill>
+                <a:latin typeface="08서울남산체 B" panose="02020603020101020101" pitchFamily="18" charset="-127"/>
+                <a:ea typeface="08서울남산체 B" panose="02020603020101020101" pitchFamily="18" charset="-127"/>
+              </a:rPr>
+              <a:t> </a:t>
+            </a:r>
+            <a:r>
+              <a:rPr lang="ko-KR" altLang="en-US" sz="2800" dirty="0">
+                <a:solidFill>
+                  <a:schemeClr val="bg1"/>
+                </a:solidFill>
+                <a:latin typeface="08서울남산체 B" panose="02020603020101020101" pitchFamily="18" charset="-127"/>
+                <a:ea typeface="08서울남산체 B" panose="02020603020101020101" pitchFamily="18" charset="-127"/>
+              </a:rPr>
+              <a:t>파일을 만들어 </a:t>
+            </a:r>
+            <a:r>
+              <a:rPr lang="en-US" altLang="ko-KR" sz="2800" dirty="0">
+                <a:solidFill>
+                  <a:srgbClr val="FFC000"/>
+                </a:solidFill>
+                <a:latin typeface="08서울남산체 B" panose="02020603020101020101" pitchFamily="18" charset="-127"/>
+                <a:ea typeface="08서울남산체 B" panose="02020603020101020101" pitchFamily="18" charset="-127"/>
+              </a:rPr>
+              <a:t>Html</a:t>
+            </a:r>
+            <a:r>
+              <a:rPr lang="ko-KR" altLang="en-US" sz="2800" dirty="0">
+                <a:solidFill>
+                  <a:schemeClr val="bg1"/>
+                </a:solidFill>
+                <a:latin typeface="08서울남산체 B" panose="02020603020101020101" pitchFamily="18" charset="-127"/>
+                <a:ea typeface="08서울남산체 B" panose="02020603020101020101" pitchFamily="18" charset="-127"/>
+              </a:rPr>
+              <a:t>에 적용</a:t>
+            </a:r>
+            <a:endParaRPr lang="en-US" altLang="ko-KR" sz="2800" dirty="0">
+              <a:solidFill>
+                <a:schemeClr val="bg1"/>
+              </a:solidFill>
+              <a:latin typeface="08서울남산체 B" panose="02020603020101020101" pitchFamily="18" charset="-127"/>
+              <a:ea typeface="08서울남산체 B" panose="02020603020101020101" pitchFamily="18" charset="-127"/>
+            </a:endParaRPr>
+          </a:p>
+        </p:txBody>
+      </p:sp>
+      <p:sp>
+        <p:nvSpPr>
+          <p:cNvPr id="12" name="TextBox 11">
+            <a:extLst>
+              <a:ext uri="{FF2B5EF4-FFF2-40B4-BE49-F238E27FC236}">
+                <a16:creationId xmlns:a16="http://schemas.microsoft.com/office/drawing/2014/main" id="{641DAED3-B073-4923-8990-E8FD7A046B1D}"/>
+              </a:ext>
+            </a:extLst>
+          </p:cNvPr>
+          <p:cNvSpPr txBox="1"/>
+          <p:nvPr/>
+        </p:nvSpPr>
+        <p:spPr>
+          <a:xfrm>
+            <a:off x="3365383" y="4068660"/>
+            <a:ext cx="5461233" cy="523220"/>
+          </a:xfrm>
+          <a:prstGeom prst="rect">
+            <a:avLst/>
+          </a:prstGeom>
+          <a:noFill/>
+        </p:spPr>
+        <p:txBody>
+          <a:bodyPr wrap="square" rtlCol="0">
+            <a:spAutoFit/>
+          </a:bodyPr>
+          <a:lstStyle/>
+          <a:p>
+            <a:r>
+              <a:rPr lang="en-US" altLang="ko-KR" sz="2800" dirty="0">
+                <a:solidFill>
+                  <a:schemeClr val="bg1"/>
+                </a:solidFill>
+                <a:latin typeface="08서울남산체 B" panose="02020603020101020101" pitchFamily="18" charset="-127"/>
+                <a:ea typeface="08서울남산체 B" panose="02020603020101020101" pitchFamily="18" charset="-127"/>
+              </a:rPr>
+              <a:t>3. </a:t>
+            </a:r>
+            <a:r>
+              <a:rPr lang="en-US" altLang="ko-KR" sz="2800" dirty="0">
+                <a:solidFill>
+                  <a:srgbClr val="FFC000"/>
+                </a:solidFill>
+                <a:latin typeface="08서울남산체 B" panose="02020603020101020101" pitchFamily="18" charset="-127"/>
+                <a:ea typeface="08서울남산체 B" panose="02020603020101020101" pitchFamily="18" charset="-127"/>
+              </a:rPr>
+              <a:t>Html</a:t>
+            </a:r>
+            <a:r>
+              <a:rPr lang="en-US" altLang="ko-KR" sz="2800" dirty="0">
+                <a:solidFill>
+                  <a:schemeClr val="bg1"/>
+                </a:solidFill>
+                <a:latin typeface="08서울남산체 B" panose="02020603020101020101" pitchFamily="18" charset="-127"/>
+                <a:ea typeface="08서울남산체 B" panose="02020603020101020101" pitchFamily="18" charset="-127"/>
+              </a:rPr>
+              <a:t> </a:t>
+            </a:r>
+            <a:r>
+              <a:rPr lang="ko-KR" altLang="en-US" sz="2800" dirty="0">
+                <a:solidFill>
+                  <a:schemeClr val="bg1"/>
+                </a:solidFill>
+                <a:latin typeface="08서울남산체 B" panose="02020603020101020101" pitchFamily="18" charset="-127"/>
+                <a:ea typeface="08서울남산체 B" panose="02020603020101020101" pitchFamily="18" charset="-127"/>
+              </a:rPr>
+              <a:t>에 있는</a:t>
+            </a:r>
+            <a:r>
+              <a:rPr lang="en-US" altLang="ko-KR" sz="2800" dirty="0">
+                <a:solidFill>
+                  <a:schemeClr val="bg1"/>
+                </a:solidFill>
+                <a:latin typeface="08서울남산체 B" panose="02020603020101020101" pitchFamily="18" charset="-127"/>
+                <a:ea typeface="08서울남산체 B" panose="02020603020101020101" pitchFamily="18" charset="-127"/>
+              </a:rPr>
+              <a:t> </a:t>
+            </a:r>
+            <a:r>
+              <a:rPr lang="en-US" altLang="ko-KR" sz="2800" dirty="0">
+                <a:solidFill>
+                  <a:srgbClr val="FFC000"/>
+                </a:solidFill>
+                <a:latin typeface="08서울남산체 B" panose="02020603020101020101" pitchFamily="18" charset="-127"/>
+                <a:ea typeface="08서울남산체 B" panose="02020603020101020101" pitchFamily="18" charset="-127"/>
+              </a:rPr>
+              <a:t>Style</a:t>
+            </a:r>
+            <a:r>
+              <a:rPr lang="en-US" altLang="ko-KR" sz="2800" dirty="0">
+                <a:solidFill>
+                  <a:schemeClr val="bg1"/>
+                </a:solidFill>
+                <a:latin typeface="08서울남산체 B" panose="02020603020101020101" pitchFamily="18" charset="-127"/>
+                <a:ea typeface="08서울남산체 B" panose="02020603020101020101" pitchFamily="18" charset="-127"/>
+              </a:rPr>
+              <a:t> </a:t>
+            </a:r>
+            <a:r>
+              <a:rPr lang="ko-KR" altLang="en-US" sz="2800" dirty="0">
+                <a:solidFill>
+                  <a:schemeClr val="bg1"/>
+                </a:solidFill>
+                <a:latin typeface="08서울남산체 B" panose="02020603020101020101" pitchFamily="18" charset="-127"/>
+                <a:ea typeface="08서울남산체 B" panose="02020603020101020101" pitchFamily="18" charset="-127"/>
+              </a:rPr>
+              <a:t>태그를 사용</a:t>
+            </a:r>
+            <a:endParaRPr lang="en-US" altLang="ko-KR" sz="2800" dirty="0">
+              <a:solidFill>
+                <a:schemeClr val="bg1"/>
+              </a:solidFill>
+              <a:latin typeface="08서울남산체 B" panose="02020603020101020101" pitchFamily="18" charset="-127"/>
+              <a:ea typeface="08서울남산체 B" panose="02020603020101020101" pitchFamily="18" charset="-127"/>
+            </a:endParaRPr>
           </a:p>
         </p:txBody>
       </p:sp>
     </p:spTree>
     <p:extLst>
       <p:ext uri="{BB962C8B-B14F-4D97-AF65-F5344CB8AC3E}">
-        <p14:creationId xmlns:p14="http://schemas.microsoft.com/office/powerpoint/2010/main" val="1708331829"/>
+        <p14:creationId xmlns:p14="http://schemas.microsoft.com/office/powerpoint/2010/main" val="1578786000"/>
       </p:ext>
     </p:extLst>
   </p:cSld>
@@ -5486,52 +11288,414 @@
           <a:chExt cx="0" cy="0"/>
         </a:xfrm>
       </p:grpSpPr>
-      <p:sp>
-        <p:nvSpPr>
-          <p:cNvPr id="2" name="제목 1">
-            <a:extLst>
-              <a:ext uri="{FF2B5EF4-FFF2-40B4-BE49-F238E27FC236}">
-                <a16:creationId xmlns:a16="http://schemas.microsoft.com/office/drawing/2014/main" id="{3C808518-2C28-4E5C-94E8-BC0F312D6FDC}"/>
-              </a:ext>
-            </a:extLst>
-          </p:cNvPr>
-          <p:cNvSpPr>
-            <a:spLocks noGrp="1"/>
-          </p:cNvSpPr>
-          <p:nvPr>
-            <p:ph type="title"/>
-          </p:nvPr>
-        </p:nvSpPr>
-        <p:spPr/>
-        <p:txBody>
-          <a:bodyPr/>
-          <a:lstStyle/>
-          <a:p>
-            <a:endParaRPr lang="ko-KR" altLang="en-US"/>
-          </a:p>
-        </p:txBody>
-      </p:sp>
-      <p:sp>
-        <p:nvSpPr>
-          <p:cNvPr id="3" name="내용 개체 틀 2">
-            <a:extLst>
-              <a:ext uri="{FF2B5EF4-FFF2-40B4-BE49-F238E27FC236}">
-                <a16:creationId xmlns:a16="http://schemas.microsoft.com/office/drawing/2014/main" id="{234F0853-7A90-4255-B85F-E054BDD9A1D1}"/>
-              </a:ext>
-            </a:extLst>
-          </p:cNvPr>
-          <p:cNvSpPr>
-            <a:spLocks noGrp="1"/>
-          </p:cNvSpPr>
-          <p:nvPr>
-            <p:ph idx="1"/>
-          </p:nvPr>
-        </p:nvSpPr>
-        <p:spPr/>
-        <p:txBody>
-          <a:bodyPr/>
-          <a:lstStyle/>
-          <a:p>
+      <p:pic>
+        <p:nvPicPr>
+          <p:cNvPr id="8" name="그림 7">
+            <a:extLst>
+              <a:ext uri="{FF2B5EF4-FFF2-40B4-BE49-F238E27FC236}">
+                <a16:creationId xmlns:a16="http://schemas.microsoft.com/office/drawing/2014/main" id="{468DF72A-E756-41B5-A354-02BA32CD04C3}"/>
+              </a:ext>
+            </a:extLst>
+          </p:cNvPr>
+          <p:cNvPicPr>
+            <a:picLocks noChangeAspect="1"/>
+          </p:cNvPicPr>
+          <p:nvPr/>
+        </p:nvPicPr>
+        <p:blipFill>
+          <a:blip r:embed="rId2">
+            <a:extLst>
+              <a:ext uri="{28A0092B-C50C-407E-A947-70E740481C1C}">
+                <a14:useLocalDpi xmlns:a14="http://schemas.microsoft.com/office/drawing/2010/main" val="0"/>
+              </a:ext>
+            </a:extLst>
+          </a:blip>
+          <a:stretch>
+            <a:fillRect/>
+          </a:stretch>
+        </p:blipFill>
+        <p:spPr>
+          <a:xfrm>
+            <a:off x="82111" y="6061976"/>
+            <a:ext cx="775846" cy="730942"/>
+          </a:xfrm>
+          <a:prstGeom prst="rect">
+            <a:avLst/>
+          </a:prstGeom>
+        </p:spPr>
+      </p:pic>
+      <p:sp>
+        <p:nvSpPr>
+          <p:cNvPr id="10" name="TextBox 9">
+            <a:extLst>
+              <a:ext uri="{FF2B5EF4-FFF2-40B4-BE49-F238E27FC236}">
+                <a16:creationId xmlns:a16="http://schemas.microsoft.com/office/drawing/2014/main" id="{90BEACA8-A51F-4C5B-9DDE-02396A2DC008}"/>
+              </a:ext>
+            </a:extLst>
+          </p:cNvPr>
+          <p:cNvSpPr txBox="1"/>
+          <p:nvPr/>
+        </p:nvSpPr>
+        <p:spPr>
+          <a:xfrm>
+            <a:off x="3365383" y="2038526"/>
+            <a:ext cx="5461233" cy="523220"/>
+          </a:xfrm>
+          <a:prstGeom prst="rect">
+            <a:avLst/>
+          </a:prstGeom>
+          <a:noFill/>
+        </p:spPr>
+        <p:txBody>
+          <a:bodyPr wrap="square" rtlCol="0">
+            <a:spAutoFit/>
+          </a:bodyPr>
+          <a:lstStyle/>
+          <a:p>
+            <a:r>
+              <a:rPr lang="en-US" altLang="ko-KR" sz="2800" dirty="0">
+                <a:solidFill>
+                  <a:schemeClr val="bg1"/>
+                </a:solidFill>
+                <a:latin typeface="08서울남산체 B" panose="02020603020101020101" pitchFamily="18" charset="-127"/>
+                <a:ea typeface="08서울남산체 B" panose="02020603020101020101" pitchFamily="18" charset="-127"/>
+              </a:rPr>
+              <a:t>1. </a:t>
+            </a:r>
+            <a:r>
+              <a:rPr lang="en-US" altLang="ko-KR" sz="2800" dirty="0">
+                <a:solidFill>
+                  <a:srgbClr val="FFC000"/>
+                </a:solidFill>
+                <a:latin typeface="08서울남산체 B" panose="02020603020101020101" pitchFamily="18" charset="-127"/>
+                <a:ea typeface="08서울남산체 B" panose="02020603020101020101" pitchFamily="18" charset="-127"/>
+              </a:rPr>
+              <a:t>Html</a:t>
+            </a:r>
+            <a:r>
+              <a:rPr lang="en-US" altLang="ko-KR" sz="2800" dirty="0">
+                <a:solidFill>
+                  <a:schemeClr val="bg1"/>
+                </a:solidFill>
+                <a:latin typeface="08서울남산체 B" panose="02020603020101020101" pitchFamily="18" charset="-127"/>
+                <a:ea typeface="08서울남산체 B" panose="02020603020101020101" pitchFamily="18" charset="-127"/>
+              </a:rPr>
+              <a:t> </a:t>
+            </a:r>
+            <a:r>
+              <a:rPr lang="ko-KR" altLang="en-US" sz="2800" dirty="0">
+                <a:solidFill>
+                  <a:schemeClr val="bg1"/>
+                </a:solidFill>
+                <a:latin typeface="08서울남산체 B" panose="02020603020101020101" pitchFamily="18" charset="-127"/>
+                <a:ea typeface="08서울남산체 B" panose="02020603020101020101" pitchFamily="18" charset="-127"/>
+              </a:rPr>
+              <a:t>태그안에 </a:t>
+            </a:r>
+            <a:r>
+              <a:rPr lang="en-US" altLang="ko-KR" sz="2800" dirty="0">
+                <a:solidFill>
+                  <a:srgbClr val="FFC000"/>
+                </a:solidFill>
+                <a:latin typeface="08서울남산체 B" panose="02020603020101020101" pitchFamily="18" charset="-127"/>
+                <a:ea typeface="08서울남산체 B" panose="02020603020101020101" pitchFamily="18" charset="-127"/>
+              </a:rPr>
+              <a:t>Style</a:t>
+            </a:r>
+            <a:r>
+              <a:rPr lang="en-US" altLang="ko-KR" sz="2800" dirty="0">
+                <a:solidFill>
+                  <a:schemeClr val="bg1"/>
+                </a:solidFill>
+                <a:latin typeface="08서울남산체 B" panose="02020603020101020101" pitchFamily="18" charset="-127"/>
+                <a:ea typeface="08서울남산체 B" panose="02020603020101020101" pitchFamily="18" charset="-127"/>
+              </a:rPr>
+              <a:t> </a:t>
+            </a:r>
+            <a:r>
+              <a:rPr lang="ko-KR" altLang="en-US" sz="2800" dirty="0">
+                <a:solidFill>
+                  <a:schemeClr val="bg1"/>
+                </a:solidFill>
+                <a:latin typeface="08서울남산체 B" panose="02020603020101020101" pitchFamily="18" charset="-127"/>
+                <a:ea typeface="08서울남산체 B" panose="02020603020101020101" pitchFamily="18" charset="-127"/>
+              </a:rPr>
+              <a:t>속성을 부여</a:t>
+            </a:r>
+            <a:endParaRPr lang="en-US" altLang="ko-KR" sz="2800" dirty="0">
+              <a:solidFill>
+                <a:schemeClr val="bg1"/>
+              </a:solidFill>
+              <a:latin typeface="08서울남산체 B" panose="02020603020101020101" pitchFamily="18" charset="-127"/>
+              <a:ea typeface="08서울남산체 B" panose="02020603020101020101" pitchFamily="18" charset="-127"/>
+            </a:endParaRPr>
+          </a:p>
+        </p:txBody>
+      </p:sp>
+      <p:sp>
+        <p:nvSpPr>
+          <p:cNvPr id="11" name="TextBox 10">
+            <a:extLst>
+              <a:ext uri="{FF2B5EF4-FFF2-40B4-BE49-F238E27FC236}">
+                <a16:creationId xmlns:a16="http://schemas.microsoft.com/office/drawing/2014/main" id="{4F1C76E6-C8AB-4C24-8BEB-EE7BDAE61EC7}"/>
+              </a:ext>
+            </a:extLst>
+          </p:cNvPr>
+          <p:cNvSpPr txBox="1"/>
+          <p:nvPr/>
+        </p:nvSpPr>
+        <p:spPr>
+          <a:xfrm>
+            <a:off x="3365383" y="3053593"/>
+            <a:ext cx="5461233" cy="523220"/>
+          </a:xfrm>
+          <a:prstGeom prst="rect">
+            <a:avLst/>
+          </a:prstGeom>
+          <a:noFill/>
+        </p:spPr>
+        <p:txBody>
+          <a:bodyPr wrap="square" rtlCol="0">
+            <a:spAutoFit/>
+          </a:bodyPr>
+          <a:lstStyle/>
+          <a:p>
+            <a:r>
+              <a:rPr lang="en-US" altLang="ko-KR" sz="2800" dirty="0">
+                <a:solidFill>
+                  <a:schemeClr val="bg1"/>
+                </a:solidFill>
+                <a:latin typeface="08서울남산체 B" panose="02020603020101020101" pitchFamily="18" charset="-127"/>
+                <a:ea typeface="08서울남산체 B" panose="02020603020101020101" pitchFamily="18" charset="-127"/>
+              </a:rPr>
+              <a:t>2. </a:t>
+            </a:r>
+            <a:r>
+              <a:rPr lang="en-US" altLang="ko-KR" sz="2800" dirty="0" err="1">
+                <a:solidFill>
+                  <a:srgbClr val="FFC000"/>
+                </a:solidFill>
+                <a:latin typeface="08서울남산체 B" panose="02020603020101020101" pitchFamily="18" charset="-127"/>
+                <a:ea typeface="08서울남산체 B" panose="02020603020101020101" pitchFamily="18" charset="-127"/>
+              </a:rPr>
+              <a:t>Css</a:t>
+            </a:r>
+            <a:r>
+              <a:rPr lang="en-US" altLang="ko-KR" sz="2800" dirty="0">
+                <a:solidFill>
+                  <a:srgbClr val="FFC000"/>
+                </a:solidFill>
+                <a:latin typeface="08서울남산체 B" panose="02020603020101020101" pitchFamily="18" charset="-127"/>
+                <a:ea typeface="08서울남산체 B" panose="02020603020101020101" pitchFamily="18" charset="-127"/>
+              </a:rPr>
+              <a:t> </a:t>
+            </a:r>
+            <a:r>
+              <a:rPr lang="ko-KR" altLang="en-US" sz="2800" dirty="0">
+                <a:solidFill>
+                  <a:schemeClr val="bg1"/>
+                </a:solidFill>
+                <a:latin typeface="08서울남산체 B" panose="02020603020101020101" pitchFamily="18" charset="-127"/>
+                <a:ea typeface="08서울남산체 B" panose="02020603020101020101" pitchFamily="18" charset="-127"/>
+              </a:rPr>
+              <a:t>파일을 만들어 </a:t>
+            </a:r>
+            <a:r>
+              <a:rPr lang="en-US" altLang="ko-KR" sz="2800" dirty="0">
+                <a:solidFill>
+                  <a:srgbClr val="FFC000"/>
+                </a:solidFill>
+                <a:latin typeface="08서울남산체 B" panose="02020603020101020101" pitchFamily="18" charset="-127"/>
+                <a:ea typeface="08서울남산체 B" panose="02020603020101020101" pitchFamily="18" charset="-127"/>
+              </a:rPr>
+              <a:t>Html</a:t>
+            </a:r>
+            <a:r>
+              <a:rPr lang="ko-KR" altLang="en-US" sz="2800" dirty="0">
+                <a:solidFill>
+                  <a:schemeClr val="bg1"/>
+                </a:solidFill>
+                <a:latin typeface="08서울남산체 B" panose="02020603020101020101" pitchFamily="18" charset="-127"/>
+                <a:ea typeface="08서울남산체 B" panose="02020603020101020101" pitchFamily="18" charset="-127"/>
+              </a:rPr>
+              <a:t>에 적용</a:t>
+            </a:r>
+            <a:endParaRPr lang="en-US" altLang="ko-KR" sz="2800" dirty="0">
+              <a:solidFill>
+                <a:schemeClr val="bg1"/>
+              </a:solidFill>
+              <a:latin typeface="08서울남산체 B" panose="02020603020101020101" pitchFamily="18" charset="-127"/>
+              <a:ea typeface="08서울남산체 B" panose="02020603020101020101" pitchFamily="18" charset="-127"/>
+            </a:endParaRPr>
+          </a:p>
+        </p:txBody>
+      </p:sp>
+      <p:sp>
+        <p:nvSpPr>
+          <p:cNvPr id="12" name="TextBox 11">
+            <a:extLst>
+              <a:ext uri="{FF2B5EF4-FFF2-40B4-BE49-F238E27FC236}">
+                <a16:creationId xmlns:a16="http://schemas.microsoft.com/office/drawing/2014/main" id="{641DAED3-B073-4923-8990-E8FD7A046B1D}"/>
+              </a:ext>
+            </a:extLst>
+          </p:cNvPr>
+          <p:cNvSpPr txBox="1"/>
+          <p:nvPr/>
+        </p:nvSpPr>
+        <p:spPr>
+          <a:xfrm>
+            <a:off x="3365383" y="4068660"/>
+            <a:ext cx="5461233" cy="523220"/>
+          </a:xfrm>
+          <a:prstGeom prst="rect">
+            <a:avLst/>
+          </a:prstGeom>
+          <a:noFill/>
+        </p:spPr>
+        <p:txBody>
+          <a:bodyPr wrap="square" rtlCol="0">
+            <a:spAutoFit/>
+          </a:bodyPr>
+          <a:lstStyle/>
+          <a:p>
+            <a:r>
+              <a:rPr lang="en-US" altLang="ko-KR" sz="2800" dirty="0">
+                <a:solidFill>
+                  <a:schemeClr val="bg1"/>
+                </a:solidFill>
+                <a:latin typeface="08서울남산체 B" panose="02020603020101020101" pitchFamily="18" charset="-127"/>
+                <a:ea typeface="08서울남산체 B" panose="02020603020101020101" pitchFamily="18" charset="-127"/>
+              </a:rPr>
+              <a:t>3. </a:t>
+            </a:r>
+            <a:r>
+              <a:rPr lang="en-US" altLang="ko-KR" sz="2800" dirty="0">
+                <a:solidFill>
+                  <a:srgbClr val="FFC000"/>
+                </a:solidFill>
+                <a:latin typeface="08서울남산체 B" panose="02020603020101020101" pitchFamily="18" charset="-127"/>
+                <a:ea typeface="08서울남산체 B" panose="02020603020101020101" pitchFamily="18" charset="-127"/>
+              </a:rPr>
+              <a:t>Html</a:t>
+            </a:r>
+            <a:r>
+              <a:rPr lang="en-US" altLang="ko-KR" sz="2800" dirty="0">
+                <a:solidFill>
+                  <a:schemeClr val="bg1"/>
+                </a:solidFill>
+                <a:latin typeface="08서울남산체 B" panose="02020603020101020101" pitchFamily="18" charset="-127"/>
+                <a:ea typeface="08서울남산체 B" panose="02020603020101020101" pitchFamily="18" charset="-127"/>
+              </a:rPr>
+              <a:t> </a:t>
+            </a:r>
+            <a:r>
+              <a:rPr lang="ko-KR" altLang="en-US" sz="2800" dirty="0">
+                <a:solidFill>
+                  <a:schemeClr val="bg1"/>
+                </a:solidFill>
+                <a:latin typeface="08서울남산체 B" panose="02020603020101020101" pitchFamily="18" charset="-127"/>
+                <a:ea typeface="08서울남산체 B" panose="02020603020101020101" pitchFamily="18" charset="-127"/>
+              </a:rPr>
+              <a:t>에 있는</a:t>
+            </a:r>
+            <a:r>
+              <a:rPr lang="en-US" altLang="ko-KR" sz="2800" dirty="0">
+                <a:solidFill>
+                  <a:schemeClr val="bg1"/>
+                </a:solidFill>
+                <a:latin typeface="08서울남산체 B" panose="02020603020101020101" pitchFamily="18" charset="-127"/>
+                <a:ea typeface="08서울남산체 B" panose="02020603020101020101" pitchFamily="18" charset="-127"/>
+              </a:rPr>
+              <a:t> </a:t>
+            </a:r>
+            <a:r>
+              <a:rPr lang="en-US" altLang="ko-KR" sz="2800" dirty="0">
+                <a:solidFill>
+                  <a:srgbClr val="FFC000"/>
+                </a:solidFill>
+                <a:latin typeface="08서울남산체 B" panose="02020603020101020101" pitchFamily="18" charset="-127"/>
+                <a:ea typeface="08서울남산체 B" panose="02020603020101020101" pitchFamily="18" charset="-127"/>
+              </a:rPr>
+              <a:t>Style</a:t>
+            </a:r>
+            <a:r>
+              <a:rPr lang="en-US" altLang="ko-KR" sz="2800" dirty="0">
+                <a:solidFill>
+                  <a:schemeClr val="bg1"/>
+                </a:solidFill>
+                <a:latin typeface="08서울남산체 B" panose="02020603020101020101" pitchFamily="18" charset="-127"/>
+                <a:ea typeface="08서울남산체 B" panose="02020603020101020101" pitchFamily="18" charset="-127"/>
+              </a:rPr>
+              <a:t> </a:t>
+            </a:r>
+            <a:r>
+              <a:rPr lang="ko-KR" altLang="en-US" sz="2800" dirty="0">
+                <a:solidFill>
+                  <a:schemeClr val="bg1"/>
+                </a:solidFill>
+                <a:latin typeface="08서울남산체 B" panose="02020603020101020101" pitchFamily="18" charset="-127"/>
+                <a:ea typeface="08서울남산체 B" panose="02020603020101020101" pitchFamily="18" charset="-127"/>
+              </a:rPr>
+              <a:t>태그를 사용</a:t>
+            </a:r>
+            <a:endParaRPr lang="en-US" altLang="ko-KR" sz="2800" dirty="0">
+              <a:solidFill>
+                <a:schemeClr val="bg1"/>
+              </a:solidFill>
+              <a:latin typeface="08서울남산체 B" panose="02020603020101020101" pitchFamily="18" charset="-127"/>
+              <a:ea typeface="08서울남산체 B" panose="02020603020101020101" pitchFamily="18" charset="-127"/>
+            </a:endParaRPr>
+          </a:p>
+        </p:txBody>
+      </p:sp>
+      <p:sp>
+        <p:nvSpPr>
+          <p:cNvPr id="2" name="직사각형 1">
+            <a:extLst>
+              <a:ext uri="{FF2B5EF4-FFF2-40B4-BE49-F238E27FC236}">
+                <a16:creationId xmlns:a16="http://schemas.microsoft.com/office/drawing/2014/main" id="{699D960D-2518-4E0D-97E7-93AFF7C333A6}"/>
+              </a:ext>
+            </a:extLst>
+          </p:cNvPr>
+          <p:cNvSpPr/>
+          <p:nvPr/>
+        </p:nvSpPr>
+        <p:spPr>
+          <a:xfrm>
+            <a:off x="3291280" y="1940962"/>
+            <a:ext cx="5609440" cy="718348"/>
+          </a:xfrm>
+          <a:prstGeom prst="rect">
+            <a:avLst/>
+          </a:prstGeom>
+          <a:noFill/>
+          <a:ln w="38100">
+            <a:solidFill>
+              <a:srgbClr val="C00000"/>
+            </a:solidFill>
+          </a:ln>
+        </p:spPr>
+        <p:style>
+          <a:lnRef idx="2">
+            <a:schemeClr val="accent1">
+              <a:shade val="50000"/>
+            </a:schemeClr>
+          </a:lnRef>
+          <a:fillRef idx="1">
+            <a:schemeClr val="accent1"/>
+          </a:fillRef>
+          <a:effectRef idx="0">
+            <a:schemeClr val="accent1"/>
+          </a:effectRef>
+          <a:fontRef idx="minor">
+            <a:schemeClr val="lt1"/>
+          </a:fontRef>
+        </p:style>
+        <p:txBody>
+          <a:bodyPr rtlCol="0" anchor="ctr"/>
+          <a:lstStyle/>
+          <a:p>
+            <a:pPr algn="ctr"/>
             <a:endParaRPr lang="ko-KR" altLang="en-US"/>
           </a:p>
         </p:txBody>
@@ -5539,7 +11703,7 @@
     </p:spTree>
     <p:extLst>
       <p:ext uri="{BB962C8B-B14F-4D97-AF65-F5344CB8AC3E}">
-        <p14:creationId xmlns:p14="http://schemas.microsoft.com/office/powerpoint/2010/main" val="198511383"/>
+        <p14:creationId xmlns:p14="http://schemas.microsoft.com/office/powerpoint/2010/main" val="1904575007"/>
       </p:ext>
     </p:extLst>
   </p:cSld>
